--- a/OZ Project.pptx
+++ b/OZ Project.pptx
@@ -264,7 +264,7 @@
           <a:p>
             <a:fld id="{58FD738E-2885-4057-98CC-A6BFEB7FA6B4}" type="datetimeFigureOut">
               <a:rPr lang="en-US" smtClean="0"/>
-              <a:t>3/13/2021</a:t>
+              <a:t>3/15/2021</a:t>
             </a:fld>
             <a:endParaRPr lang="en-US"/>
           </a:p>
@@ -462,7 +462,7 @@
           <a:p>
             <a:fld id="{58FD738E-2885-4057-98CC-A6BFEB7FA6B4}" type="datetimeFigureOut">
               <a:rPr lang="en-US" smtClean="0"/>
-              <a:t>3/13/2021</a:t>
+              <a:t>3/15/2021</a:t>
             </a:fld>
             <a:endParaRPr lang="en-US"/>
           </a:p>
@@ -670,7 +670,7 @@
           <a:p>
             <a:fld id="{58FD738E-2885-4057-98CC-A6BFEB7FA6B4}" type="datetimeFigureOut">
               <a:rPr lang="en-US" smtClean="0"/>
-              <a:t>3/13/2021</a:t>
+              <a:t>3/15/2021</a:t>
             </a:fld>
             <a:endParaRPr lang="en-US"/>
           </a:p>
@@ -868,7 +868,7 @@
           <a:p>
             <a:fld id="{58FD738E-2885-4057-98CC-A6BFEB7FA6B4}" type="datetimeFigureOut">
               <a:rPr lang="en-US" smtClean="0"/>
-              <a:t>3/13/2021</a:t>
+              <a:t>3/15/2021</a:t>
             </a:fld>
             <a:endParaRPr lang="en-US"/>
           </a:p>
@@ -1143,7 +1143,7 @@
           <a:p>
             <a:fld id="{58FD738E-2885-4057-98CC-A6BFEB7FA6B4}" type="datetimeFigureOut">
               <a:rPr lang="en-US" smtClean="0"/>
-              <a:t>3/13/2021</a:t>
+              <a:t>3/15/2021</a:t>
             </a:fld>
             <a:endParaRPr lang="en-US"/>
           </a:p>
@@ -1408,7 +1408,7 @@
           <a:p>
             <a:fld id="{58FD738E-2885-4057-98CC-A6BFEB7FA6B4}" type="datetimeFigureOut">
               <a:rPr lang="en-US" smtClean="0"/>
-              <a:t>3/13/2021</a:t>
+              <a:t>3/15/2021</a:t>
             </a:fld>
             <a:endParaRPr lang="en-US"/>
           </a:p>
@@ -1820,7 +1820,7 @@
           <a:p>
             <a:fld id="{58FD738E-2885-4057-98CC-A6BFEB7FA6B4}" type="datetimeFigureOut">
               <a:rPr lang="en-US" smtClean="0"/>
-              <a:t>3/13/2021</a:t>
+              <a:t>3/15/2021</a:t>
             </a:fld>
             <a:endParaRPr lang="en-US"/>
           </a:p>
@@ -1961,7 +1961,7 @@
           <a:p>
             <a:fld id="{58FD738E-2885-4057-98CC-A6BFEB7FA6B4}" type="datetimeFigureOut">
               <a:rPr lang="en-US" smtClean="0"/>
-              <a:t>3/13/2021</a:t>
+              <a:t>3/15/2021</a:t>
             </a:fld>
             <a:endParaRPr lang="en-US"/>
           </a:p>
@@ -2074,7 +2074,7 @@
           <a:p>
             <a:fld id="{58FD738E-2885-4057-98CC-A6BFEB7FA6B4}" type="datetimeFigureOut">
               <a:rPr lang="en-US" smtClean="0"/>
-              <a:t>3/13/2021</a:t>
+              <a:t>3/15/2021</a:t>
             </a:fld>
             <a:endParaRPr lang="en-US"/>
           </a:p>
@@ -2385,7 +2385,7 @@
           <a:p>
             <a:fld id="{58FD738E-2885-4057-98CC-A6BFEB7FA6B4}" type="datetimeFigureOut">
               <a:rPr lang="en-US" smtClean="0"/>
-              <a:t>3/13/2021</a:t>
+              <a:t>3/15/2021</a:t>
             </a:fld>
             <a:endParaRPr lang="en-US"/>
           </a:p>
@@ -2673,7 +2673,7 @@
           <a:p>
             <a:fld id="{58FD738E-2885-4057-98CC-A6BFEB7FA6B4}" type="datetimeFigureOut">
               <a:rPr lang="en-US" smtClean="0"/>
-              <a:t>3/13/2021</a:t>
+              <a:t>3/15/2021</a:t>
             </a:fld>
             <a:endParaRPr lang="en-US"/>
           </a:p>
@@ -2914,7 +2914,7 @@
           <a:p>
             <a:fld id="{58FD738E-2885-4057-98CC-A6BFEB7FA6B4}" type="datetimeFigureOut">
               <a:rPr lang="en-US" smtClean="0"/>
-              <a:t>3/13/2021</a:t>
+              <a:t>3/15/2021</a:t>
             </a:fld>
             <a:endParaRPr lang="en-US"/>
           </a:p>
@@ -3479,7 +3479,7 @@
       </p:pic>
       <p:sp>
         <p:nvSpPr>
-          <p:cNvPr id="24" name="Rectangle 23">
+          <p:cNvPr id="29" name="Rectangle 28">
             <a:extLst>
               <a:ext uri="{FF2B5EF4-FFF2-40B4-BE49-F238E27FC236}">
                 <a16:creationId xmlns:a16="http://schemas.microsoft.com/office/drawing/2014/main" id="{E9DCA5EA-C9F1-43F7-8CD9-E7D77919EBE7}"/>
@@ -3542,10 +3542,10 @@
       </p:sp>
       <p:pic>
         <p:nvPicPr>
-          <p:cNvPr id="3" name="Picture 2" descr="Graphical user interface, application&#10;&#10;Description automatically generated">
-            <a:extLst>
-              <a:ext uri="{FF2B5EF4-FFF2-40B4-BE49-F238E27FC236}">
-                <a16:creationId xmlns:a16="http://schemas.microsoft.com/office/drawing/2014/main" id="{2DC45B32-0821-46B7-9D4B-446AC3008391}"/>
+          <p:cNvPr id="4" name="Picture 3" descr="Graphical user interface, website&#10;&#10;Description automatically generated">
+            <a:extLst>
+              <a:ext uri="{FF2B5EF4-FFF2-40B4-BE49-F238E27FC236}">
+                <a16:creationId xmlns:a16="http://schemas.microsoft.com/office/drawing/2014/main" id="{A9711B7E-894F-4074-8929-F1E5F2722B0F}"/>
               </a:ext>
             </a:extLst>
           </p:cNvPr>
@@ -3562,7 +3562,7 @@
               </a:ext>
             </a:extLst>
           </a:blip>
-          <a:srcRect l="5125" r="4634" b="2"/>
+          <a:srcRect r="4198"/>
           <a:stretch/>
         </p:blipFill>
         <p:spPr>
@@ -3627,10 +3627,10 @@
       </p:grpSpPr>
       <p:pic>
         <p:nvPicPr>
-          <p:cNvPr id="7" name="Picture 6" descr="A picture containing smoke, steam, coming, weapon&#10;&#10;Description automatically generated">
-            <a:extLst>
-              <a:ext uri="{FF2B5EF4-FFF2-40B4-BE49-F238E27FC236}">
-                <a16:creationId xmlns:a16="http://schemas.microsoft.com/office/drawing/2014/main" id="{1850CD93-9038-443D-8538-B260D60A99ED}"/>
+          <p:cNvPr id="4" name="Picture 3" descr="Map&#10;&#10;Description automatically generated">
+            <a:extLst>
+              <a:ext uri="{FF2B5EF4-FFF2-40B4-BE49-F238E27FC236}">
+                <a16:creationId xmlns:a16="http://schemas.microsoft.com/office/drawing/2014/main" id="{E4552D5D-E9AE-4151-BC1C-FBB5A4EDC56D}"/>
               </a:ext>
             </a:extLst>
           </p:cNvPr>
@@ -3647,25 +3647,87 @@
               </a:ext>
             </a:extLst>
           </a:blip>
-          <a:srcRect r="6666"/>
+          <a:srcRect r="7196" b="1"/>
           <a:stretch/>
         </p:blipFill>
         <p:spPr>
           <a:xfrm>
-            <a:off x="20" y="10"/>
-            <a:ext cx="12191980" cy="6857990"/>
+            <a:off x="5162052" y="3272588"/>
+            <a:ext cx="6105382" cy="3585411"/>
           </a:xfrm>
           <a:prstGeom prst="rect">
             <a:avLst/>
           </a:prstGeom>
         </p:spPr>
       </p:pic>
+      <p:pic>
+        <p:nvPicPr>
+          <p:cNvPr id="7" name="Picture 6" descr="A picture containing smoke, steam, coming, weapon&#10;&#10;Description automatically generated">
+            <a:extLst>
+              <a:ext uri="{FF2B5EF4-FFF2-40B4-BE49-F238E27FC236}">
+                <a16:creationId xmlns:a16="http://schemas.microsoft.com/office/drawing/2014/main" id="{1850CD93-9038-443D-8538-B260D60A99ED}"/>
+              </a:ext>
+            </a:extLst>
+          </p:cNvPr>
+          <p:cNvPicPr>
+            <a:picLocks noChangeAspect="1"/>
+          </p:cNvPicPr>
+          <p:nvPr/>
+        </p:nvPicPr>
+        <p:blipFill rotWithShape="1">
+          <a:blip r:embed="rId3">
+            <a:extLst>
+              <a:ext uri="{28A0092B-C50C-407E-A947-70E740481C1C}">
+                <a14:useLocalDpi xmlns:a14="http://schemas.microsoft.com/office/drawing/2010/main" val="0"/>
+              </a:ext>
+            </a:extLst>
+          </a:blip>
+          <a:srcRect r="1883" b="-1"/>
+          <a:stretch/>
+        </p:blipFill>
+        <p:spPr>
+          <a:xfrm>
+            <a:off x="20" y="9"/>
+            <a:ext cx="7279893" cy="3895335"/>
+          </a:xfrm>
+          <a:custGeom>
+            <a:avLst/>
+            <a:gdLst/>
+            <a:ahLst/>
+            <a:cxnLst/>
+            <a:rect l="l" t="t" r="r" b="b"/>
+            <a:pathLst>
+              <a:path w="7279913" h="3895335">
+                <a:moveTo>
+                  <a:pt x="0" y="0"/>
+                </a:moveTo>
+                <a:lnTo>
+                  <a:pt x="7279913" y="0"/>
+                </a:lnTo>
+                <a:lnTo>
+                  <a:pt x="7279913" y="3116976"/>
+                </a:lnTo>
+                <a:lnTo>
+                  <a:pt x="5011287" y="3116976"/>
+                </a:lnTo>
+                <a:lnTo>
+                  <a:pt x="5011287" y="3895335"/>
+                </a:lnTo>
+                <a:lnTo>
+                  <a:pt x="0" y="3895335"/>
+                </a:lnTo>
+                <a:close/>
+              </a:path>
+            </a:pathLst>
+          </a:custGeom>
+        </p:spPr>
+      </p:pic>
       <p:sp>
         <p:nvSpPr>
-          <p:cNvPr id="26" name="Freeform: Shape 25">
-            <a:extLst>
-              <a:ext uri="{FF2B5EF4-FFF2-40B4-BE49-F238E27FC236}">
-                <a16:creationId xmlns:a16="http://schemas.microsoft.com/office/drawing/2014/main" id="{22C6C9C9-83BF-4A6C-A1BF-C1735C61B4FF}"/>
+          <p:cNvPr id="31" name="Rectangle 30">
+            <a:extLst>
+              <a:ext uri="{FF2B5EF4-FFF2-40B4-BE49-F238E27FC236}">
+                <a16:creationId xmlns:a16="http://schemas.microsoft.com/office/drawing/2014/main" id="{73EDB3DA-AEF0-428A-A317-C42827E6C836}"/>
               </a:ext>
               <a:ext uri="{C183D7F6-B498-43B3-948B-1728B52AA6E4}">
                 <adec:decorative xmlns:adec="http://schemas.microsoft.com/office/drawing/2017/decorative" val="1"/>
@@ -3685,137 +3747,80 @@
         </p:nvSpPr>
         <p:spPr>
           <a:xfrm>
-            <a:off x="4896524" y="1"/>
-            <a:ext cx="7295477" cy="6853457"/>
+            <a:off x="7458302" y="0"/>
+            <a:ext cx="3809132" cy="3116984"/>
           </a:xfrm>
-          <a:custGeom>
+          <a:prstGeom prst="rect">
             <a:avLst/>
-            <a:gdLst>
-              <a:gd name="connsiteX0" fmla="*/ 2113864 w 7295477"/>
-              <a:gd name="connsiteY0" fmla="*/ 0 h 6853457"/>
-              <a:gd name="connsiteX1" fmla="*/ 5731689 w 7295477"/>
-              <a:gd name="connsiteY1" fmla="*/ 0 h 6853457"/>
-              <a:gd name="connsiteX2" fmla="*/ 5792604 w 7295477"/>
-              <a:gd name="connsiteY2" fmla="*/ 31199 h 6853457"/>
-              <a:gd name="connsiteX3" fmla="*/ 7277638 w 7295477"/>
-              <a:gd name="connsiteY3" fmla="*/ 1446415 h 6853457"/>
-              <a:gd name="connsiteX4" fmla="*/ 7295477 w 7295477"/>
-              <a:gd name="connsiteY4" fmla="*/ 1478103 h 6853457"/>
-              <a:gd name="connsiteX5" fmla="*/ 7295477 w 7295477"/>
-              <a:gd name="connsiteY5" fmla="*/ 5482224 h 6853457"/>
-              <a:gd name="connsiteX6" fmla="*/ 7195301 w 7295477"/>
-              <a:gd name="connsiteY6" fmla="*/ 5644337 h 6853457"/>
-              <a:gd name="connsiteX7" fmla="*/ 5956878 w 7295477"/>
-              <a:gd name="connsiteY7" fmla="*/ 6835380 h 6853457"/>
-              <a:gd name="connsiteX8" fmla="*/ 5925438 w 7295477"/>
-              <a:gd name="connsiteY8" fmla="*/ 6853457 h 6853457"/>
-              <a:gd name="connsiteX9" fmla="*/ 1920114 w 7295477"/>
-              <a:gd name="connsiteY9" fmla="*/ 6853457 h 6853457"/>
-              <a:gd name="connsiteX10" fmla="*/ 1888674 w 7295477"/>
-              <a:gd name="connsiteY10" fmla="*/ 6835380 h 6853457"/>
-              <a:gd name="connsiteX11" fmla="*/ 0 w 7295477"/>
-              <a:gd name="connsiteY11" fmla="*/ 3480517 h 6853457"/>
-              <a:gd name="connsiteX12" fmla="*/ 2052949 w 7295477"/>
-              <a:gd name="connsiteY12" fmla="*/ 31199 h 6853457"/>
-            </a:gdLst>
-            <a:ahLst/>
-            <a:cxnLst>
-              <a:cxn ang="0">
-                <a:pos x="connsiteX0" y="connsiteY0"/>
-              </a:cxn>
-              <a:cxn ang="0">
-                <a:pos x="connsiteX1" y="connsiteY1"/>
-              </a:cxn>
-              <a:cxn ang="0">
-                <a:pos x="connsiteX2" y="connsiteY2"/>
-              </a:cxn>
-              <a:cxn ang="0">
-                <a:pos x="connsiteX3" y="connsiteY3"/>
-              </a:cxn>
-              <a:cxn ang="0">
-                <a:pos x="connsiteX4" y="connsiteY4"/>
-              </a:cxn>
-              <a:cxn ang="0">
-                <a:pos x="connsiteX5" y="connsiteY5"/>
-              </a:cxn>
-              <a:cxn ang="0">
-                <a:pos x="connsiteX6" y="connsiteY6"/>
-              </a:cxn>
-              <a:cxn ang="0">
-                <a:pos x="connsiteX7" y="connsiteY7"/>
-              </a:cxn>
-              <a:cxn ang="0">
-                <a:pos x="connsiteX8" y="connsiteY8"/>
-              </a:cxn>
-              <a:cxn ang="0">
-                <a:pos x="connsiteX9" y="connsiteY9"/>
-              </a:cxn>
-              <a:cxn ang="0">
-                <a:pos x="connsiteX10" y="connsiteY10"/>
-              </a:cxn>
-              <a:cxn ang="0">
-                <a:pos x="connsiteX11" y="connsiteY11"/>
-              </a:cxn>
-              <a:cxn ang="0">
-                <a:pos x="connsiteX12" y="connsiteY12"/>
-              </a:cxn>
-            </a:cxnLst>
-            <a:rect l="l" t="t" r="r" b="b"/>
-            <a:pathLst>
-              <a:path w="7295477" h="6853457">
-                <a:moveTo>
-                  <a:pt x="2113864" y="0"/>
-                </a:moveTo>
-                <a:lnTo>
-                  <a:pt x="5731689" y="0"/>
-                </a:lnTo>
-                <a:lnTo>
-                  <a:pt x="5792604" y="31199"/>
-                </a:lnTo>
-                <a:cubicBezTo>
-                  <a:pt x="6404018" y="363339"/>
-                  <a:pt x="6917255" y="853303"/>
-                  <a:pt x="7277638" y="1446415"/>
-                </a:cubicBezTo>
-                <a:lnTo>
-                  <a:pt x="7295477" y="1478103"/>
-                </a:lnTo>
-                <a:lnTo>
-                  <a:pt x="7295477" y="5482224"/>
-                </a:lnTo>
-                <a:lnTo>
-                  <a:pt x="7195301" y="5644337"/>
-                </a:lnTo>
-                <a:cubicBezTo>
-                  <a:pt x="6875688" y="6126745"/>
-                  <a:pt x="6452261" y="6534378"/>
-                  <a:pt x="5956878" y="6835380"/>
-                </a:cubicBezTo>
-                <a:lnTo>
-                  <a:pt x="5925438" y="6853457"/>
-                </a:lnTo>
-                <a:lnTo>
-                  <a:pt x="1920114" y="6853457"/>
-                </a:lnTo>
-                <a:lnTo>
-                  <a:pt x="1888674" y="6835380"/>
-                </a:lnTo>
-                <a:cubicBezTo>
-                  <a:pt x="756370" y="6147375"/>
-                  <a:pt x="0" y="4902276"/>
-                  <a:pt x="0" y="3480517"/>
-                </a:cubicBezTo>
-                <a:cubicBezTo>
-                  <a:pt x="0" y="1991056"/>
-                  <a:pt x="830121" y="695479"/>
-                  <a:pt x="2052949" y="31199"/>
-                </a:cubicBezTo>
-                <a:close/>
-              </a:path>
-            </a:pathLst>
-          </a:custGeom>
+          </a:prstGeom>
           <a:solidFill>
-            <a:schemeClr val="bg1">
+            <a:schemeClr val="tx1">
+              <a:alpha val="50000"/>
+            </a:schemeClr>
+          </a:solidFill>
+          <a:ln>
+            <a:noFill/>
+          </a:ln>
+        </p:spPr>
+        <p:style>
+          <a:lnRef idx="2">
+            <a:schemeClr val="accent1">
+              <a:shade val="50000"/>
+            </a:schemeClr>
+          </a:lnRef>
+          <a:fillRef idx="1">
+            <a:schemeClr val="accent1"/>
+          </a:fillRef>
+          <a:effectRef idx="0">
+            <a:schemeClr val="accent1"/>
+          </a:effectRef>
+          <a:fontRef idx="minor">
+            <a:schemeClr val="lt1"/>
+          </a:fontRef>
+        </p:style>
+        <p:txBody>
+          <a:bodyPr rtlCol="0" anchor="ctr"/>
+          <a:lstStyle/>
+          <a:p>
+            <a:pPr algn="ctr"/>
+            <a:endParaRPr lang="en-US"/>
+          </a:p>
+        </p:txBody>
+      </p:sp>
+      <p:sp>
+        <p:nvSpPr>
+          <p:cNvPr id="36" name="Rectangle 32">
+            <a:extLst>
+              <a:ext uri="{FF2B5EF4-FFF2-40B4-BE49-F238E27FC236}">
+                <a16:creationId xmlns:a16="http://schemas.microsoft.com/office/drawing/2014/main" id="{4A06AD8B-0227-4FF6-AEB4-C66C5A5398C1}"/>
+              </a:ext>
+              <a:ext uri="{C183D7F6-B498-43B3-948B-1728B52AA6E4}">
+                <adec:decorative xmlns:adec="http://schemas.microsoft.com/office/drawing/2017/decorative" val="1"/>
+              </a:ext>
+            </a:extLst>
+          </p:cNvPr>
+          <p:cNvSpPr>
+            <a:spLocks noGrp="1" noRot="1" noChangeAspect="1" noMove="1" noResize="1" noEditPoints="1" noAdjustHandles="1" noChangeArrowheads="1" noChangeShapeType="1" noTextEdit="1"/>
+          </p:cNvSpPr>
+          <p:nvPr>
+            <p:extLst>
+              <p:ext uri="{386F3935-93C4-4BCD-93E2-E3B085C9AB24}">
+                <p16:designElem xmlns:p16="http://schemas.microsoft.com/office/powerpoint/2015/main" val="1"/>
+              </p:ext>
+            </p:extLst>
+          </p:nvPr>
+        </p:nvSpPr>
+        <p:spPr>
+          <a:xfrm>
+            <a:off x="0" y="4069422"/>
+            <a:ext cx="5001186" cy="2788578"/>
+          </a:xfrm>
+          <a:prstGeom prst="rect">
+            <a:avLst/>
+          </a:prstGeom>
+          <a:solidFill>
+            <a:schemeClr val="bg2">
+              <a:lumMod val="90000"/>
               <a:alpha val="80000"/>
             </a:schemeClr>
           </a:solidFill>
@@ -3840,9 +3845,7 @@
           </a:fontRef>
         </p:style>
         <p:txBody>
-          <a:bodyPr wrap="square" rtlCol="0" anchor="ctr">
-            <a:noAutofit/>
-          </a:bodyPr>
+          <a:bodyPr rtlCol="0" anchor="ctr"/>
           <a:lstStyle/>
           <a:p>
             <a:pPr algn="ctr"/>
@@ -3850,91 +3853,71 @@
           </a:p>
         </p:txBody>
       </p:sp>
-      <p:pic>
-        <p:nvPicPr>
-          <p:cNvPr id="2" name="Picture 1">
-            <a:extLst>
-              <a:ext uri="{FF2B5EF4-FFF2-40B4-BE49-F238E27FC236}">
-                <a16:creationId xmlns:a16="http://schemas.microsoft.com/office/drawing/2014/main" id="{82A7940A-3092-4B40-91D9-3B332913C9B5}"/>
-              </a:ext>
-            </a:extLst>
-          </p:cNvPr>
-          <p:cNvPicPr>
-            <a:picLocks noChangeAspect="1"/>
-          </p:cNvPicPr>
-          <p:nvPr/>
-        </p:nvPicPr>
-        <p:blipFill rotWithShape="1">
-          <a:blip r:embed="rId3"/>
-          <a:srcRect r="13923" b="-1"/>
-          <a:stretch/>
-        </p:blipFill>
+      <p:sp>
+        <p:nvSpPr>
+          <p:cNvPr id="35" name="Rectangle 34">
+            <a:extLst>
+              <a:ext uri="{FF2B5EF4-FFF2-40B4-BE49-F238E27FC236}">
+                <a16:creationId xmlns:a16="http://schemas.microsoft.com/office/drawing/2014/main" id="{5DFACEB2-7564-4FB9-B739-C2CE339BA3D2}"/>
+              </a:ext>
+              <a:ext uri="{C183D7F6-B498-43B3-948B-1728B52AA6E4}">
+                <adec:decorative xmlns:adec="http://schemas.microsoft.com/office/drawing/2017/decorative" val="1"/>
+              </a:ext>
+            </a:extLst>
+          </p:cNvPr>
+          <p:cNvSpPr>
+            <a:spLocks noGrp="1" noRot="1" noChangeAspect="1" noMove="1" noResize="1" noEditPoints="1" noAdjustHandles="1" noChangeArrowheads="1" noChangeShapeType="1" noTextEdit="1"/>
+          </p:cNvSpPr>
+          <p:nvPr>
+            <p:extLst>
+              <p:ext uri="{386F3935-93C4-4BCD-93E2-E3B085C9AB24}">
+                <p16:designElem xmlns:p16="http://schemas.microsoft.com/office/powerpoint/2015/main" val="1"/>
+              </p:ext>
+            </p:extLst>
+          </p:nvPr>
+        </p:nvSpPr>
         <p:spPr>
           <a:xfrm>
-            <a:off x="5063087" y="4543"/>
-            <a:ext cx="7128913" cy="6853457"/>
+            <a:off x="11423904" y="0"/>
+            <a:ext cx="768096" cy="6858000"/>
           </a:xfrm>
-          <a:custGeom>
+          <a:prstGeom prst="rect">
             <a:avLst/>
-            <a:gdLst/>
-            <a:ahLst/>
-            <a:cxnLst/>
-            <a:rect l="l" t="t" r="r" b="b"/>
-            <a:pathLst>
-              <a:path w="7128913" h="6853457">
-                <a:moveTo>
-                  <a:pt x="2343548" y="0"/>
-                </a:moveTo>
-                <a:lnTo>
-                  <a:pt x="5168877" y="0"/>
-                </a:lnTo>
-                <a:lnTo>
-                  <a:pt x="5218299" y="19487"/>
-                </a:lnTo>
-                <a:cubicBezTo>
-                  <a:pt x="5976640" y="340238"/>
-                  <a:pt x="6607722" y="902948"/>
-                  <a:pt x="7014769" y="1610837"/>
-                </a:cubicBezTo>
-                <a:lnTo>
-                  <a:pt x="7128913" y="1827198"/>
-                </a:lnTo>
-                <a:lnTo>
-                  <a:pt x="7128913" y="5131581"/>
-                </a:lnTo>
-                <a:lnTo>
-                  <a:pt x="7091067" y="5210750"/>
-                </a:lnTo>
-                <a:cubicBezTo>
-                  <a:pt x="6744936" y="5876527"/>
-                  <a:pt x="6205281" y="6425584"/>
-                  <a:pt x="5546646" y="6783375"/>
-                </a:cubicBezTo>
-                <a:lnTo>
-                  <a:pt x="5409811" y="6853457"/>
-                </a:lnTo>
-                <a:lnTo>
-                  <a:pt x="2102613" y="6853457"/>
-                </a:lnTo>
-                <a:lnTo>
-                  <a:pt x="1965779" y="6783375"/>
-                </a:lnTo>
-                <a:cubicBezTo>
-                  <a:pt x="794873" y="6147301"/>
-                  <a:pt x="0" y="4906735"/>
-                  <a:pt x="0" y="3480517"/>
-                </a:cubicBezTo>
-                <a:cubicBezTo>
-                  <a:pt x="0" y="1924643"/>
-                  <a:pt x="945964" y="589711"/>
-                  <a:pt x="2294125" y="19487"/>
-                </a:cubicBezTo>
-                <a:close/>
-              </a:path>
-            </a:pathLst>
-          </a:custGeom>
+          </a:prstGeom>
+          <a:solidFill>
+            <a:srgbClr val="3D646A">
+              <a:alpha val="90000"/>
+            </a:srgbClr>
+          </a:solidFill>
+          <a:ln>
+            <a:noFill/>
+          </a:ln>
         </p:spPr>
-      </p:pic>
+        <p:style>
+          <a:lnRef idx="2">
+            <a:schemeClr val="accent1">
+              <a:shade val="50000"/>
+            </a:schemeClr>
+          </a:lnRef>
+          <a:fillRef idx="1">
+            <a:schemeClr val="accent1"/>
+          </a:fillRef>
+          <a:effectRef idx="0">
+            <a:schemeClr val="accent1"/>
+          </a:effectRef>
+          <a:fontRef idx="minor">
+            <a:schemeClr val="lt1"/>
+          </a:fontRef>
+        </p:style>
+        <p:txBody>
+          <a:bodyPr rtlCol="0" anchor="ctr"/>
+          <a:lstStyle/>
+          <a:p>
+            <a:pPr algn="ctr"/>
+            <a:endParaRPr lang="en-US"/>
+          </a:p>
+        </p:txBody>
+      </p:sp>
     </p:spTree>
     <p:extLst>
       <p:ext uri="{BB962C8B-B14F-4D97-AF65-F5344CB8AC3E}">
@@ -4602,7 +4585,7 @@
         </p:blipFill>
         <p:spPr>
           <a:xfrm>
-            <a:off x="1859741" y="3971210"/>
+            <a:off x="2993538" y="4297708"/>
             <a:ext cx="8469470" cy="2576855"/>
           </a:xfrm>
           <a:prstGeom prst="rect">
@@ -4638,7 +4621,7 @@
         </p:blipFill>
         <p:spPr>
           <a:xfrm>
-            <a:off x="8031249" y="677219"/>
+            <a:off x="6383320" y="36035"/>
             <a:ext cx="2968740" cy="2751780"/>
           </a:xfrm>
           <a:prstGeom prst="rect">
@@ -4648,10 +4631,10 @@
       </p:pic>
       <p:pic>
         <p:nvPicPr>
-          <p:cNvPr id="8" name="Picture 7" descr="Chart, scatter chart&#10;&#10;Description automatically generated">
-            <a:extLst>
-              <a:ext uri="{FF2B5EF4-FFF2-40B4-BE49-F238E27FC236}">
-                <a16:creationId xmlns:a16="http://schemas.microsoft.com/office/drawing/2014/main" id="{D5C94709-C3D9-47F8-A1A3-C10FC40F46EC}"/>
+          <p:cNvPr id="18" name="Picture 17" descr="Chart, scatter chart&#10;&#10;Description automatically generated">
+            <a:extLst>
+              <a:ext uri="{FF2B5EF4-FFF2-40B4-BE49-F238E27FC236}">
+                <a16:creationId xmlns:a16="http://schemas.microsoft.com/office/drawing/2014/main" id="{067B1A36-DFC1-4379-9FE9-37829A09258F}"/>
               </a:ext>
             </a:extLst>
           </p:cNvPr>
@@ -4674,8 +4657,8 @@
         </p:blipFill>
         <p:spPr>
           <a:xfrm>
-            <a:off x="3501195" y="485240"/>
-            <a:ext cx="3431336" cy="1992234"/>
+            <a:off x="115583" y="166876"/>
+            <a:ext cx="5590697" cy="3375886"/>
           </a:xfrm>
           <a:prstGeom prst="rect">
             <a:avLst/>
@@ -4684,10 +4667,10 @@
       </p:pic>
       <p:pic>
         <p:nvPicPr>
-          <p:cNvPr id="10" name="Picture 9" descr="Chart, scatter chart&#10;&#10;Description automatically generated">
-            <a:extLst>
-              <a:ext uri="{FF2B5EF4-FFF2-40B4-BE49-F238E27FC236}">
-                <a16:creationId xmlns:a16="http://schemas.microsoft.com/office/drawing/2014/main" id="{0F3DC17B-E7AC-4C84-8769-B9A78769ECA2}"/>
+          <p:cNvPr id="17" name="Picture 16" descr="Chart, scatter chart&#10;&#10;Description automatically generated">
+            <a:extLst>
+              <a:ext uri="{FF2B5EF4-FFF2-40B4-BE49-F238E27FC236}">
+                <a16:creationId xmlns:a16="http://schemas.microsoft.com/office/drawing/2014/main" id="{66B40517-5800-4843-9BD3-4E0DDA5E8D99}"/>
               </a:ext>
             </a:extLst>
           </p:cNvPr>
@@ -4710,8 +4693,8 @@
         </p:blipFill>
         <p:spPr>
           <a:xfrm>
-            <a:off x="2246645" y="607895"/>
-            <a:ext cx="3629150" cy="2213486"/>
+            <a:off x="127526" y="185139"/>
+            <a:ext cx="5590696" cy="3343495"/>
           </a:xfrm>
           <a:prstGeom prst="rect">
             <a:avLst/>
@@ -4720,10 +4703,10 @@
       </p:pic>
       <p:pic>
         <p:nvPicPr>
-          <p:cNvPr id="12" name="Picture 11" descr="Chart, scatter chart&#10;&#10;Description automatically generated">
-            <a:extLst>
-              <a:ext uri="{FF2B5EF4-FFF2-40B4-BE49-F238E27FC236}">
-                <a16:creationId xmlns:a16="http://schemas.microsoft.com/office/drawing/2014/main" id="{F5E8D161-1ABF-410D-97D7-085784C29B27}"/>
+          <p:cNvPr id="22" name="Picture 21" descr="Chart, scatter chart&#10;&#10;Description automatically generated">
+            <a:extLst>
+              <a:ext uri="{FF2B5EF4-FFF2-40B4-BE49-F238E27FC236}">
+                <a16:creationId xmlns:a16="http://schemas.microsoft.com/office/drawing/2014/main" id="{0AD6CD62-998B-47F6-BC1F-CCB370B30C6D}"/>
               </a:ext>
             </a:extLst>
           </p:cNvPr>
@@ -4746,8 +4729,8 @@
         </p:blipFill>
         <p:spPr>
           <a:xfrm>
-            <a:off x="2101621" y="204700"/>
-            <a:ext cx="3339364" cy="2112972"/>
+            <a:off x="124533" y="199266"/>
+            <a:ext cx="5581747" cy="3343496"/>
           </a:xfrm>
           <a:prstGeom prst="rect">
             <a:avLst/>
@@ -4756,10 +4739,10 @@
       </p:pic>
       <p:pic>
         <p:nvPicPr>
-          <p:cNvPr id="14" name="Picture 13" descr="Chart, scatter chart&#10;&#10;Description automatically generated">
-            <a:extLst>
-              <a:ext uri="{FF2B5EF4-FFF2-40B4-BE49-F238E27FC236}">
-                <a16:creationId xmlns:a16="http://schemas.microsoft.com/office/drawing/2014/main" id="{F1CD91E5-0B7D-4576-B455-C6A895DA3C84}"/>
+          <p:cNvPr id="19" name="Picture 18" descr="Chart, scatter chart&#10;&#10;Description automatically generated">
+            <a:extLst>
+              <a:ext uri="{FF2B5EF4-FFF2-40B4-BE49-F238E27FC236}">
+                <a16:creationId xmlns:a16="http://schemas.microsoft.com/office/drawing/2014/main" id="{F5BBDD05-1CEA-4639-BA00-E982F5732B06}"/>
               </a:ext>
             </a:extLst>
           </p:cNvPr>
@@ -4782,8 +4765,8 @@
         </p:blipFill>
         <p:spPr>
           <a:xfrm>
-            <a:off x="1878902" y="511307"/>
-            <a:ext cx="3072042" cy="1870622"/>
+            <a:off x="124532" y="213394"/>
+            <a:ext cx="5548972" cy="3343495"/>
           </a:xfrm>
           <a:prstGeom prst="rect">
             <a:avLst/>
@@ -4792,10 +4775,10 @@
       </p:pic>
       <p:pic>
         <p:nvPicPr>
-          <p:cNvPr id="16" name="Picture 15" descr="Chart, scatter chart&#10;&#10;Description automatically generated">
-            <a:extLst>
-              <a:ext uri="{FF2B5EF4-FFF2-40B4-BE49-F238E27FC236}">
-                <a16:creationId xmlns:a16="http://schemas.microsoft.com/office/drawing/2014/main" id="{079D5C27-AB9D-408D-B585-D605127D2222}"/>
+          <p:cNvPr id="21" name="Picture 20" descr="Chart, scatter chart&#10;&#10;Description automatically generated">
+            <a:extLst>
+              <a:ext uri="{FF2B5EF4-FFF2-40B4-BE49-F238E27FC236}">
+                <a16:creationId xmlns:a16="http://schemas.microsoft.com/office/drawing/2014/main" id="{B6EC27B8-84F5-4DD3-88B7-DB03CBB1FDC0}"/>
               </a:ext>
             </a:extLst>
           </p:cNvPr>
@@ -4818,8 +4801,8 @@
         </p:blipFill>
         <p:spPr>
           <a:xfrm>
-            <a:off x="3404530" y="389204"/>
-            <a:ext cx="4953204" cy="2751780"/>
+            <a:off x="139466" y="213393"/>
+            <a:ext cx="5451529" cy="3343495"/>
           </a:xfrm>
           <a:prstGeom prst="rect">
             <a:avLst/>
@@ -4828,10 +4811,10 @@
       </p:pic>
       <p:pic>
         <p:nvPicPr>
-          <p:cNvPr id="18" name="Picture 17" descr="Chart, scatter chart&#10;&#10;Description automatically generated">
-            <a:extLst>
-              <a:ext uri="{FF2B5EF4-FFF2-40B4-BE49-F238E27FC236}">
-                <a16:creationId xmlns:a16="http://schemas.microsoft.com/office/drawing/2014/main" id="{067B1A36-DFC1-4379-9FE9-37829A09258F}"/>
+          <p:cNvPr id="15" name="Picture 14" descr="Chart, scatter chart&#10;&#10;Description automatically generated">
+            <a:extLst>
+              <a:ext uri="{FF2B5EF4-FFF2-40B4-BE49-F238E27FC236}">
+                <a16:creationId xmlns:a16="http://schemas.microsoft.com/office/drawing/2014/main" id="{F8E74377-1B16-470B-BC44-51B5C7B03D8E}"/>
               </a:ext>
             </a:extLst>
           </p:cNvPr>
@@ -4854,8 +4837,8 @@
         </p:blipFill>
         <p:spPr>
           <a:xfrm>
-            <a:off x="-232466" y="150000"/>
-            <a:ext cx="4655518" cy="2765984"/>
+            <a:off x="127526" y="207596"/>
+            <a:ext cx="5590695" cy="3365263"/>
           </a:xfrm>
           <a:prstGeom prst="rect">
             <a:avLst/>
@@ -4864,10 +4847,10 @@
       </p:pic>
       <p:pic>
         <p:nvPicPr>
-          <p:cNvPr id="20" name="Picture 19" descr="Chart, scatter chart&#10;&#10;Description automatically generated">
-            <a:extLst>
-              <a:ext uri="{FF2B5EF4-FFF2-40B4-BE49-F238E27FC236}">
-                <a16:creationId xmlns:a16="http://schemas.microsoft.com/office/drawing/2014/main" id="{9D6C759C-9FC0-429E-B385-3515BE7E831E}"/>
+          <p:cNvPr id="13" name="Picture 12" descr="Chart, scatter chart&#10;&#10;Description automatically generated">
+            <a:extLst>
+              <a:ext uri="{FF2B5EF4-FFF2-40B4-BE49-F238E27FC236}">
+                <a16:creationId xmlns:a16="http://schemas.microsoft.com/office/drawing/2014/main" id="{121E4E49-2A73-4EFD-8B04-4C0AF952B61B}"/>
               </a:ext>
             </a:extLst>
           </p:cNvPr>
@@ -4890,8 +4873,8 @@
         </p:blipFill>
         <p:spPr>
           <a:xfrm>
-            <a:off x="180441" y="201641"/>
-            <a:ext cx="5451529" cy="3343496"/>
+            <a:off x="130515" y="191033"/>
+            <a:ext cx="5599646" cy="3318343"/>
           </a:xfrm>
           <a:prstGeom prst="rect">
             <a:avLst/>
@@ -4920,6 +4903,890 @@
       </p:transition>
     </mc:Fallback>
   </mc:AlternateContent>
+  <p:timing>
+    <p:tnLst>
+      <p:par>
+        <p:cTn id="1" dur="indefinite" restart="never" nodeType="tmRoot">
+          <p:childTnLst>
+            <p:seq concurrent="1" nextAc="seek">
+              <p:cTn id="2" dur="indefinite" nodeType="mainSeq">
+                <p:childTnLst>
+                  <p:par>
+                    <p:cTn id="3" fill="hold">
+                      <p:stCondLst>
+                        <p:cond delay="indefinite"/>
+                      </p:stCondLst>
+                      <p:childTnLst>
+                        <p:par>
+                          <p:cTn id="4" fill="hold">
+                            <p:stCondLst>
+                              <p:cond delay="0"/>
+                            </p:stCondLst>
+                            <p:childTnLst>
+                              <p:par>
+                                <p:cTn id="5" presetID="31" presetClass="entr" presetSubtype="0" fill="hold" nodeType="clickEffect">
+                                  <p:stCondLst>
+                                    <p:cond delay="0"/>
+                                  </p:stCondLst>
+                                  <p:childTnLst>
+                                    <p:set>
+                                      <p:cBhvr>
+                                        <p:cTn id="6" dur="1" fill="hold">
+                                          <p:stCondLst>
+                                            <p:cond delay="0"/>
+                                          </p:stCondLst>
+                                        </p:cTn>
+                                        <p:tgtEl>
+                                          <p:spTgt spid="18"/>
+                                        </p:tgtEl>
+                                        <p:attrNameLst>
+                                          <p:attrName>style.visibility</p:attrName>
+                                        </p:attrNameLst>
+                                      </p:cBhvr>
+                                      <p:to>
+                                        <p:strVal val="visible"/>
+                                      </p:to>
+                                    </p:set>
+                                    <p:anim calcmode="lin" valueType="num">
+                                      <p:cBhvr>
+                                        <p:cTn id="7" dur="1000" fill="hold"/>
+                                        <p:tgtEl>
+                                          <p:spTgt spid="18"/>
+                                        </p:tgtEl>
+                                        <p:attrNameLst>
+                                          <p:attrName>ppt_w</p:attrName>
+                                        </p:attrNameLst>
+                                      </p:cBhvr>
+                                      <p:tavLst>
+                                        <p:tav tm="0">
+                                          <p:val>
+                                            <p:fltVal val="0"/>
+                                          </p:val>
+                                        </p:tav>
+                                        <p:tav tm="100000">
+                                          <p:val>
+                                            <p:strVal val="#ppt_w"/>
+                                          </p:val>
+                                        </p:tav>
+                                      </p:tavLst>
+                                    </p:anim>
+                                    <p:anim calcmode="lin" valueType="num">
+                                      <p:cBhvr>
+                                        <p:cTn id="8" dur="1000" fill="hold"/>
+                                        <p:tgtEl>
+                                          <p:spTgt spid="18"/>
+                                        </p:tgtEl>
+                                        <p:attrNameLst>
+                                          <p:attrName>ppt_h</p:attrName>
+                                        </p:attrNameLst>
+                                      </p:cBhvr>
+                                      <p:tavLst>
+                                        <p:tav tm="0">
+                                          <p:val>
+                                            <p:fltVal val="0"/>
+                                          </p:val>
+                                        </p:tav>
+                                        <p:tav tm="100000">
+                                          <p:val>
+                                            <p:strVal val="#ppt_h"/>
+                                          </p:val>
+                                        </p:tav>
+                                      </p:tavLst>
+                                    </p:anim>
+                                    <p:anim calcmode="lin" valueType="num">
+                                      <p:cBhvr>
+                                        <p:cTn id="9" dur="1000" fill="hold"/>
+                                        <p:tgtEl>
+                                          <p:spTgt spid="18"/>
+                                        </p:tgtEl>
+                                        <p:attrNameLst>
+                                          <p:attrName>style.rotation</p:attrName>
+                                        </p:attrNameLst>
+                                      </p:cBhvr>
+                                      <p:tavLst>
+                                        <p:tav tm="0">
+                                          <p:val>
+                                            <p:fltVal val="90"/>
+                                          </p:val>
+                                        </p:tav>
+                                        <p:tav tm="100000">
+                                          <p:val>
+                                            <p:fltVal val="0"/>
+                                          </p:val>
+                                        </p:tav>
+                                      </p:tavLst>
+                                    </p:anim>
+                                    <p:animEffect transition="in" filter="fade">
+                                      <p:cBhvr>
+                                        <p:cTn id="10" dur="1000"/>
+                                        <p:tgtEl>
+                                          <p:spTgt spid="18"/>
+                                        </p:tgtEl>
+                                      </p:cBhvr>
+                                    </p:animEffect>
+                                  </p:childTnLst>
+                                </p:cTn>
+                              </p:par>
+                            </p:childTnLst>
+                          </p:cTn>
+                        </p:par>
+                      </p:childTnLst>
+                    </p:cTn>
+                  </p:par>
+                  <p:par>
+                    <p:cTn id="11" fill="hold">
+                      <p:stCondLst>
+                        <p:cond delay="indefinite"/>
+                      </p:stCondLst>
+                      <p:childTnLst>
+                        <p:par>
+                          <p:cTn id="12" fill="hold">
+                            <p:stCondLst>
+                              <p:cond delay="0"/>
+                            </p:stCondLst>
+                            <p:childTnLst>
+                              <p:par>
+                                <p:cTn id="13" presetID="31" presetClass="entr" presetSubtype="0" fill="hold" nodeType="clickEffect">
+                                  <p:stCondLst>
+                                    <p:cond delay="0"/>
+                                  </p:stCondLst>
+                                  <p:childTnLst>
+                                    <p:set>
+                                      <p:cBhvr>
+                                        <p:cTn id="14" dur="1" fill="hold">
+                                          <p:stCondLst>
+                                            <p:cond delay="0"/>
+                                          </p:stCondLst>
+                                        </p:cTn>
+                                        <p:tgtEl>
+                                          <p:spTgt spid="17"/>
+                                        </p:tgtEl>
+                                        <p:attrNameLst>
+                                          <p:attrName>style.visibility</p:attrName>
+                                        </p:attrNameLst>
+                                      </p:cBhvr>
+                                      <p:to>
+                                        <p:strVal val="visible"/>
+                                      </p:to>
+                                    </p:set>
+                                    <p:anim calcmode="lin" valueType="num">
+                                      <p:cBhvr>
+                                        <p:cTn id="15" dur="1000" fill="hold"/>
+                                        <p:tgtEl>
+                                          <p:spTgt spid="17"/>
+                                        </p:tgtEl>
+                                        <p:attrNameLst>
+                                          <p:attrName>ppt_w</p:attrName>
+                                        </p:attrNameLst>
+                                      </p:cBhvr>
+                                      <p:tavLst>
+                                        <p:tav tm="0">
+                                          <p:val>
+                                            <p:fltVal val="0"/>
+                                          </p:val>
+                                        </p:tav>
+                                        <p:tav tm="100000">
+                                          <p:val>
+                                            <p:strVal val="#ppt_w"/>
+                                          </p:val>
+                                        </p:tav>
+                                      </p:tavLst>
+                                    </p:anim>
+                                    <p:anim calcmode="lin" valueType="num">
+                                      <p:cBhvr>
+                                        <p:cTn id="16" dur="1000" fill="hold"/>
+                                        <p:tgtEl>
+                                          <p:spTgt spid="17"/>
+                                        </p:tgtEl>
+                                        <p:attrNameLst>
+                                          <p:attrName>ppt_h</p:attrName>
+                                        </p:attrNameLst>
+                                      </p:cBhvr>
+                                      <p:tavLst>
+                                        <p:tav tm="0">
+                                          <p:val>
+                                            <p:fltVal val="0"/>
+                                          </p:val>
+                                        </p:tav>
+                                        <p:tav tm="100000">
+                                          <p:val>
+                                            <p:strVal val="#ppt_h"/>
+                                          </p:val>
+                                        </p:tav>
+                                      </p:tavLst>
+                                    </p:anim>
+                                    <p:anim calcmode="lin" valueType="num">
+                                      <p:cBhvr>
+                                        <p:cTn id="17" dur="1000" fill="hold"/>
+                                        <p:tgtEl>
+                                          <p:spTgt spid="17"/>
+                                        </p:tgtEl>
+                                        <p:attrNameLst>
+                                          <p:attrName>style.rotation</p:attrName>
+                                        </p:attrNameLst>
+                                      </p:cBhvr>
+                                      <p:tavLst>
+                                        <p:tav tm="0">
+                                          <p:val>
+                                            <p:fltVal val="90"/>
+                                          </p:val>
+                                        </p:tav>
+                                        <p:tav tm="100000">
+                                          <p:val>
+                                            <p:fltVal val="0"/>
+                                          </p:val>
+                                        </p:tav>
+                                      </p:tavLst>
+                                    </p:anim>
+                                    <p:animEffect transition="in" filter="fade">
+                                      <p:cBhvr>
+                                        <p:cTn id="18" dur="1000"/>
+                                        <p:tgtEl>
+                                          <p:spTgt spid="17"/>
+                                        </p:tgtEl>
+                                      </p:cBhvr>
+                                    </p:animEffect>
+                                  </p:childTnLst>
+                                </p:cTn>
+                              </p:par>
+                            </p:childTnLst>
+                          </p:cTn>
+                        </p:par>
+                      </p:childTnLst>
+                    </p:cTn>
+                  </p:par>
+                  <p:par>
+                    <p:cTn id="19" fill="hold">
+                      <p:stCondLst>
+                        <p:cond delay="indefinite"/>
+                      </p:stCondLst>
+                      <p:childTnLst>
+                        <p:par>
+                          <p:cTn id="20" fill="hold">
+                            <p:stCondLst>
+                              <p:cond delay="0"/>
+                            </p:stCondLst>
+                            <p:childTnLst>
+                              <p:par>
+                                <p:cTn id="21" presetID="31" presetClass="entr" presetSubtype="0" fill="hold" nodeType="clickEffect">
+                                  <p:stCondLst>
+                                    <p:cond delay="0"/>
+                                  </p:stCondLst>
+                                  <p:childTnLst>
+                                    <p:set>
+                                      <p:cBhvr>
+                                        <p:cTn id="22" dur="1" fill="hold">
+                                          <p:stCondLst>
+                                            <p:cond delay="0"/>
+                                          </p:stCondLst>
+                                        </p:cTn>
+                                        <p:tgtEl>
+                                          <p:spTgt spid="22"/>
+                                        </p:tgtEl>
+                                        <p:attrNameLst>
+                                          <p:attrName>style.visibility</p:attrName>
+                                        </p:attrNameLst>
+                                      </p:cBhvr>
+                                      <p:to>
+                                        <p:strVal val="visible"/>
+                                      </p:to>
+                                    </p:set>
+                                    <p:anim calcmode="lin" valueType="num">
+                                      <p:cBhvr>
+                                        <p:cTn id="23" dur="1000" fill="hold"/>
+                                        <p:tgtEl>
+                                          <p:spTgt spid="22"/>
+                                        </p:tgtEl>
+                                        <p:attrNameLst>
+                                          <p:attrName>ppt_w</p:attrName>
+                                        </p:attrNameLst>
+                                      </p:cBhvr>
+                                      <p:tavLst>
+                                        <p:tav tm="0">
+                                          <p:val>
+                                            <p:fltVal val="0"/>
+                                          </p:val>
+                                        </p:tav>
+                                        <p:tav tm="100000">
+                                          <p:val>
+                                            <p:strVal val="#ppt_w"/>
+                                          </p:val>
+                                        </p:tav>
+                                      </p:tavLst>
+                                    </p:anim>
+                                    <p:anim calcmode="lin" valueType="num">
+                                      <p:cBhvr>
+                                        <p:cTn id="24" dur="1000" fill="hold"/>
+                                        <p:tgtEl>
+                                          <p:spTgt spid="22"/>
+                                        </p:tgtEl>
+                                        <p:attrNameLst>
+                                          <p:attrName>ppt_h</p:attrName>
+                                        </p:attrNameLst>
+                                      </p:cBhvr>
+                                      <p:tavLst>
+                                        <p:tav tm="0">
+                                          <p:val>
+                                            <p:fltVal val="0"/>
+                                          </p:val>
+                                        </p:tav>
+                                        <p:tav tm="100000">
+                                          <p:val>
+                                            <p:strVal val="#ppt_h"/>
+                                          </p:val>
+                                        </p:tav>
+                                      </p:tavLst>
+                                    </p:anim>
+                                    <p:anim calcmode="lin" valueType="num">
+                                      <p:cBhvr>
+                                        <p:cTn id="25" dur="1000" fill="hold"/>
+                                        <p:tgtEl>
+                                          <p:spTgt spid="22"/>
+                                        </p:tgtEl>
+                                        <p:attrNameLst>
+                                          <p:attrName>style.rotation</p:attrName>
+                                        </p:attrNameLst>
+                                      </p:cBhvr>
+                                      <p:tavLst>
+                                        <p:tav tm="0">
+                                          <p:val>
+                                            <p:fltVal val="90"/>
+                                          </p:val>
+                                        </p:tav>
+                                        <p:tav tm="100000">
+                                          <p:val>
+                                            <p:fltVal val="0"/>
+                                          </p:val>
+                                        </p:tav>
+                                      </p:tavLst>
+                                    </p:anim>
+                                    <p:animEffect transition="in" filter="fade">
+                                      <p:cBhvr>
+                                        <p:cTn id="26" dur="1000"/>
+                                        <p:tgtEl>
+                                          <p:spTgt spid="22"/>
+                                        </p:tgtEl>
+                                      </p:cBhvr>
+                                    </p:animEffect>
+                                  </p:childTnLst>
+                                </p:cTn>
+                              </p:par>
+                            </p:childTnLst>
+                          </p:cTn>
+                        </p:par>
+                      </p:childTnLst>
+                    </p:cTn>
+                  </p:par>
+                  <p:par>
+                    <p:cTn id="27" fill="hold">
+                      <p:stCondLst>
+                        <p:cond delay="indefinite"/>
+                      </p:stCondLst>
+                      <p:childTnLst>
+                        <p:par>
+                          <p:cTn id="28" fill="hold">
+                            <p:stCondLst>
+                              <p:cond delay="0"/>
+                            </p:stCondLst>
+                            <p:childTnLst>
+                              <p:par>
+                                <p:cTn id="29" presetID="31" presetClass="entr" presetSubtype="0" fill="hold" nodeType="clickEffect">
+                                  <p:stCondLst>
+                                    <p:cond delay="0"/>
+                                  </p:stCondLst>
+                                  <p:childTnLst>
+                                    <p:set>
+                                      <p:cBhvr>
+                                        <p:cTn id="30" dur="1" fill="hold">
+                                          <p:stCondLst>
+                                            <p:cond delay="0"/>
+                                          </p:stCondLst>
+                                        </p:cTn>
+                                        <p:tgtEl>
+                                          <p:spTgt spid="19"/>
+                                        </p:tgtEl>
+                                        <p:attrNameLst>
+                                          <p:attrName>style.visibility</p:attrName>
+                                        </p:attrNameLst>
+                                      </p:cBhvr>
+                                      <p:to>
+                                        <p:strVal val="visible"/>
+                                      </p:to>
+                                    </p:set>
+                                    <p:anim calcmode="lin" valueType="num">
+                                      <p:cBhvr>
+                                        <p:cTn id="31" dur="1000" fill="hold"/>
+                                        <p:tgtEl>
+                                          <p:spTgt spid="19"/>
+                                        </p:tgtEl>
+                                        <p:attrNameLst>
+                                          <p:attrName>ppt_w</p:attrName>
+                                        </p:attrNameLst>
+                                      </p:cBhvr>
+                                      <p:tavLst>
+                                        <p:tav tm="0">
+                                          <p:val>
+                                            <p:fltVal val="0"/>
+                                          </p:val>
+                                        </p:tav>
+                                        <p:tav tm="100000">
+                                          <p:val>
+                                            <p:strVal val="#ppt_w"/>
+                                          </p:val>
+                                        </p:tav>
+                                      </p:tavLst>
+                                    </p:anim>
+                                    <p:anim calcmode="lin" valueType="num">
+                                      <p:cBhvr>
+                                        <p:cTn id="32" dur="1000" fill="hold"/>
+                                        <p:tgtEl>
+                                          <p:spTgt spid="19"/>
+                                        </p:tgtEl>
+                                        <p:attrNameLst>
+                                          <p:attrName>ppt_h</p:attrName>
+                                        </p:attrNameLst>
+                                      </p:cBhvr>
+                                      <p:tavLst>
+                                        <p:tav tm="0">
+                                          <p:val>
+                                            <p:fltVal val="0"/>
+                                          </p:val>
+                                        </p:tav>
+                                        <p:tav tm="100000">
+                                          <p:val>
+                                            <p:strVal val="#ppt_h"/>
+                                          </p:val>
+                                        </p:tav>
+                                      </p:tavLst>
+                                    </p:anim>
+                                    <p:anim calcmode="lin" valueType="num">
+                                      <p:cBhvr>
+                                        <p:cTn id="33" dur="1000" fill="hold"/>
+                                        <p:tgtEl>
+                                          <p:spTgt spid="19"/>
+                                        </p:tgtEl>
+                                        <p:attrNameLst>
+                                          <p:attrName>style.rotation</p:attrName>
+                                        </p:attrNameLst>
+                                      </p:cBhvr>
+                                      <p:tavLst>
+                                        <p:tav tm="0">
+                                          <p:val>
+                                            <p:fltVal val="90"/>
+                                          </p:val>
+                                        </p:tav>
+                                        <p:tav tm="100000">
+                                          <p:val>
+                                            <p:fltVal val="0"/>
+                                          </p:val>
+                                        </p:tav>
+                                      </p:tavLst>
+                                    </p:anim>
+                                    <p:animEffect transition="in" filter="fade">
+                                      <p:cBhvr>
+                                        <p:cTn id="34" dur="1000"/>
+                                        <p:tgtEl>
+                                          <p:spTgt spid="19"/>
+                                        </p:tgtEl>
+                                      </p:cBhvr>
+                                    </p:animEffect>
+                                  </p:childTnLst>
+                                </p:cTn>
+                              </p:par>
+                            </p:childTnLst>
+                          </p:cTn>
+                        </p:par>
+                      </p:childTnLst>
+                    </p:cTn>
+                  </p:par>
+                  <p:par>
+                    <p:cTn id="35" fill="hold">
+                      <p:stCondLst>
+                        <p:cond delay="indefinite"/>
+                      </p:stCondLst>
+                      <p:childTnLst>
+                        <p:par>
+                          <p:cTn id="36" fill="hold">
+                            <p:stCondLst>
+                              <p:cond delay="0"/>
+                            </p:stCondLst>
+                            <p:childTnLst>
+                              <p:par>
+                                <p:cTn id="37" presetID="31" presetClass="entr" presetSubtype="0" fill="hold" nodeType="clickEffect">
+                                  <p:stCondLst>
+                                    <p:cond delay="0"/>
+                                  </p:stCondLst>
+                                  <p:childTnLst>
+                                    <p:set>
+                                      <p:cBhvr>
+                                        <p:cTn id="38" dur="1" fill="hold">
+                                          <p:stCondLst>
+                                            <p:cond delay="0"/>
+                                          </p:stCondLst>
+                                        </p:cTn>
+                                        <p:tgtEl>
+                                          <p:spTgt spid="21"/>
+                                        </p:tgtEl>
+                                        <p:attrNameLst>
+                                          <p:attrName>style.visibility</p:attrName>
+                                        </p:attrNameLst>
+                                      </p:cBhvr>
+                                      <p:to>
+                                        <p:strVal val="visible"/>
+                                      </p:to>
+                                    </p:set>
+                                    <p:anim calcmode="lin" valueType="num">
+                                      <p:cBhvr>
+                                        <p:cTn id="39" dur="1000" fill="hold"/>
+                                        <p:tgtEl>
+                                          <p:spTgt spid="21"/>
+                                        </p:tgtEl>
+                                        <p:attrNameLst>
+                                          <p:attrName>ppt_w</p:attrName>
+                                        </p:attrNameLst>
+                                      </p:cBhvr>
+                                      <p:tavLst>
+                                        <p:tav tm="0">
+                                          <p:val>
+                                            <p:fltVal val="0"/>
+                                          </p:val>
+                                        </p:tav>
+                                        <p:tav tm="100000">
+                                          <p:val>
+                                            <p:strVal val="#ppt_w"/>
+                                          </p:val>
+                                        </p:tav>
+                                      </p:tavLst>
+                                    </p:anim>
+                                    <p:anim calcmode="lin" valueType="num">
+                                      <p:cBhvr>
+                                        <p:cTn id="40" dur="1000" fill="hold"/>
+                                        <p:tgtEl>
+                                          <p:spTgt spid="21"/>
+                                        </p:tgtEl>
+                                        <p:attrNameLst>
+                                          <p:attrName>ppt_h</p:attrName>
+                                        </p:attrNameLst>
+                                      </p:cBhvr>
+                                      <p:tavLst>
+                                        <p:tav tm="0">
+                                          <p:val>
+                                            <p:fltVal val="0"/>
+                                          </p:val>
+                                        </p:tav>
+                                        <p:tav tm="100000">
+                                          <p:val>
+                                            <p:strVal val="#ppt_h"/>
+                                          </p:val>
+                                        </p:tav>
+                                      </p:tavLst>
+                                    </p:anim>
+                                    <p:anim calcmode="lin" valueType="num">
+                                      <p:cBhvr>
+                                        <p:cTn id="41" dur="1000" fill="hold"/>
+                                        <p:tgtEl>
+                                          <p:spTgt spid="21"/>
+                                        </p:tgtEl>
+                                        <p:attrNameLst>
+                                          <p:attrName>style.rotation</p:attrName>
+                                        </p:attrNameLst>
+                                      </p:cBhvr>
+                                      <p:tavLst>
+                                        <p:tav tm="0">
+                                          <p:val>
+                                            <p:fltVal val="90"/>
+                                          </p:val>
+                                        </p:tav>
+                                        <p:tav tm="100000">
+                                          <p:val>
+                                            <p:fltVal val="0"/>
+                                          </p:val>
+                                        </p:tav>
+                                      </p:tavLst>
+                                    </p:anim>
+                                    <p:animEffect transition="in" filter="fade">
+                                      <p:cBhvr>
+                                        <p:cTn id="42" dur="1000"/>
+                                        <p:tgtEl>
+                                          <p:spTgt spid="21"/>
+                                        </p:tgtEl>
+                                      </p:cBhvr>
+                                    </p:animEffect>
+                                  </p:childTnLst>
+                                </p:cTn>
+                              </p:par>
+                            </p:childTnLst>
+                          </p:cTn>
+                        </p:par>
+                      </p:childTnLst>
+                    </p:cTn>
+                  </p:par>
+                  <p:par>
+                    <p:cTn id="43" fill="hold">
+                      <p:stCondLst>
+                        <p:cond delay="indefinite"/>
+                      </p:stCondLst>
+                      <p:childTnLst>
+                        <p:par>
+                          <p:cTn id="44" fill="hold">
+                            <p:stCondLst>
+                              <p:cond delay="0"/>
+                            </p:stCondLst>
+                            <p:childTnLst>
+                              <p:par>
+                                <p:cTn id="45" presetID="31" presetClass="entr" presetSubtype="0" fill="hold" nodeType="clickEffect">
+                                  <p:stCondLst>
+                                    <p:cond delay="0"/>
+                                  </p:stCondLst>
+                                  <p:childTnLst>
+                                    <p:set>
+                                      <p:cBhvr>
+                                        <p:cTn id="46" dur="1" fill="hold">
+                                          <p:stCondLst>
+                                            <p:cond delay="0"/>
+                                          </p:stCondLst>
+                                        </p:cTn>
+                                        <p:tgtEl>
+                                          <p:spTgt spid="15"/>
+                                        </p:tgtEl>
+                                        <p:attrNameLst>
+                                          <p:attrName>style.visibility</p:attrName>
+                                        </p:attrNameLst>
+                                      </p:cBhvr>
+                                      <p:to>
+                                        <p:strVal val="visible"/>
+                                      </p:to>
+                                    </p:set>
+                                    <p:anim calcmode="lin" valueType="num">
+                                      <p:cBhvr>
+                                        <p:cTn id="47" dur="1000" fill="hold"/>
+                                        <p:tgtEl>
+                                          <p:spTgt spid="15"/>
+                                        </p:tgtEl>
+                                        <p:attrNameLst>
+                                          <p:attrName>ppt_w</p:attrName>
+                                        </p:attrNameLst>
+                                      </p:cBhvr>
+                                      <p:tavLst>
+                                        <p:tav tm="0">
+                                          <p:val>
+                                            <p:fltVal val="0"/>
+                                          </p:val>
+                                        </p:tav>
+                                        <p:tav tm="100000">
+                                          <p:val>
+                                            <p:strVal val="#ppt_w"/>
+                                          </p:val>
+                                        </p:tav>
+                                      </p:tavLst>
+                                    </p:anim>
+                                    <p:anim calcmode="lin" valueType="num">
+                                      <p:cBhvr>
+                                        <p:cTn id="48" dur="1000" fill="hold"/>
+                                        <p:tgtEl>
+                                          <p:spTgt spid="15"/>
+                                        </p:tgtEl>
+                                        <p:attrNameLst>
+                                          <p:attrName>ppt_h</p:attrName>
+                                        </p:attrNameLst>
+                                      </p:cBhvr>
+                                      <p:tavLst>
+                                        <p:tav tm="0">
+                                          <p:val>
+                                            <p:fltVal val="0"/>
+                                          </p:val>
+                                        </p:tav>
+                                        <p:tav tm="100000">
+                                          <p:val>
+                                            <p:strVal val="#ppt_h"/>
+                                          </p:val>
+                                        </p:tav>
+                                      </p:tavLst>
+                                    </p:anim>
+                                    <p:anim calcmode="lin" valueType="num">
+                                      <p:cBhvr>
+                                        <p:cTn id="49" dur="1000" fill="hold"/>
+                                        <p:tgtEl>
+                                          <p:spTgt spid="15"/>
+                                        </p:tgtEl>
+                                        <p:attrNameLst>
+                                          <p:attrName>style.rotation</p:attrName>
+                                        </p:attrNameLst>
+                                      </p:cBhvr>
+                                      <p:tavLst>
+                                        <p:tav tm="0">
+                                          <p:val>
+                                            <p:fltVal val="90"/>
+                                          </p:val>
+                                        </p:tav>
+                                        <p:tav tm="100000">
+                                          <p:val>
+                                            <p:fltVal val="0"/>
+                                          </p:val>
+                                        </p:tav>
+                                      </p:tavLst>
+                                    </p:anim>
+                                    <p:animEffect transition="in" filter="fade">
+                                      <p:cBhvr>
+                                        <p:cTn id="50" dur="1000"/>
+                                        <p:tgtEl>
+                                          <p:spTgt spid="15"/>
+                                        </p:tgtEl>
+                                      </p:cBhvr>
+                                    </p:animEffect>
+                                  </p:childTnLst>
+                                </p:cTn>
+                              </p:par>
+                            </p:childTnLst>
+                          </p:cTn>
+                        </p:par>
+                      </p:childTnLst>
+                    </p:cTn>
+                  </p:par>
+                  <p:par>
+                    <p:cTn id="51" fill="hold">
+                      <p:stCondLst>
+                        <p:cond delay="indefinite"/>
+                      </p:stCondLst>
+                      <p:childTnLst>
+                        <p:par>
+                          <p:cTn id="52" fill="hold">
+                            <p:stCondLst>
+                              <p:cond delay="0"/>
+                            </p:stCondLst>
+                            <p:childTnLst>
+                              <p:par>
+                                <p:cTn id="53" presetID="31" presetClass="entr" presetSubtype="0" fill="hold" nodeType="clickEffect">
+                                  <p:stCondLst>
+                                    <p:cond delay="0"/>
+                                  </p:stCondLst>
+                                  <p:childTnLst>
+                                    <p:set>
+                                      <p:cBhvr>
+                                        <p:cTn id="54" dur="1" fill="hold">
+                                          <p:stCondLst>
+                                            <p:cond delay="0"/>
+                                          </p:stCondLst>
+                                        </p:cTn>
+                                        <p:tgtEl>
+                                          <p:spTgt spid="13"/>
+                                        </p:tgtEl>
+                                        <p:attrNameLst>
+                                          <p:attrName>style.visibility</p:attrName>
+                                        </p:attrNameLst>
+                                      </p:cBhvr>
+                                      <p:to>
+                                        <p:strVal val="visible"/>
+                                      </p:to>
+                                    </p:set>
+                                    <p:anim calcmode="lin" valueType="num">
+                                      <p:cBhvr>
+                                        <p:cTn id="55" dur="1000" fill="hold"/>
+                                        <p:tgtEl>
+                                          <p:spTgt spid="13"/>
+                                        </p:tgtEl>
+                                        <p:attrNameLst>
+                                          <p:attrName>ppt_w</p:attrName>
+                                        </p:attrNameLst>
+                                      </p:cBhvr>
+                                      <p:tavLst>
+                                        <p:tav tm="0">
+                                          <p:val>
+                                            <p:fltVal val="0"/>
+                                          </p:val>
+                                        </p:tav>
+                                        <p:tav tm="100000">
+                                          <p:val>
+                                            <p:strVal val="#ppt_w"/>
+                                          </p:val>
+                                        </p:tav>
+                                      </p:tavLst>
+                                    </p:anim>
+                                    <p:anim calcmode="lin" valueType="num">
+                                      <p:cBhvr>
+                                        <p:cTn id="56" dur="1000" fill="hold"/>
+                                        <p:tgtEl>
+                                          <p:spTgt spid="13"/>
+                                        </p:tgtEl>
+                                        <p:attrNameLst>
+                                          <p:attrName>ppt_h</p:attrName>
+                                        </p:attrNameLst>
+                                      </p:cBhvr>
+                                      <p:tavLst>
+                                        <p:tav tm="0">
+                                          <p:val>
+                                            <p:fltVal val="0"/>
+                                          </p:val>
+                                        </p:tav>
+                                        <p:tav tm="100000">
+                                          <p:val>
+                                            <p:strVal val="#ppt_h"/>
+                                          </p:val>
+                                        </p:tav>
+                                      </p:tavLst>
+                                    </p:anim>
+                                    <p:anim calcmode="lin" valueType="num">
+                                      <p:cBhvr>
+                                        <p:cTn id="57" dur="1000" fill="hold"/>
+                                        <p:tgtEl>
+                                          <p:spTgt spid="13"/>
+                                        </p:tgtEl>
+                                        <p:attrNameLst>
+                                          <p:attrName>style.rotation</p:attrName>
+                                        </p:attrNameLst>
+                                      </p:cBhvr>
+                                      <p:tavLst>
+                                        <p:tav tm="0">
+                                          <p:val>
+                                            <p:fltVal val="90"/>
+                                          </p:val>
+                                        </p:tav>
+                                        <p:tav tm="100000">
+                                          <p:val>
+                                            <p:fltVal val="0"/>
+                                          </p:val>
+                                        </p:tav>
+                                      </p:tavLst>
+                                    </p:anim>
+                                    <p:animEffect transition="in" filter="fade">
+                                      <p:cBhvr>
+                                        <p:cTn id="58" dur="1000"/>
+                                        <p:tgtEl>
+                                          <p:spTgt spid="13"/>
+                                        </p:tgtEl>
+                                      </p:cBhvr>
+                                    </p:animEffect>
+                                  </p:childTnLst>
+                                </p:cTn>
+                              </p:par>
+                            </p:childTnLst>
+                          </p:cTn>
+                        </p:par>
+                      </p:childTnLst>
+                    </p:cTn>
+                  </p:par>
+                </p:childTnLst>
+              </p:cTn>
+              <p:prevCondLst>
+                <p:cond evt="onPrev" delay="0">
+                  <p:tgtEl>
+                    <p:sldTgt/>
+                  </p:tgtEl>
+                </p:cond>
+              </p:prevCondLst>
+              <p:nextCondLst>
+                <p:cond evt="onNext" delay="0">
+                  <p:tgtEl>
+                    <p:sldTgt/>
+                  </p:tgtEl>
+                </p:cond>
+              </p:nextCondLst>
+            </p:seq>
+          </p:childTnLst>
+        </p:cTn>
+      </p:par>
+    </p:tnLst>
+  </p:timing>
 </p:sld>
 </file>
 

--- a/OZ Project.pptx
+++ b/OZ Project.pptx
@@ -6,11 +6,13 @@
   </p:sldMasterIdLst>
   <p:sldIdLst>
     <p:sldId id="256" r:id="rId2"/>
-    <p:sldId id="257" r:id="rId3"/>
-    <p:sldId id="258" r:id="rId4"/>
-    <p:sldId id="259" r:id="rId5"/>
-    <p:sldId id="260" r:id="rId6"/>
-    <p:sldId id="261" r:id="rId7"/>
+    <p:sldId id="260" r:id="rId3"/>
+    <p:sldId id="262" r:id="rId4"/>
+    <p:sldId id="258" r:id="rId5"/>
+    <p:sldId id="261" r:id="rId6"/>
+    <p:sldId id="259" r:id="rId7"/>
+    <p:sldId id="257" r:id="rId8"/>
+    <p:sldId id="263" r:id="rId9"/>
   </p:sldIdLst>
   <p:sldSz cx="12192000" cy="6858000"/>
   <p:notesSz cx="6858000" cy="9144000"/>
@@ -264,7 +266,7 @@
           <a:p>
             <a:fld id="{58FD738E-2885-4057-98CC-A6BFEB7FA6B4}" type="datetimeFigureOut">
               <a:rPr lang="en-US" smtClean="0"/>
-              <a:t>3/15/2021</a:t>
+              <a:t>3/16/2021</a:t>
             </a:fld>
             <a:endParaRPr lang="en-US"/>
           </a:p>
@@ -462,7 +464,7 @@
           <a:p>
             <a:fld id="{58FD738E-2885-4057-98CC-A6BFEB7FA6B4}" type="datetimeFigureOut">
               <a:rPr lang="en-US" smtClean="0"/>
-              <a:t>3/15/2021</a:t>
+              <a:t>3/16/2021</a:t>
             </a:fld>
             <a:endParaRPr lang="en-US"/>
           </a:p>
@@ -670,7 +672,7 @@
           <a:p>
             <a:fld id="{58FD738E-2885-4057-98CC-A6BFEB7FA6B4}" type="datetimeFigureOut">
               <a:rPr lang="en-US" smtClean="0"/>
-              <a:t>3/15/2021</a:t>
+              <a:t>3/16/2021</a:t>
             </a:fld>
             <a:endParaRPr lang="en-US"/>
           </a:p>
@@ -868,7 +870,7 @@
           <a:p>
             <a:fld id="{58FD738E-2885-4057-98CC-A6BFEB7FA6B4}" type="datetimeFigureOut">
               <a:rPr lang="en-US" smtClean="0"/>
-              <a:t>3/15/2021</a:t>
+              <a:t>3/16/2021</a:t>
             </a:fld>
             <a:endParaRPr lang="en-US"/>
           </a:p>
@@ -1143,7 +1145,7 @@
           <a:p>
             <a:fld id="{58FD738E-2885-4057-98CC-A6BFEB7FA6B4}" type="datetimeFigureOut">
               <a:rPr lang="en-US" smtClean="0"/>
-              <a:t>3/15/2021</a:t>
+              <a:t>3/16/2021</a:t>
             </a:fld>
             <a:endParaRPr lang="en-US"/>
           </a:p>
@@ -1408,7 +1410,7 @@
           <a:p>
             <a:fld id="{58FD738E-2885-4057-98CC-A6BFEB7FA6B4}" type="datetimeFigureOut">
               <a:rPr lang="en-US" smtClean="0"/>
-              <a:t>3/15/2021</a:t>
+              <a:t>3/16/2021</a:t>
             </a:fld>
             <a:endParaRPr lang="en-US"/>
           </a:p>
@@ -1820,7 +1822,7 @@
           <a:p>
             <a:fld id="{58FD738E-2885-4057-98CC-A6BFEB7FA6B4}" type="datetimeFigureOut">
               <a:rPr lang="en-US" smtClean="0"/>
-              <a:t>3/15/2021</a:t>
+              <a:t>3/16/2021</a:t>
             </a:fld>
             <a:endParaRPr lang="en-US"/>
           </a:p>
@@ -1961,7 +1963,7 @@
           <a:p>
             <a:fld id="{58FD738E-2885-4057-98CC-A6BFEB7FA6B4}" type="datetimeFigureOut">
               <a:rPr lang="en-US" smtClean="0"/>
-              <a:t>3/15/2021</a:t>
+              <a:t>3/16/2021</a:t>
             </a:fld>
             <a:endParaRPr lang="en-US"/>
           </a:p>
@@ -2074,7 +2076,7 @@
           <a:p>
             <a:fld id="{58FD738E-2885-4057-98CC-A6BFEB7FA6B4}" type="datetimeFigureOut">
               <a:rPr lang="en-US" smtClean="0"/>
-              <a:t>3/15/2021</a:t>
+              <a:t>3/16/2021</a:t>
             </a:fld>
             <a:endParaRPr lang="en-US"/>
           </a:p>
@@ -2385,7 +2387,7 @@
           <a:p>
             <a:fld id="{58FD738E-2885-4057-98CC-A6BFEB7FA6B4}" type="datetimeFigureOut">
               <a:rPr lang="en-US" smtClean="0"/>
-              <a:t>3/15/2021</a:t>
+              <a:t>3/16/2021</a:t>
             </a:fld>
             <a:endParaRPr lang="en-US"/>
           </a:p>
@@ -2673,7 +2675,7 @@
           <a:p>
             <a:fld id="{58FD738E-2885-4057-98CC-A6BFEB7FA6B4}" type="datetimeFigureOut">
               <a:rPr lang="en-US" smtClean="0"/>
-              <a:t>3/15/2021</a:t>
+              <a:t>3/16/2021</a:t>
             </a:fld>
             <a:endParaRPr lang="en-US"/>
           </a:p>
@@ -2914,7 +2916,7 @@
           <a:p>
             <a:fld id="{58FD738E-2885-4057-98CC-A6BFEB7FA6B4}" type="datetimeFigureOut">
               <a:rPr lang="en-US" smtClean="0"/>
-              <a:t>3/15/2021</a:t>
+              <a:t>3/16/2021</a:t>
             </a:fld>
             <a:endParaRPr lang="en-US"/>
           </a:p>
@@ -3423,7 +3425,7 @@
     <p:bg>
       <p:bgPr>
         <a:solidFill>
-          <a:schemeClr val="bg2"/>
+          <a:schemeClr val="bg1"/>
         </a:solidFill>
         <a:effectLst/>
       </p:bgPr>
@@ -3442,47 +3444,12 @@
           <a:chExt cx="0" cy="0"/>
         </a:xfrm>
       </p:grpSpPr>
-      <p:pic>
-        <p:nvPicPr>
-          <p:cNvPr id="7" name="Picture 6" descr="A tornado in a field&#10;&#10;Description automatically generated with low confidence">
-            <a:extLst>
-              <a:ext uri="{FF2B5EF4-FFF2-40B4-BE49-F238E27FC236}">
-                <a16:creationId xmlns:a16="http://schemas.microsoft.com/office/drawing/2014/main" id="{E6420BFA-3485-4F95-A0BE-E1D8D134ECB3}"/>
-              </a:ext>
-            </a:extLst>
-          </p:cNvPr>
-          <p:cNvPicPr>
-            <a:picLocks noChangeAspect="1"/>
-          </p:cNvPicPr>
-          <p:nvPr/>
-        </p:nvPicPr>
-        <p:blipFill rotWithShape="1">
-          <a:blip r:embed="rId2">
-            <a:extLst>
-              <a:ext uri="{28A0092B-C50C-407E-A947-70E740481C1C}">
-                <a14:useLocalDpi xmlns:a14="http://schemas.microsoft.com/office/drawing/2010/main" val="0"/>
-              </a:ext>
-            </a:extLst>
-          </a:blip>
-          <a:srcRect l="8783" r="8784"/>
-          <a:stretch/>
-        </p:blipFill>
-        <p:spPr>
-          <a:xfrm>
-            <a:off x="4654296" y="10"/>
-            <a:ext cx="7537707" cy="6857990"/>
-          </a:xfrm>
-          <a:prstGeom prst="rect">
-            <a:avLst/>
-          </a:prstGeom>
-        </p:spPr>
-      </p:pic>
-      <p:sp>
+      <p:sp useBgFill="1">
         <p:nvSpPr>
-          <p:cNvPr id="29" name="Rectangle 28">
-            <a:extLst>
-              <a:ext uri="{FF2B5EF4-FFF2-40B4-BE49-F238E27FC236}">
-                <a16:creationId xmlns:a16="http://schemas.microsoft.com/office/drawing/2014/main" id="{E9DCA5EA-C9F1-43F7-8CD9-E7D77919EBE7}"/>
+          <p:cNvPr id="8" name="Rectangle 7">
+            <a:extLst>
+              <a:ext uri="{FF2B5EF4-FFF2-40B4-BE49-F238E27FC236}">
+                <a16:creationId xmlns:a16="http://schemas.microsoft.com/office/drawing/2014/main" id="{4613B4A9-1C7C-4729-A016-AB42D3979460}"/>
               </a:ext>
               <a:ext uri="{C183D7F6-B498-43B3-948B-1728B52AA6E4}">
                 <adec:decorative xmlns:adec="http://schemas.microsoft.com/office/drawing/2017/decorative" val="1"/>
@@ -3502,15 +3469,12 @@
         </p:nvSpPr>
         <p:spPr>
           <a:xfrm>
-            <a:off x="800099" y="806357"/>
-            <a:ext cx="6734553" cy="4928616"/>
+            <a:off x="0" y="0"/>
+            <a:ext cx="12188952" cy="6858000"/>
           </a:xfrm>
           <a:prstGeom prst="rect">
             <a:avLst/>
           </a:prstGeom>
-          <a:solidFill>
-            <a:srgbClr val="FFFFFF"/>
-          </a:solidFill>
           <a:ln>
             <a:noFill/>
           </a:ln>
@@ -3542,43 +3506,272 @@
       </p:sp>
       <p:pic>
         <p:nvPicPr>
-          <p:cNvPr id="4" name="Picture 3" descr="Graphical user interface, website&#10;&#10;Description automatically generated">
-            <a:extLst>
-              <a:ext uri="{FF2B5EF4-FFF2-40B4-BE49-F238E27FC236}">
-                <a16:creationId xmlns:a16="http://schemas.microsoft.com/office/drawing/2014/main" id="{A9711B7E-894F-4074-8929-F1E5F2722B0F}"/>
+          <p:cNvPr id="1026" name="Picture 2" descr="Tornado Wallpapers - Top Free Tornado Backgrounds - WallpaperAccess">
+            <a:extLst>
+              <a:ext uri="{FF2B5EF4-FFF2-40B4-BE49-F238E27FC236}">
+                <a16:creationId xmlns:a16="http://schemas.microsoft.com/office/drawing/2014/main" id="{A768BC74-D014-4325-A53B-78A443E784EF}"/>
               </a:ext>
             </a:extLst>
           </p:cNvPr>
           <p:cNvPicPr>
-            <a:picLocks noChangeAspect="1"/>
+            <a:picLocks noChangeAspect="1" noChangeArrowheads="1"/>
           </p:cNvPicPr>
           <p:nvPr/>
         </p:nvPicPr>
-        <p:blipFill rotWithShape="1">
-          <a:blip r:embed="rId3">
+        <p:blipFill>
+          <a:blip r:embed="rId2">
             <a:extLst>
               <a:ext uri="{28A0092B-C50C-407E-A947-70E740481C1C}">
                 <a14:useLocalDpi xmlns:a14="http://schemas.microsoft.com/office/drawing/2010/main" val="0"/>
               </a:ext>
             </a:extLst>
           </a:blip>
-          <a:srcRect r="4198"/>
-          <a:stretch/>
+          <a:srcRect/>
+          <a:stretch>
+            <a:fillRect/>
+          </a:stretch>
         </p:blipFill>
-        <p:spPr>
+        <p:spPr bwMode="auto">
           <a:xfrm>
-            <a:off x="962403" y="979071"/>
-            <a:ext cx="6409944" cy="4583188"/>
+            <a:off x="2698938" y="116515"/>
+            <a:ext cx="9359084" cy="6624969"/>
           </a:xfrm>
           <a:prstGeom prst="rect">
             <a:avLst/>
           </a:prstGeom>
+          <a:noFill/>
+          <a:extLst>
+            <a:ext uri="{909E8E84-426E-40DD-AFC4-6F175D3DCCD1}">
+              <a14:hiddenFill xmlns:a14="http://schemas.microsoft.com/office/drawing/2010/main">
+                <a:solidFill>
+                  <a:srgbClr val="FFFFFF"/>
+                </a:solidFill>
+              </a14:hiddenFill>
+            </a:ext>
+          </a:extLst>
         </p:spPr>
       </p:pic>
+      <p:sp>
+        <p:nvSpPr>
+          <p:cNvPr id="4" name="TextBox 3">
+            <a:extLst>
+              <a:ext uri="{FF2B5EF4-FFF2-40B4-BE49-F238E27FC236}">
+                <a16:creationId xmlns:a16="http://schemas.microsoft.com/office/drawing/2014/main" id="{6CA31E5B-2B1F-4D51-8522-7A7891847EA8}"/>
+              </a:ext>
+            </a:extLst>
+          </p:cNvPr>
+          <p:cNvSpPr txBox="1"/>
+          <p:nvPr/>
+        </p:nvSpPr>
+        <p:spPr>
+          <a:xfrm>
+            <a:off x="5598302" y="354474"/>
+            <a:ext cx="6098234" cy="2031325"/>
+          </a:xfrm>
+          <a:prstGeom prst="rect">
+            <a:avLst/>
+          </a:prstGeom>
+          <a:noFill/>
+        </p:spPr>
+        <p:txBody>
+          <a:bodyPr wrap="square" rtlCol="0">
+            <a:spAutoFit/>
+          </a:bodyPr>
+          <a:lstStyle/>
+          <a:p>
+            <a:pPr marL="285750" indent="-285750" algn="l">
+              <a:buFont typeface="Arial" panose="020B0604020202020204" pitchFamily="34" charset="0"/>
+              <a:buChar char="•"/>
+            </a:pPr>
+            <a:r>
+              <a:rPr lang="en-US" b="1" i="0" dirty="0">
+                <a:solidFill>
+                  <a:schemeClr val="bg1"/>
+                </a:solidFill>
+                <a:effectLst/>
+                <a:latin typeface="-apple-system"/>
+              </a:rPr>
+              <a:t>This Oz report will relay Tornado and weather information using </a:t>
+            </a:r>
+            <a:r>
+              <a:rPr lang="en-US" b="1" i="0" dirty="0" err="1">
+                <a:solidFill>
+                  <a:schemeClr val="bg1"/>
+                </a:solidFill>
+                <a:effectLst/>
+                <a:latin typeface="-apple-system"/>
+              </a:rPr>
+              <a:t>OpenWeatherMap</a:t>
+            </a:r>
+            <a:r>
+              <a:rPr lang="en-US" b="1" i="0" dirty="0">
+                <a:solidFill>
+                  <a:schemeClr val="bg1"/>
+                </a:solidFill>
+                <a:effectLst/>
+                <a:latin typeface="-apple-system"/>
+              </a:rPr>
+              <a:t> API and information from National Oceanic and Atmospheric Administration (NOAA) csv download of 500 tornadic event details from </a:t>
+            </a:r>
+            <a:br>
+              <a:rPr lang="en-US" b="1" dirty="0">
+                <a:solidFill>
+                  <a:schemeClr val="bg1"/>
+                </a:solidFill>
+                <a:latin typeface="-apple-system"/>
+              </a:rPr>
+            </a:br>
+            <a:r>
+              <a:rPr lang="en-US" b="1" i="0" dirty="0">
+                <a:solidFill>
+                  <a:schemeClr val="bg1"/>
+                </a:solidFill>
+                <a:effectLst/>
+                <a:latin typeface="-apple-system"/>
+              </a:rPr>
+              <a:t>November 1, 2019 to November 30, 2020. The report will utilize HTML, CSS, </a:t>
+            </a:r>
+            <a:r>
+              <a:rPr lang="en-US" b="1" i="0" dirty="0" err="1">
+                <a:solidFill>
+                  <a:schemeClr val="bg1"/>
+                </a:solidFill>
+                <a:effectLst/>
+                <a:latin typeface="-apple-system"/>
+              </a:rPr>
+              <a:t>Javascript</a:t>
+            </a:r>
+            <a:r>
+              <a:rPr lang="en-US" b="1" i="0" dirty="0">
+                <a:solidFill>
+                  <a:schemeClr val="bg1"/>
+                </a:solidFill>
+                <a:effectLst/>
+                <a:latin typeface="-apple-system"/>
+              </a:rPr>
+              <a:t> and a created </a:t>
+            </a:r>
+            <a:r>
+              <a:rPr lang="en-US" b="1" dirty="0">
+                <a:solidFill>
+                  <a:schemeClr val="bg1"/>
+                </a:solidFill>
+                <a:latin typeface="-apple-system"/>
+              </a:rPr>
+              <a:t>SQLite</a:t>
+            </a:r>
+            <a:r>
+              <a:rPr lang="en-US" b="1" i="0" dirty="0">
+                <a:solidFill>
+                  <a:schemeClr val="bg1"/>
+                </a:solidFill>
+                <a:effectLst/>
+                <a:latin typeface="-apple-system"/>
+              </a:rPr>
+              <a:t> database.</a:t>
+            </a:r>
+          </a:p>
+        </p:txBody>
+      </p:sp>
+      <p:sp>
+        <p:nvSpPr>
+          <p:cNvPr id="6" name="TextBox 5">
+            <a:extLst>
+              <a:ext uri="{FF2B5EF4-FFF2-40B4-BE49-F238E27FC236}">
+                <a16:creationId xmlns:a16="http://schemas.microsoft.com/office/drawing/2014/main" id="{3C74C16E-58EF-4C59-BEA1-8811E28739E9}"/>
+              </a:ext>
+            </a:extLst>
+          </p:cNvPr>
+          <p:cNvSpPr txBox="1"/>
+          <p:nvPr/>
+        </p:nvSpPr>
+        <p:spPr>
+          <a:xfrm>
+            <a:off x="5598302" y="3839917"/>
+            <a:ext cx="6098234" cy="646331"/>
+          </a:xfrm>
+          <a:prstGeom prst="rect">
+            <a:avLst/>
+          </a:prstGeom>
+          <a:noFill/>
+        </p:spPr>
+        <p:txBody>
+          <a:bodyPr wrap="square" rtlCol="0">
+            <a:spAutoFit/>
+          </a:bodyPr>
+          <a:lstStyle/>
+          <a:p>
+            <a:pPr marL="285750" indent="-285750" algn="l">
+              <a:buFont typeface="Arial" panose="020B0604020202020204" pitchFamily="34" charset="0"/>
+              <a:buChar char="•"/>
+            </a:pPr>
+            <a:r>
+              <a:rPr lang="en-US" b="1" i="0" dirty="0">
+                <a:solidFill>
+                  <a:schemeClr val="bg1"/>
+                </a:solidFill>
+                <a:effectLst/>
+                <a:latin typeface="-apple-system"/>
+              </a:rPr>
+              <a:t>Inspiration for Project Oz comes from the recent Tornado Safety Week.</a:t>
+            </a:r>
+            <a:endParaRPr lang="en-US" b="1" dirty="0">
+              <a:solidFill>
+                <a:schemeClr val="bg1"/>
+              </a:solidFill>
+            </a:endParaRPr>
+          </a:p>
+        </p:txBody>
+      </p:sp>
+      <p:sp>
+        <p:nvSpPr>
+          <p:cNvPr id="7" name="TextBox 6">
+            <a:extLst>
+              <a:ext uri="{FF2B5EF4-FFF2-40B4-BE49-F238E27FC236}">
+                <a16:creationId xmlns:a16="http://schemas.microsoft.com/office/drawing/2014/main" id="{AE696979-D3D3-47B9-9C35-EE16CDBEC45B}"/>
+              </a:ext>
+            </a:extLst>
+          </p:cNvPr>
+          <p:cNvSpPr txBox="1"/>
+          <p:nvPr/>
+        </p:nvSpPr>
+        <p:spPr>
+          <a:xfrm>
+            <a:off x="5598302" y="2346554"/>
+            <a:ext cx="6098234" cy="1477328"/>
+          </a:xfrm>
+          <a:prstGeom prst="rect">
+            <a:avLst/>
+          </a:prstGeom>
+          <a:noFill/>
+        </p:spPr>
+        <p:txBody>
+          <a:bodyPr wrap="square" rtlCol="0">
+            <a:spAutoFit/>
+          </a:bodyPr>
+          <a:lstStyle/>
+          <a:p>
+            <a:pPr marL="285750" indent="-285750" algn="l">
+              <a:buFont typeface="Arial" panose="020B0604020202020204" pitchFamily="34" charset="0"/>
+              <a:buChar char="•"/>
+            </a:pPr>
+            <a:r>
+              <a:rPr lang="en-US" b="1" i="0" dirty="0">
+                <a:solidFill>
+                  <a:schemeClr val="bg1"/>
+                </a:solidFill>
+                <a:effectLst/>
+                <a:latin typeface="-apple-system"/>
+              </a:rPr>
+              <a:t>The report will include visualizations utilizing D3.js and Leaflet Map. The d3 visualization will be an interactive scatter plot and will allow users to see choice of Tornado Magnitude or EF scale and resulting Damage, Injuries or Deaths. </a:t>
+            </a:r>
+          </a:p>
+        </p:txBody>
+      </p:sp>
     </p:spTree>
     <p:extLst>
       <p:ext uri="{BB962C8B-B14F-4D97-AF65-F5344CB8AC3E}">
-        <p14:creationId xmlns:p14="http://schemas.microsoft.com/office/powerpoint/2010/main" val="450883506"/>
+        <p14:creationId xmlns:p14="http://schemas.microsoft.com/office/powerpoint/2010/main" val="2507171884"/>
       </p:ext>
     </p:extLst>
   </p:cSld>
@@ -3597,6 +3790,238 @@
       </p:transition>
     </mc:Fallback>
   </mc:AlternateContent>
+  <p:timing>
+    <p:tnLst>
+      <p:par>
+        <p:cTn id="1" dur="indefinite" restart="never" nodeType="tmRoot">
+          <p:childTnLst>
+            <p:seq concurrent="1" nextAc="seek">
+              <p:cTn id="2" dur="indefinite" nodeType="mainSeq">
+                <p:childTnLst>
+                  <p:par>
+                    <p:cTn id="3" fill="hold">
+                      <p:stCondLst>
+                        <p:cond delay="indefinite"/>
+                      </p:stCondLst>
+                      <p:childTnLst>
+                        <p:par>
+                          <p:cTn id="4" fill="hold">
+                            <p:stCondLst>
+                              <p:cond delay="0"/>
+                            </p:stCondLst>
+                            <p:childTnLst>
+                              <p:par>
+                                <p:cTn id="5" presetID="2" presetClass="entr" presetSubtype="4" fill="hold" grpId="0" nodeType="clickEffect">
+                                  <p:stCondLst>
+                                    <p:cond delay="0"/>
+                                  </p:stCondLst>
+                                  <p:childTnLst>
+                                    <p:set>
+                                      <p:cBhvr>
+                                        <p:cTn id="6" dur="1" fill="hold">
+                                          <p:stCondLst>
+                                            <p:cond delay="0"/>
+                                          </p:stCondLst>
+                                        </p:cTn>
+                                        <p:tgtEl>
+                                          <p:spTgt spid="4"/>
+                                        </p:tgtEl>
+                                        <p:attrNameLst>
+                                          <p:attrName>style.visibility</p:attrName>
+                                        </p:attrNameLst>
+                                      </p:cBhvr>
+                                      <p:to>
+                                        <p:strVal val="visible"/>
+                                      </p:to>
+                                    </p:set>
+                                    <p:anim calcmode="lin" valueType="num">
+                                      <p:cBhvr additive="base">
+                                        <p:cTn id="7" dur="500" fill="hold"/>
+                                        <p:tgtEl>
+                                          <p:spTgt spid="4"/>
+                                        </p:tgtEl>
+                                        <p:attrNameLst>
+                                          <p:attrName>ppt_x</p:attrName>
+                                        </p:attrNameLst>
+                                      </p:cBhvr>
+                                      <p:tavLst>
+                                        <p:tav tm="0">
+                                          <p:val>
+                                            <p:strVal val="#ppt_x"/>
+                                          </p:val>
+                                        </p:tav>
+                                        <p:tav tm="100000">
+                                          <p:val>
+                                            <p:strVal val="#ppt_x"/>
+                                          </p:val>
+                                        </p:tav>
+                                      </p:tavLst>
+                                    </p:anim>
+                                    <p:anim calcmode="lin" valueType="num">
+                                      <p:cBhvr additive="base">
+                                        <p:cTn id="8" dur="500" fill="hold"/>
+                                        <p:tgtEl>
+                                          <p:spTgt spid="4"/>
+                                        </p:tgtEl>
+                                        <p:attrNameLst>
+                                          <p:attrName>ppt_y</p:attrName>
+                                        </p:attrNameLst>
+                                      </p:cBhvr>
+                                      <p:tavLst>
+                                        <p:tav tm="0">
+                                          <p:val>
+                                            <p:strVal val="1+#ppt_h/2"/>
+                                          </p:val>
+                                        </p:tav>
+                                        <p:tav tm="100000">
+                                          <p:val>
+                                            <p:strVal val="#ppt_y"/>
+                                          </p:val>
+                                        </p:tav>
+                                      </p:tavLst>
+                                    </p:anim>
+                                  </p:childTnLst>
+                                </p:cTn>
+                              </p:par>
+                            </p:childTnLst>
+                          </p:cTn>
+                        </p:par>
+                      </p:childTnLst>
+                    </p:cTn>
+                  </p:par>
+                  <p:par>
+                    <p:cTn id="9" fill="hold">
+                      <p:stCondLst>
+                        <p:cond delay="indefinite"/>
+                      </p:stCondLst>
+                      <p:childTnLst>
+                        <p:par>
+                          <p:cTn id="10" fill="hold">
+                            <p:stCondLst>
+                              <p:cond delay="0"/>
+                            </p:stCondLst>
+                            <p:childTnLst>
+                              <p:par>
+                                <p:cTn id="11" presetID="10" presetClass="entr" presetSubtype="0" fill="hold" grpId="0" nodeType="clickEffect">
+                                  <p:stCondLst>
+                                    <p:cond delay="0"/>
+                                  </p:stCondLst>
+                                  <p:childTnLst>
+                                    <p:set>
+                                      <p:cBhvr>
+                                        <p:cTn id="12" dur="1" fill="hold">
+                                          <p:stCondLst>
+                                            <p:cond delay="0"/>
+                                          </p:stCondLst>
+                                        </p:cTn>
+                                        <p:tgtEl>
+                                          <p:spTgt spid="7"/>
+                                        </p:tgtEl>
+                                        <p:attrNameLst>
+                                          <p:attrName>style.visibility</p:attrName>
+                                        </p:attrNameLst>
+                                      </p:cBhvr>
+                                      <p:to>
+                                        <p:strVal val="visible"/>
+                                      </p:to>
+                                    </p:set>
+                                    <p:animEffect transition="in" filter="fade">
+                                      <p:cBhvr>
+                                        <p:cTn id="13" dur="500"/>
+                                        <p:tgtEl>
+                                          <p:spTgt spid="7"/>
+                                        </p:tgtEl>
+                                      </p:cBhvr>
+                                    </p:animEffect>
+                                  </p:childTnLst>
+                                </p:cTn>
+                              </p:par>
+                            </p:childTnLst>
+                          </p:cTn>
+                        </p:par>
+                      </p:childTnLst>
+                    </p:cTn>
+                  </p:par>
+                  <p:par>
+                    <p:cTn id="14" fill="hold">
+                      <p:stCondLst>
+                        <p:cond delay="indefinite"/>
+                      </p:stCondLst>
+                      <p:childTnLst>
+                        <p:par>
+                          <p:cTn id="15" fill="hold">
+                            <p:stCondLst>
+                              <p:cond delay="0"/>
+                            </p:stCondLst>
+                            <p:childTnLst>
+                              <p:par>
+                                <p:cTn id="16" presetID="22" presetClass="entr" presetSubtype="4" fill="hold" grpId="0" nodeType="clickEffect">
+                                  <p:stCondLst>
+                                    <p:cond delay="0"/>
+                                  </p:stCondLst>
+                                  <p:childTnLst>
+                                    <p:set>
+                                      <p:cBhvr>
+                                        <p:cTn id="17" dur="1" fill="hold">
+                                          <p:stCondLst>
+                                            <p:cond delay="0"/>
+                                          </p:stCondLst>
+                                        </p:cTn>
+                                        <p:tgtEl>
+                                          <p:spTgt spid="6"/>
+                                        </p:tgtEl>
+                                        <p:attrNameLst>
+                                          <p:attrName>style.visibility</p:attrName>
+                                        </p:attrNameLst>
+                                      </p:cBhvr>
+                                      <p:to>
+                                        <p:strVal val="visible"/>
+                                      </p:to>
+                                    </p:set>
+                                    <p:animEffect transition="in" filter="wipe(down)">
+                                      <p:cBhvr>
+                                        <p:cTn id="18" dur="500"/>
+                                        <p:tgtEl>
+                                          <p:spTgt spid="6"/>
+                                        </p:tgtEl>
+                                      </p:cBhvr>
+                                    </p:animEffect>
+                                  </p:childTnLst>
+                                </p:cTn>
+                              </p:par>
+                            </p:childTnLst>
+                          </p:cTn>
+                        </p:par>
+                      </p:childTnLst>
+                    </p:cTn>
+                  </p:par>
+                </p:childTnLst>
+              </p:cTn>
+              <p:prevCondLst>
+                <p:cond evt="onPrev" delay="0">
+                  <p:tgtEl>
+                    <p:sldTgt/>
+                  </p:tgtEl>
+                </p:cond>
+              </p:prevCondLst>
+              <p:nextCondLst>
+                <p:cond evt="onNext" delay="0">
+                  <p:tgtEl>
+                    <p:sldTgt/>
+                  </p:tgtEl>
+                </p:cond>
+              </p:nextCondLst>
+            </p:seq>
+          </p:childTnLst>
+        </p:cTn>
+      </p:par>
+    </p:tnLst>
+    <p:bldLst>
+      <p:bldP spid="4" grpId="0"/>
+      <p:bldP spid="6" grpId="0"/>
+      <p:bldP spid="7" grpId="0"/>
+    </p:bldLst>
+  </p:timing>
 </p:sld>
 </file>
 
@@ -3625,12 +4050,72 @@
           <a:chExt cx="0" cy="0"/>
         </a:xfrm>
       </p:grpSpPr>
+      <p:sp useBgFill="1">
+        <p:nvSpPr>
+          <p:cNvPr id="8" name="Rectangle 7">
+            <a:extLst>
+              <a:ext uri="{FF2B5EF4-FFF2-40B4-BE49-F238E27FC236}">
+                <a16:creationId xmlns:a16="http://schemas.microsoft.com/office/drawing/2014/main" id="{4613B4A9-1C7C-4729-A016-AB42D3979460}"/>
+              </a:ext>
+              <a:ext uri="{C183D7F6-B498-43B3-948B-1728B52AA6E4}">
+                <adec:decorative xmlns:adec="http://schemas.microsoft.com/office/drawing/2017/decorative" val="1"/>
+              </a:ext>
+            </a:extLst>
+          </p:cNvPr>
+          <p:cNvSpPr>
+            <a:spLocks noGrp="1" noRot="1" noChangeAspect="1" noMove="1" noResize="1" noEditPoints="1" noAdjustHandles="1" noChangeArrowheads="1" noChangeShapeType="1" noTextEdit="1"/>
+          </p:cNvSpPr>
+          <p:nvPr>
+            <p:extLst>
+              <p:ext uri="{386F3935-93C4-4BCD-93E2-E3B085C9AB24}">
+                <p16:designElem xmlns:p16="http://schemas.microsoft.com/office/powerpoint/2015/main" val="1"/>
+              </p:ext>
+            </p:extLst>
+          </p:nvPr>
+        </p:nvSpPr>
+        <p:spPr>
+          <a:xfrm>
+            <a:off x="0" y="0"/>
+            <a:ext cx="12188952" cy="6858000"/>
+          </a:xfrm>
+          <a:prstGeom prst="rect">
+            <a:avLst/>
+          </a:prstGeom>
+          <a:ln>
+            <a:noFill/>
+          </a:ln>
+        </p:spPr>
+        <p:style>
+          <a:lnRef idx="2">
+            <a:schemeClr val="accent1">
+              <a:shade val="50000"/>
+            </a:schemeClr>
+          </a:lnRef>
+          <a:fillRef idx="1">
+            <a:schemeClr val="accent1"/>
+          </a:fillRef>
+          <a:effectRef idx="0">
+            <a:schemeClr val="accent1"/>
+          </a:effectRef>
+          <a:fontRef idx="minor">
+            <a:schemeClr val="lt1"/>
+          </a:fontRef>
+        </p:style>
+        <p:txBody>
+          <a:bodyPr rtlCol="0" anchor="ctr"/>
+          <a:lstStyle/>
+          <a:p>
+            <a:pPr algn="ctr"/>
+            <a:endParaRPr lang="en-US"/>
+          </a:p>
+        </p:txBody>
+      </p:sp>
       <p:pic>
         <p:nvPicPr>
-          <p:cNvPr id="4" name="Picture 3" descr="Map&#10;&#10;Description automatically generated">
-            <a:extLst>
-              <a:ext uri="{FF2B5EF4-FFF2-40B4-BE49-F238E27FC236}">
-                <a16:creationId xmlns:a16="http://schemas.microsoft.com/office/drawing/2014/main" id="{E4552D5D-E9AE-4151-BC1C-FBB5A4EDC56D}"/>
+          <p:cNvPr id="3" name="Picture 2" descr="A picture containing blur&#10;&#10;Description automatically generated">
+            <a:extLst>
+              <a:ext uri="{FF2B5EF4-FFF2-40B4-BE49-F238E27FC236}">
+                <a16:creationId xmlns:a16="http://schemas.microsoft.com/office/drawing/2014/main" id="{3FC42B5A-4053-4A71-BBED-762406DDCEEA}"/>
               </a:ext>
             </a:extLst>
           </p:cNvPr>
@@ -3647,19 +4132,793 @@
               </a:ext>
             </a:extLst>
           </a:blip>
-          <a:srcRect r="7196" b="1"/>
+          <a:srcRect t="26723" r="1" b="15467"/>
           <a:stretch/>
         </p:blipFill>
         <p:spPr>
           <a:xfrm>
-            <a:off x="5162052" y="3272588"/>
-            <a:ext cx="6105382" cy="3585411"/>
+            <a:off x="326268" y="0"/>
+            <a:ext cx="11862684" cy="6857990"/>
+          </a:xfrm>
+          <a:custGeom>
+            <a:avLst/>
+            <a:gdLst/>
+            <a:ahLst/>
+            <a:cxnLst/>
+            <a:rect l="l" t="t" r="r" b="b"/>
+            <a:pathLst>
+              <a:path w="11862684" h="6858000">
+                <a:moveTo>
+                  <a:pt x="1047342" y="0"/>
+                </a:moveTo>
+                <a:lnTo>
+                  <a:pt x="4590463" y="0"/>
+                </a:lnTo>
+                <a:lnTo>
+                  <a:pt x="5499874" y="0"/>
+                </a:lnTo>
+                <a:lnTo>
+                  <a:pt x="5723425" y="0"/>
+                </a:lnTo>
+                <a:lnTo>
+                  <a:pt x="7580390" y="0"/>
+                </a:lnTo>
+                <a:lnTo>
+                  <a:pt x="7747884" y="0"/>
+                </a:lnTo>
+                <a:lnTo>
+                  <a:pt x="7824084" y="0"/>
+                </a:lnTo>
+                <a:lnTo>
+                  <a:pt x="11862684" y="0"/>
+                </a:lnTo>
+                <a:lnTo>
+                  <a:pt x="11862684" y="6858000"/>
+                </a:lnTo>
+                <a:lnTo>
+                  <a:pt x="7824084" y="6858000"/>
+                </a:lnTo>
+                <a:lnTo>
+                  <a:pt x="7747884" y="6858000"/>
+                </a:lnTo>
+                <a:lnTo>
+                  <a:pt x="7580390" y="6858000"/>
+                </a:lnTo>
+                <a:lnTo>
+                  <a:pt x="5723425" y="6858000"/>
+                </a:lnTo>
+                <a:lnTo>
+                  <a:pt x="5499874" y="6858000"/>
+                </a:lnTo>
+                <a:lnTo>
+                  <a:pt x="4590463" y="6858000"/>
+                </a:lnTo>
+                <a:lnTo>
+                  <a:pt x="1654188" y="6858000"/>
+                </a:lnTo>
+                <a:cubicBezTo>
+                  <a:pt x="1530404" y="6786859"/>
+                  <a:pt x="1412658" y="6701489"/>
+                  <a:pt x="1279816" y="6658805"/>
+                </a:cubicBezTo>
+                <a:cubicBezTo>
+                  <a:pt x="1189242" y="6630349"/>
+                  <a:pt x="1101686" y="6580550"/>
+                  <a:pt x="1116783" y="6431153"/>
+                </a:cubicBezTo>
+                <a:cubicBezTo>
+                  <a:pt x="1119802" y="6388469"/>
+                  <a:pt x="1095648" y="6356456"/>
+                  <a:pt x="1059419" y="6367127"/>
+                </a:cubicBezTo>
+                <a:cubicBezTo>
+                  <a:pt x="989979" y="6388469"/>
+                  <a:pt x="956768" y="6327999"/>
+                  <a:pt x="917520" y="6281757"/>
+                </a:cubicBezTo>
+                <a:cubicBezTo>
+                  <a:pt x="848079" y="6199945"/>
+                  <a:pt x="781658" y="6114575"/>
+                  <a:pt x="669950" y="6100347"/>
+                </a:cubicBezTo>
+                <a:cubicBezTo>
+                  <a:pt x="691084" y="6036320"/>
+                  <a:pt x="727312" y="6043434"/>
+                  <a:pt x="760524" y="6057663"/>
+                </a:cubicBezTo>
+                <a:cubicBezTo>
+                  <a:pt x="848079" y="6093234"/>
+                  <a:pt x="935634" y="6132361"/>
+                  <a:pt x="1023188" y="6167932"/>
+                </a:cubicBezTo>
+                <a:cubicBezTo>
+                  <a:pt x="1080552" y="6189274"/>
+                  <a:pt x="1137916" y="6221287"/>
+                  <a:pt x="1213395" y="6196388"/>
+                </a:cubicBezTo>
+                <a:cubicBezTo>
+                  <a:pt x="1146974" y="6068335"/>
+                  <a:pt x="1035266" y="6043434"/>
+                  <a:pt x="944692" y="6004307"/>
+                </a:cubicBezTo>
+                <a:cubicBezTo>
+                  <a:pt x="832982" y="5954508"/>
+                  <a:pt x="766562" y="5862025"/>
+                  <a:pt x="685045" y="5755314"/>
+                </a:cubicBezTo>
+                <a:cubicBezTo>
+                  <a:pt x="766562" y="5726858"/>
+                  <a:pt x="817887" y="5805112"/>
+                  <a:pt x="884310" y="5801555"/>
+                </a:cubicBezTo>
+                <a:cubicBezTo>
+                  <a:pt x="887328" y="5790884"/>
+                  <a:pt x="893366" y="5769542"/>
+                  <a:pt x="893366" y="5769542"/>
+                </a:cubicBezTo>
+                <a:cubicBezTo>
+                  <a:pt x="784676" y="5712629"/>
+                  <a:pt x="736372" y="5605917"/>
+                  <a:pt x="718256" y="5474306"/>
+                </a:cubicBezTo>
+                <a:cubicBezTo>
+                  <a:pt x="712218" y="5406721"/>
+                  <a:pt x="672970" y="5385379"/>
+                  <a:pt x="633720" y="5353367"/>
+                </a:cubicBezTo>
+                <a:cubicBezTo>
+                  <a:pt x="500878" y="5243097"/>
+                  <a:pt x="358980" y="5143500"/>
+                  <a:pt x="247270" y="4994104"/>
+                </a:cubicBezTo>
+                <a:cubicBezTo>
+                  <a:pt x="377094" y="5011889"/>
+                  <a:pt x="479744" y="5111487"/>
+                  <a:pt x="615606" y="5154171"/>
+                </a:cubicBezTo>
+                <a:cubicBezTo>
+                  <a:pt x="506917" y="4990547"/>
+                  <a:pt x="365016" y="4905177"/>
+                  <a:pt x="235194" y="4805580"/>
+                </a:cubicBezTo>
+                <a:cubicBezTo>
+                  <a:pt x="174810" y="4759339"/>
+                  <a:pt x="120468" y="4702425"/>
+                  <a:pt x="51026" y="4677526"/>
+                </a:cubicBezTo>
+                <a:cubicBezTo>
+                  <a:pt x="26873" y="4670412"/>
+                  <a:pt x="-15396" y="4652628"/>
+                  <a:pt x="5740" y="4602828"/>
+                </a:cubicBezTo>
+                <a:cubicBezTo>
+                  <a:pt x="23854" y="4560144"/>
+                  <a:pt x="57065" y="4574373"/>
+                  <a:pt x="87257" y="4585042"/>
+                </a:cubicBezTo>
+                <a:cubicBezTo>
+                  <a:pt x="159715" y="4613499"/>
+                  <a:pt x="238213" y="4613499"/>
+                  <a:pt x="337844" y="4613499"/>
+                </a:cubicBezTo>
+                <a:cubicBezTo>
+                  <a:pt x="253310" y="4478331"/>
+                  <a:pt x="99332" y="4521016"/>
+                  <a:pt x="26873" y="4378734"/>
+                </a:cubicBezTo>
+                <a:cubicBezTo>
+                  <a:pt x="117448" y="4353835"/>
+                  <a:pt x="186888" y="4403633"/>
+                  <a:pt x="259346" y="4414305"/>
+                </a:cubicBezTo>
+                <a:cubicBezTo>
+                  <a:pt x="325769" y="4424975"/>
+                  <a:pt x="340863" y="4400076"/>
+                  <a:pt x="325769" y="4321821"/>
+                </a:cubicBezTo>
+                <a:cubicBezTo>
+                  <a:pt x="301616" y="4200882"/>
+                  <a:pt x="337844" y="4140411"/>
+                  <a:pt x="434458" y="4172424"/>
+                </a:cubicBezTo>
+                <a:cubicBezTo>
+                  <a:pt x="525031" y="4204438"/>
+                  <a:pt x="534089" y="4158196"/>
+                  <a:pt x="509936" y="4090612"/>
+                </a:cubicBezTo>
+                <a:cubicBezTo>
+                  <a:pt x="473706" y="3991015"/>
+                  <a:pt x="512954" y="3912759"/>
+                  <a:pt x="540128" y="3827390"/>
+                </a:cubicBezTo>
+                <a:cubicBezTo>
+                  <a:pt x="582395" y="3699337"/>
+                  <a:pt x="564281" y="3635309"/>
+                  <a:pt x="476725" y="3539269"/>
+                </a:cubicBezTo>
+                <a:cubicBezTo>
+                  <a:pt x="425400" y="3485914"/>
+                  <a:pt x="374074" y="3439672"/>
+                  <a:pt x="301616" y="3393429"/>
+                </a:cubicBezTo>
+                <a:cubicBezTo>
+                  <a:pt x="467668" y="3368530"/>
+                  <a:pt x="295577" y="3283162"/>
+                  <a:pt x="352940" y="3229805"/>
+                </a:cubicBezTo>
+                <a:cubicBezTo>
+                  <a:pt x="470686" y="3208463"/>
+                  <a:pt x="564281" y="3379202"/>
+                  <a:pt x="724294" y="3329402"/>
+                </a:cubicBezTo>
+                <a:cubicBezTo>
+                  <a:pt x="531070" y="3183563"/>
+                  <a:pt x="313691" y="3137322"/>
+                  <a:pt x="171792" y="2941684"/>
+                </a:cubicBezTo>
+                <a:cubicBezTo>
+                  <a:pt x="205002" y="2899000"/>
+                  <a:pt x="238213" y="2941684"/>
+                  <a:pt x="265385" y="2923898"/>
+                </a:cubicBezTo>
+                <a:cubicBezTo>
+                  <a:pt x="265385" y="2913227"/>
+                  <a:pt x="582395" y="2980812"/>
+                  <a:pt x="600510" y="2703362"/>
+                </a:cubicBezTo>
+                <a:cubicBezTo>
+                  <a:pt x="606548" y="2703362"/>
+                  <a:pt x="612587" y="2703362"/>
+                  <a:pt x="618624" y="2692689"/>
+                </a:cubicBezTo>
+                <a:cubicBezTo>
+                  <a:pt x="651834" y="2653563"/>
+                  <a:pt x="621644" y="2561080"/>
+                  <a:pt x="675988" y="2553965"/>
+                </a:cubicBezTo>
+                <a:cubicBezTo>
+                  <a:pt x="736372" y="2546851"/>
+                  <a:pt x="793735" y="2514837"/>
+                  <a:pt x="857136" y="2532623"/>
+                </a:cubicBezTo>
+                <a:cubicBezTo>
+                  <a:pt x="905443" y="2546851"/>
+                  <a:pt x="956768" y="2564636"/>
+                  <a:pt x="1008094" y="2564636"/>
+                </a:cubicBezTo>
+                <a:cubicBezTo>
+                  <a:pt x="1062438" y="2564636"/>
+                  <a:pt x="1137916" y="2685576"/>
+                  <a:pt x="1171128" y="2525509"/>
+                </a:cubicBezTo>
+                <a:cubicBezTo>
+                  <a:pt x="1171128" y="2518395"/>
+                  <a:pt x="1264720" y="2536181"/>
+                  <a:pt x="1316045" y="2543294"/>
+                </a:cubicBezTo>
+                <a:cubicBezTo>
+                  <a:pt x="1358314" y="2550408"/>
+                  <a:pt x="1409640" y="2582422"/>
+                  <a:pt x="1439830" y="2518395"/>
+                </a:cubicBezTo>
+                <a:cubicBezTo>
+                  <a:pt x="1454926" y="2479267"/>
+                  <a:pt x="1382466" y="2408126"/>
+                  <a:pt x="1319065" y="2401012"/>
+                </a:cubicBezTo>
+                <a:cubicBezTo>
+                  <a:pt x="1261702" y="2393898"/>
+                  <a:pt x="1204338" y="2386784"/>
+                  <a:pt x="1149994" y="2401012"/>
+                </a:cubicBezTo>
+                <a:cubicBezTo>
+                  <a:pt x="1083572" y="2418796"/>
+                  <a:pt x="1047342" y="2390340"/>
+                  <a:pt x="1029227" y="2326314"/>
+                </a:cubicBezTo>
+                <a:cubicBezTo>
+                  <a:pt x="1008094" y="2258731"/>
+                  <a:pt x="968844" y="2223159"/>
+                  <a:pt x="914500" y="2191146"/>
+                </a:cubicBezTo>
+                <a:cubicBezTo>
+                  <a:pt x="781658" y="2112891"/>
+                  <a:pt x="654854" y="2020407"/>
+                  <a:pt x="509936" y="1974165"/>
+                </a:cubicBezTo>
+                <a:cubicBezTo>
+                  <a:pt x="482764" y="1967051"/>
+                  <a:pt x="449553" y="1952823"/>
+                  <a:pt x="437476" y="1892353"/>
+                </a:cubicBezTo>
+                <a:cubicBezTo>
+                  <a:pt x="829964" y="1984836"/>
+                  <a:pt x="1186222" y="2223159"/>
+                  <a:pt x="1590788" y="2208931"/>
+                </a:cubicBezTo>
+                <a:cubicBezTo>
+                  <a:pt x="1482098" y="2134233"/>
+                  <a:pt x="1352276" y="2130676"/>
+                  <a:pt x="1234528" y="2077320"/>
+                </a:cubicBezTo>
+                <a:cubicBezTo>
+                  <a:pt x="1319065" y="2038192"/>
+                  <a:pt x="1397562" y="2080877"/>
+                  <a:pt x="1476060" y="2102219"/>
+                </a:cubicBezTo>
+                <a:cubicBezTo>
+                  <a:pt x="1542482" y="2120004"/>
+                  <a:pt x="1602864" y="2123562"/>
+                  <a:pt x="1608902" y="2013292"/>
+                </a:cubicBezTo>
+                <a:cubicBezTo>
+                  <a:pt x="1608902" y="2002622"/>
+                  <a:pt x="1608902" y="1995507"/>
+                  <a:pt x="1608902" y="1984836"/>
+                </a:cubicBezTo>
+                <a:cubicBezTo>
+                  <a:pt x="1584749" y="1938595"/>
+                  <a:pt x="1551538" y="1917252"/>
+                  <a:pt x="1509271" y="1903025"/>
+                </a:cubicBezTo>
+                <a:cubicBezTo>
+                  <a:pt x="1485118" y="1895910"/>
+                  <a:pt x="1451907" y="1881683"/>
+                  <a:pt x="1451907" y="1849668"/>
+                </a:cubicBezTo>
+                <a:cubicBezTo>
+                  <a:pt x="1454926" y="1728729"/>
+                  <a:pt x="1373409" y="1693158"/>
+                  <a:pt x="1294912" y="1657587"/>
+                </a:cubicBezTo>
+                <a:cubicBezTo>
+                  <a:pt x="1337180" y="1597117"/>
+                  <a:pt x="1373409" y="1639802"/>
+                  <a:pt x="1406620" y="1636245"/>
+                </a:cubicBezTo>
+                <a:cubicBezTo>
+                  <a:pt x="1427754" y="1632688"/>
+                  <a:pt x="1448887" y="1629132"/>
+                  <a:pt x="1448887" y="1597117"/>
+                </a:cubicBezTo>
+                <a:cubicBezTo>
+                  <a:pt x="1448887" y="1572219"/>
+                  <a:pt x="1439830" y="1540204"/>
+                  <a:pt x="1418696" y="1540204"/>
+                </a:cubicBezTo>
+                <a:cubicBezTo>
+                  <a:pt x="1285854" y="1536647"/>
+                  <a:pt x="1210375" y="1365909"/>
+                  <a:pt x="1071494" y="1365909"/>
+                </a:cubicBezTo>
+                <a:cubicBezTo>
+                  <a:pt x="986960" y="1365909"/>
+                  <a:pt x="1113764" y="1269868"/>
+                  <a:pt x="1044324" y="1230741"/>
+                </a:cubicBezTo>
+                <a:cubicBezTo>
+                  <a:pt x="1029227" y="1220069"/>
+                  <a:pt x="1086591" y="1205842"/>
+                  <a:pt x="1110744" y="1209399"/>
+                </a:cubicBezTo>
+                <a:cubicBezTo>
+                  <a:pt x="1134897" y="1212955"/>
+                  <a:pt x="1156032" y="1237855"/>
+                  <a:pt x="1186222" y="1220069"/>
+                </a:cubicBezTo>
+                <a:cubicBezTo>
+                  <a:pt x="1201318" y="1156043"/>
+                  <a:pt x="1162069" y="1131144"/>
+                  <a:pt x="1125840" y="1113358"/>
+                </a:cubicBezTo>
+                <a:cubicBezTo>
+                  <a:pt x="1047342" y="1070674"/>
+                  <a:pt x="968844" y="1020875"/>
+                  <a:pt x="881290" y="1006647"/>
+                </a:cubicBezTo>
+                <a:cubicBezTo>
+                  <a:pt x="851099" y="1003089"/>
+                  <a:pt x="832982" y="985305"/>
+                  <a:pt x="836002" y="949734"/>
+                </a:cubicBezTo>
+                <a:cubicBezTo>
+                  <a:pt x="842040" y="903491"/>
+                  <a:pt x="872232" y="917720"/>
+                  <a:pt x="896385" y="921277"/>
+                </a:cubicBezTo>
+                <a:cubicBezTo>
+                  <a:pt x="911482" y="924835"/>
+                  <a:pt x="926577" y="935506"/>
+                  <a:pt x="941672" y="910606"/>
+                </a:cubicBezTo>
+                <a:cubicBezTo>
+                  <a:pt x="588434" y="658055"/>
+                  <a:pt x="401247" y="672284"/>
+                  <a:pt x="5740" y="465975"/>
+                </a:cubicBezTo>
+                <a:cubicBezTo>
+                  <a:pt x="93294" y="426847"/>
+                  <a:pt x="156696" y="455303"/>
+                  <a:pt x="217079" y="462417"/>
+                </a:cubicBezTo>
+                <a:cubicBezTo>
+                  <a:pt x="368036" y="480203"/>
+                  <a:pt x="274442" y="512216"/>
+                  <a:pt x="425400" y="533558"/>
+                </a:cubicBezTo>
+                <a:cubicBezTo>
+                  <a:pt x="497860" y="544229"/>
+                  <a:pt x="564281" y="579800"/>
+                  <a:pt x="645798" y="522887"/>
+                </a:cubicBezTo>
+                <a:cubicBezTo>
+                  <a:pt x="700142" y="483759"/>
+                  <a:pt x="787696" y="526444"/>
+                  <a:pt x="854118" y="558458"/>
+                </a:cubicBezTo>
+                <a:cubicBezTo>
+                  <a:pt x="908462" y="586915"/>
+                  <a:pt x="962806" y="594028"/>
+                  <a:pt x="1035266" y="558458"/>
+                </a:cubicBezTo>
+                <a:cubicBezTo>
+                  <a:pt x="968844" y="537116"/>
+                  <a:pt x="917520" y="519330"/>
+                  <a:pt x="866193" y="505101"/>
+                </a:cubicBezTo>
+                <a:cubicBezTo>
+                  <a:pt x="823926" y="494431"/>
+                  <a:pt x="799772" y="469532"/>
+                  <a:pt x="802792" y="416176"/>
+                </a:cubicBezTo>
+                <a:cubicBezTo>
+                  <a:pt x="802792" y="387720"/>
+                  <a:pt x="793735" y="348592"/>
+                  <a:pt x="823926" y="334364"/>
+                </a:cubicBezTo>
+                <a:cubicBezTo>
+                  <a:pt x="848079" y="320135"/>
+                  <a:pt x="881290" y="334364"/>
+                  <a:pt x="893366" y="359262"/>
+                </a:cubicBezTo>
+                <a:cubicBezTo>
+                  <a:pt x="908462" y="405504"/>
+                  <a:pt x="923557" y="448189"/>
+                  <a:pt x="974883" y="451747"/>
+                </a:cubicBezTo>
+                <a:cubicBezTo>
+                  <a:pt x="1044324" y="458860"/>
+                  <a:pt x="1005074" y="430405"/>
+                  <a:pt x="992998" y="394834"/>
+                </a:cubicBezTo>
+                <a:cubicBezTo>
+                  <a:pt x="980921" y="355706"/>
+                  <a:pt x="1017152" y="345034"/>
+                  <a:pt x="1041304" y="352148"/>
+                </a:cubicBezTo>
+                <a:cubicBezTo>
+                  <a:pt x="1131878" y="384162"/>
+                  <a:pt x="1225472" y="327250"/>
+                  <a:pt x="1319065" y="373491"/>
+                </a:cubicBezTo>
+                <a:cubicBezTo>
+                  <a:pt x="1294912" y="259665"/>
+                  <a:pt x="1243586" y="209867"/>
+                  <a:pt x="1134897" y="192082"/>
+                </a:cubicBezTo>
+                <a:cubicBezTo>
+                  <a:pt x="1095648" y="188525"/>
+                  <a:pt x="1053380" y="195638"/>
+                  <a:pt x="1017152" y="163625"/>
+                </a:cubicBezTo>
+                <a:cubicBezTo>
+                  <a:pt x="996016" y="145839"/>
+                  <a:pt x="974883" y="124497"/>
+                  <a:pt x="989979" y="88927"/>
+                </a:cubicBezTo>
+                <a:cubicBezTo>
+                  <a:pt x="999036" y="64027"/>
+                  <a:pt x="1023188" y="64027"/>
+                  <a:pt x="1044324" y="71141"/>
+                </a:cubicBezTo>
+                <a:cubicBezTo>
+                  <a:pt x="1131878" y="110269"/>
+                  <a:pt x="1225472" y="120941"/>
+                  <a:pt x="1316045" y="135168"/>
+                </a:cubicBezTo>
+                <a:cubicBezTo>
+                  <a:pt x="1331142" y="138725"/>
+                  <a:pt x="1346237" y="145839"/>
+                  <a:pt x="1361334" y="110269"/>
+                </a:cubicBezTo>
+                <a:cubicBezTo>
+                  <a:pt x="1255664" y="78255"/>
+                  <a:pt x="1153012" y="35571"/>
+                  <a:pt x="1047342" y="0"/>
+                </a:cubicBezTo>
+                <a:close/>
+              </a:path>
+            </a:pathLst>
+          </a:custGeom>
+        </p:spPr>
+      </p:pic>
+      <p:sp>
+        <p:nvSpPr>
+          <p:cNvPr id="4" name="TextBox 3">
+            <a:extLst>
+              <a:ext uri="{FF2B5EF4-FFF2-40B4-BE49-F238E27FC236}">
+                <a16:creationId xmlns:a16="http://schemas.microsoft.com/office/drawing/2014/main" id="{6CA31E5B-2B1F-4D51-8522-7A7891847EA8}"/>
+              </a:ext>
+            </a:extLst>
+          </p:cNvPr>
+          <p:cNvSpPr txBox="1"/>
+          <p:nvPr/>
+        </p:nvSpPr>
+        <p:spPr>
+          <a:xfrm>
+            <a:off x="4791456" y="354474"/>
+            <a:ext cx="6905080" cy="6186309"/>
           </a:xfrm>
           <a:prstGeom prst="rect">
             <a:avLst/>
           </a:prstGeom>
+          <a:noFill/>
         </p:spPr>
-      </p:pic>
+        <p:txBody>
+          <a:bodyPr wrap="square" rtlCol="0">
+            <a:spAutoFit/>
+          </a:bodyPr>
+          <a:lstStyle/>
+          <a:p>
+            <a:pPr marL="285750" indent="-285750" algn="l">
+              <a:buFont typeface="Arial" panose="020B0604020202020204" pitchFamily="34" charset="0"/>
+              <a:buChar char="•"/>
+            </a:pPr>
+            <a:r>
+              <a:rPr lang="en-US" b="0" i="0" dirty="0">
+                <a:solidFill>
+                  <a:srgbClr val="002060"/>
+                </a:solidFill>
+                <a:effectLst/>
+                <a:latin typeface="-apple-system"/>
+              </a:rPr>
+              <a:t>Our hypothesis was very data driven. After reviewing the NOAA data we found data points to compare.</a:t>
+            </a:r>
+          </a:p>
+          <a:p>
+            <a:pPr marL="285750" indent="-285750" algn="l">
+              <a:buFont typeface="Arial" panose="020B0604020202020204" pitchFamily="34" charset="0"/>
+              <a:buChar char="•"/>
+            </a:pPr>
+            <a:endParaRPr lang="en-US" dirty="0">
+              <a:solidFill>
+                <a:srgbClr val="002060"/>
+              </a:solidFill>
+              <a:latin typeface="-apple-system"/>
+            </a:endParaRPr>
+          </a:p>
+          <a:p>
+            <a:pPr marL="285750" indent="-285750">
+              <a:buFont typeface="Arial" panose="020B0604020202020204" pitchFamily="34" charset="0"/>
+              <a:buChar char="•"/>
+            </a:pPr>
+            <a:r>
+              <a:rPr lang="en-US" dirty="0">
+                <a:solidFill>
+                  <a:srgbClr val="002060"/>
+                </a:solidFill>
+                <a:latin typeface="Slack-Lato"/>
+              </a:rPr>
+              <a:t>We wanted to see the size and strength of a tornado event compared to the resulting damage. We used a scatter plot to visualize this comparison.</a:t>
+            </a:r>
+          </a:p>
+          <a:p>
+            <a:pPr marL="285750" indent="-285750">
+              <a:buFont typeface="Arial" panose="020B0604020202020204" pitchFamily="34" charset="0"/>
+              <a:buChar char="•"/>
+            </a:pPr>
+            <a:endParaRPr lang="en-US" dirty="0">
+              <a:solidFill>
+                <a:srgbClr val="002060"/>
+              </a:solidFill>
+              <a:latin typeface="-apple-system"/>
+            </a:endParaRPr>
+          </a:p>
+          <a:p>
+            <a:pPr marL="742950" lvl="1" indent="-285750">
+              <a:buFont typeface="Arial" panose="020B0604020202020204" pitchFamily="34" charset="0"/>
+              <a:buChar char="•"/>
+            </a:pPr>
+            <a:r>
+              <a:rPr lang="en-US" b="1" dirty="0">
+                <a:solidFill>
+                  <a:srgbClr val="002060"/>
+                </a:solidFill>
+              </a:rPr>
+              <a:t>Is there any correlation between size and strength of tornado activity to resulting Death, Injury and Damage?</a:t>
+            </a:r>
+            <a:endParaRPr lang="en-US" b="1" dirty="0">
+              <a:solidFill>
+                <a:srgbClr val="002060"/>
+              </a:solidFill>
+              <a:latin typeface="-apple-system"/>
+            </a:endParaRPr>
+          </a:p>
+          <a:p>
+            <a:pPr marL="285750" indent="-285750" algn="l">
+              <a:buFont typeface="Arial" panose="020B0604020202020204" pitchFamily="34" charset="0"/>
+              <a:buChar char="•"/>
+            </a:pPr>
+            <a:endParaRPr lang="en-US" dirty="0">
+              <a:solidFill>
+                <a:srgbClr val="002060"/>
+              </a:solidFill>
+              <a:latin typeface="-apple-system"/>
+            </a:endParaRPr>
+          </a:p>
+          <a:p>
+            <a:pPr marL="285750" indent="-285750" algn="l">
+              <a:buFont typeface="Arial" panose="020B0604020202020204" pitchFamily="34" charset="0"/>
+              <a:buChar char="•"/>
+            </a:pPr>
+            <a:r>
+              <a:rPr lang="en-US" dirty="0">
+                <a:solidFill>
+                  <a:srgbClr val="002060"/>
+                </a:solidFill>
+                <a:latin typeface="-apple-system"/>
+              </a:rPr>
+              <a:t>We also  created a map to see where the tornadoes occurred. Which was interesting because there were no tornadoes in Kansas. We also were able to see the direction of the tornadoes.</a:t>
+            </a:r>
+          </a:p>
+          <a:p>
+            <a:pPr marL="742950" lvl="1" indent="-285750">
+              <a:buFont typeface="Arial" panose="020B0604020202020204" pitchFamily="34" charset="0"/>
+              <a:buChar char="•"/>
+            </a:pPr>
+            <a:endParaRPr lang="en-US" dirty="0">
+              <a:solidFill>
+                <a:srgbClr val="002060"/>
+              </a:solidFill>
+              <a:latin typeface="-apple-system"/>
+            </a:endParaRPr>
+          </a:p>
+          <a:p>
+            <a:pPr marL="742950" lvl="1" indent="-285750">
+              <a:buFont typeface="Arial" panose="020B0604020202020204" pitchFamily="34" charset="0"/>
+              <a:buChar char="•"/>
+            </a:pPr>
+            <a:r>
+              <a:rPr lang="en-US" b="1" dirty="0">
+                <a:solidFill>
+                  <a:srgbClr val="002060"/>
+                </a:solidFill>
+                <a:latin typeface="-apple-system"/>
+              </a:rPr>
+              <a:t>Where is the most tornadic activity?</a:t>
+            </a:r>
+          </a:p>
+          <a:p>
+            <a:pPr marL="285750" indent="-285750" algn="l">
+              <a:buFont typeface="Arial" panose="020B0604020202020204" pitchFamily="34" charset="0"/>
+              <a:buChar char="•"/>
+            </a:pPr>
+            <a:endParaRPr lang="en-US" dirty="0">
+              <a:solidFill>
+                <a:srgbClr val="002060"/>
+              </a:solidFill>
+              <a:latin typeface="-apple-system"/>
+            </a:endParaRPr>
+          </a:p>
+          <a:p>
+            <a:pPr marL="285750" indent="-285750" algn="l">
+              <a:buFont typeface="Arial" panose="020B0604020202020204" pitchFamily="34" charset="0"/>
+              <a:buChar char="•"/>
+            </a:pPr>
+            <a:r>
+              <a:rPr lang="en-US" dirty="0">
+                <a:solidFill>
+                  <a:srgbClr val="002060"/>
+                </a:solidFill>
+                <a:latin typeface="-apple-system"/>
+              </a:rPr>
+              <a:t>Using our API Weather information, we compared tornado strength (EF scale) and size to location. As well as current weather information by location to help predict tornadic activity.</a:t>
+            </a:r>
+          </a:p>
+          <a:p>
+            <a:pPr marL="285750" indent="-285750" algn="l">
+              <a:buFont typeface="Arial" panose="020B0604020202020204" pitchFamily="34" charset="0"/>
+              <a:buChar char="•"/>
+            </a:pPr>
+            <a:endParaRPr lang="en-US" dirty="0">
+              <a:solidFill>
+                <a:srgbClr val="002060"/>
+              </a:solidFill>
+              <a:latin typeface="-apple-system"/>
+            </a:endParaRPr>
+          </a:p>
+          <a:p>
+            <a:pPr marL="742950" lvl="1" indent="-285750">
+              <a:buFont typeface="Arial" panose="020B0604020202020204" pitchFamily="34" charset="0"/>
+              <a:buChar char="•"/>
+            </a:pPr>
+            <a:r>
+              <a:rPr lang="en-US" b="1" dirty="0">
+                <a:solidFill>
+                  <a:srgbClr val="002060"/>
+                </a:solidFill>
+                <a:latin typeface="-apple-system"/>
+              </a:rPr>
+              <a:t>Does location effect size?</a:t>
+            </a:r>
+          </a:p>
+          <a:p>
+            <a:pPr marL="742950" lvl="1" indent="-285750">
+              <a:buFont typeface="Arial" panose="020B0604020202020204" pitchFamily="34" charset="0"/>
+              <a:buChar char="•"/>
+            </a:pPr>
+            <a:r>
+              <a:rPr lang="en-US" b="1" dirty="0">
+                <a:solidFill>
+                  <a:srgbClr val="002060"/>
+                </a:solidFill>
+                <a:latin typeface="-apple-system"/>
+              </a:rPr>
+              <a:t>Is there current weather indicative to tornadic activity?</a:t>
+            </a:r>
+          </a:p>
+        </p:txBody>
+      </p:sp>
+    </p:spTree>
+    <p:extLst>
+      <p:ext uri="{BB962C8B-B14F-4D97-AF65-F5344CB8AC3E}">
+        <p14:creationId xmlns:p14="http://schemas.microsoft.com/office/powerpoint/2010/main" val="1671963725"/>
+      </p:ext>
+    </p:extLst>
+  </p:cSld>
+  <p:clrMapOvr>
+    <a:masterClrMapping/>
+  </p:clrMapOvr>
+  <mc:AlternateContent xmlns:mc="http://schemas.openxmlformats.org/markup-compatibility/2006" xmlns:p15="http://schemas.microsoft.com/office/powerpoint/2012/main">
+    <mc:Choice Requires="p15">
+      <p:transition xmlns:p14="http://schemas.microsoft.com/office/powerpoint/2010/main" spd="slow" p14:dur="2000">
+        <p15:prstTrans prst="wind"/>
+      </p:transition>
+    </mc:Choice>
+    <mc:Fallback xmlns="">
+      <p:transition spd="slow">
+        <p:fade/>
+      </p:transition>
+    </mc:Fallback>
+  </mc:AlternateContent>
+</p:sld>
+</file>
+
+<file path=ppt/slides/slide4.xml><?xml version="1.0" encoding="utf-8"?>
+<p:sld xmlns:a="http://schemas.openxmlformats.org/drawingml/2006/main" xmlns:r="http://schemas.openxmlformats.org/officeDocument/2006/relationships" xmlns:p="http://schemas.openxmlformats.org/presentationml/2006/main">
+  <p:cSld>
+    <p:bg>
+      <p:bgPr>
+        <a:solidFill>
+          <a:schemeClr val="bg1"/>
+        </a:solidFill>
+        <a:effectLst/>
+      </p:bgPr>
+    </p:bg>
+    <p:spTree>
+      <p:nvGrpSpPr>
+        <p:cNvPr id="1" name=""/>
+        <p:cNvGrpSpPr/>
+        <p:nvPr/>
+      </p:nvGrpSpPr>
+      <p:grpSpPr>
+        <a:xfrm>
+          <a:off x="0" y="0"/>
+          <a:ext cx="0" cy="0"/>
+          <a:chOff x="0" y="0"/>
+          <a:chExt cx="0" cy="0"/>
+        </a:xfrm>
+      </p:grpSpPr>
       <p:pic>
         <p:nvPicPr>
           <p:cNvPr id="7" name="Picture 6" descr="A picture containing smoke, steam, coming, weapon&#10;&#10;Description automatically generated">
@@ -3675,7 +4934,7 @@
           <p:nvPr/>
         </p:nvPicPr>
         <p:blipFill rotWithShape="1">
-          <a:blip r:embed="rId3">
+          <a:blip r:embed="rId2">
             <a:extLst>
               <a:ext uri="{28A0092B-C50C-407E-A947-70E740481C1C}">
                 <a14:useLocalDpi xmlns:a14="http://schemas.microsoft.com/office/drawing/2010/main" val="0"/>
@@ -3918,6 +5177,151 @@
           </a:p>
         </p:txBody>
       </p:sp>
+      <p:pic>
+        <p:nvPicPr>
+          <p:cNvPr id="5" name="Picture 4" descr="Chart, map&#10;&#10;Description automatically generated">
+            <a:extLst>
+              <a:ext uri="{FF2B5EF4-FFF2-40B4-BE49-F238E27FC236}">
+                <a16:creationId xmlns:a16="http://schemas.microsoft.com/office/drawing/2014/main" id="{D079E784-9D6F-4F6A-B1E3-20546090DEF2}"/>
+              </a:ext>
+            </a:extLst>
+          </p:cNvPr>
+          <p:cNvPicPr>
+            <a:picLocks noChangeAspect="1"/>
+          </p:cNvPicPr>
+          <p:nvPr/>
+        </p:nvPicPr>
+        <p:blipFill>
+          <a:blip r:embed="rId3">
+            <a:extLst>
+              <a:ext uri="{28A0092B-C50C-407E-A947-70E740481C1C}">
+                <a14:useLocalDpi xmlns:a14="http://schemas.microsoft.com/office/drawing/2010/main" val="0"/>
+              </a:ext>
+            </a:extLst>
+          </a:blip>
+          <a:stretch>
+            <a:fillRect/>
+          </a:stretch>
+        </p:blipFill>
+        <p:spPr>
+          <a:xfrm>
+            <a:off x="5157656" y="3255683"/>
+            <a:ext cx="6109778" cy="3602308"/>
+          </a:xfrm>
+          <a:prstGeom prst="rect">
+            <a:avLst/>
+          </a:prstGeom>
+        </p:spPr>
+      </p:pic>
+      <p:sp>
+        <p:nvSpPr>
+          <p:cNvPr id="2" name="TextBox 1">
+            <a:extLst>
+              <a:ext uri="{FF2B5EF4-FFF2-40B4-BE49-F238E27FC236}">
+                <a16:creationId xmlns:a16="http://schemas.microsoft.com/office/drawing/2014/main" id="{963BC5F4-FA50-4EB1-BF26-ADABEE2D10B5}"/>
+              </a:ext>
+            </a:extLst>
+          </p:cNvPr>
+          <p:cNvSpPr txBox="1"/>
+          <p:nvPr/>
+        </p:nvSpPr>
+        <p:spPr>
+          <a:xfrm>
+            <a:off x="0" y="44565"/>
+            <a:ext cx="7061528" cy="3248005"/>
+          </a:xfrm>
+          <a:prstGeom prst="rect">
+            <a:avLst/>
+          </a:prstGeom>
+          <a:noFill/>
+        </p:spPr>
+        <p:txBody>
+          <a:bodyPr wrap="square" rtlCol="0">
+            <a:spAutoFit/>
+          </a:bodyPr>
+          <a:lstStyle/>
+          <a:p>
+            <a:pPr marL="0" marR="0">
+              <a:lnSpc>
+                <a:spcPct val="107000"/>
+              </a:lnSpc>
+              <a:spcBef>
+                <a:spcPts val="0"/>
+              </a:spcBef>
+              <a:spcAft>
+                <a:spcPts val="800"/>
+              </a:spcAft>
+            </a:pPr>
+            <a:r>
+              <a:rPr lang="en-US" sz="1800" b="1" dirty="0">
+                <a:solidFill>
+                  <a:schemeClr val="bg1">
+                    <a:lumMod val="75000"/>
+                  </a:schemeClr>
+                </a:solidFill>
+                <a:effectLst/>
+                <a:latin typeface="Calibri" panose="020F0502020204030204" pitchFamily="34" charset="0"/>
+                <a:ea typeface="Calibri" panose="020F0502020204030204" pitchFamily="34" charset="0"/>
+                <a:cs typeface="Times New Roman" panose="02020603050405020304" pitchFamily="18" charset="0"/>
+              </a:rPr>
+              <a:t>The Leaflet map shows the location and path of the tornadoes. The dark blue markers indicate the tornadoes, and the orange markers indicate the current weather for that area. </a:t>
+            </a:r>
+          </a:p>
+          <a:p>
+            <a:pPr marL="0" marR="0">
+              <a:lnSpc>
+                <a:spcPct val="107000"/>
+              </a:lnSpc>
+              <a:spcBef>
+                <a:spcPts val="0"/>
+              </a:spcBef>
+              <a:spcAft>
+                <a:spcPts val="800"/>
+              </a:spcAft>
+            </a:pPr>
+            <a:r>
+              <a:rPr lang="en-US" sz="1800" b="1" dirty="0">
+                <a:solidFill>
+                  <a:schemeClr val="bg1">
+                    <a:lumMod val="75000"/>
+                  </a:schemeClr>
+                </a:solidFill>
+                <a:effectLst/>
+                <a:latin typeface="Calibri" panose="020F0502020204030204" pitchFamily="34" charset="0"/>
+                <a:ea typeface="Calibri" panose="020F0502020204030204" pitchFamily="34" charset="0"/>
+                <a:cs typeface="Times New Roman" panose="02020603050405020304" pitchFamily="18" charset="0"/>
+              </a:rPr>
+              <a:t>Using NOAA data csv file, we gathered the beginning latitude and longitude and the end latitude and longitude and plotted it on the map and drew a line from beginning to end to plot the course of the tornado. You will see a line being drawn between two markers to indicate the path of the tornado.</a:t>
+            </a:r>
+          </a:p>
+          <a:p>
+            <a:pPr marL="0" marR="0">
+              <a:lnSpc>
+                <a:spcPct val="107000"/>
+              </a:lnSpc>
+              <a:spcBef>
+                <a:spcPts val="0"/>
+              </a:spcBef>
+              <a:spcAft>
+                <a:spcPts val="800"/>
+              </a:spcAft>
+            </a:pPr>
+            <a:r>
+              <a:rPr lang="en-US" b="1" dirty="0">
+                <a:solidFill>
+                  <a:schemeClr val="bg1">
+                    <a:lumMod val="75000"/>
+                  </a:schemeClr>
+                </a:solidFill>
+                <a:latin typeface="Calibri" panose="020F0502020204030204" pitchFamily="34" charset="0"/>
+                <a:ea typeface="Calibri" panose="020F0502020204030204" pitchFamily="34" charset="0"/>
+                <a:cs typeface="Times New Roman" panose="02020603050405020304" pitchFamily="18" charset="0"/>
+              </a:rPr>
+              <a:t>We provided current weather and tornado information using pop ups on the tornado marker and the current weather marker.</a:t>
+            </a:r>
+          </a:p>
+        </p:txBody>
+      </p:sp>
     </p:spTree>
     <p:extLst>
       <p:ext uri="{BB962C8B-B14F-4D97-AF65-F5344CB8AC3E}">
@@ -3943,7 +5347,500 @@
 </p:sld>
 </file>
 
-<file path=ppt/slides/slide4.xml><?xml version="1.0" encoding="utf-8"?>
+<file path=ppt/slides/slide5.xml><?xml version="1.0" encoding="utf-8"?>
+<p:sld xmlns:a="http://schemas.openxmlformats.org/drawingml/2006/main" xmlns:r="http://schemas.openxmlformats.org/officeDocument/2006/relationships" xmlns:p="http://schemas.openxmlformats.org/presentationml/2006/main">
+  <p:cSld>
+    <p:bg>
+      <p:bgPr>
+        <a:solidFill>
+          <a:schemeClr val="bg1"/>
+        </a:solidFill>
+        <a:effectLst/>
+      </p:bgPr>
+    </p:bg>
+    <p:spTree>
+      <p:nvGrpSpPr>
+        <p:cNvPr id="1" name=""/>
+        <p:cNvGrpSpPr/>
+        <p:nvPr/>
+      </p:nvGrpSpPr>
+      <p:grpSpPr>
+        <a:xfrm>
+          <a:off x="0" y="0"/>
+          <a:ext cx="0" cy="0"/>
+          <a:chOff x="0" y="0"/>
+          <a:chExt cx="0" cy="0"/>
+        </a:xfrm>
+      </p:grpSpPr>
+      <p:pic>
+        <p:nvPicPr>
+          <p:cNvPr id="5" name="Picture 4" descr="A picture containing grass, outdoor, smoke, nature&#10;&#10;Description automatically generated">
+            <a:extLst>
+              <a:ext uri="{FF2B5EF4-FFF2-40B4-BE49-F238E27FC236}">
+                <a16:creationId xmlns:a16="http://schemas.microsoft.com/office/drawing/2014/main" id="{33C60583-DF47-4F9C-8D62-0E78C4AD7F0B}"/>
+              </a:ext>
+            </a:extLst>
+          </p:cNvPr>
+          <p:cNvPicPr>
+            <a:picLocks noChangeAspect="1"/>
+          </p:cNvPicPr>
+          <p:nvPr/>
+        </p:nvPicPr>
+        <p:blipFill rotWithShape="1">
+          <a:blip r:embed="rId2">
+            <a:extLst>
+              <a:ext uri="{28A0092B-C50C-407E-A947-70E740481C1C}">
+                <a14:useLocalDpi xmlns:a14="http://schemas.microsoft.com/office/drawing/2010/main" val="0"/>
+              </a:ext>
+            </a:extLst>
+          </a:blip>
+          <a:srcRect r="9119"/>
+          <a:stretch/>
+        </p:blipFill>
+        <p:spPr>
+          <a:xfrm>
+            <a:off x="492304" y="321733"/>
+            <a:ext cx="3612906" cy="2236177"/>
+          </a:xfrm>
+          <a:prstGeom prst="rect">
+            <a:avLst/>
+          </a:prstGeom>
+        </p:spPr>
+      </p:pic>
+      <p:pic>
+        <p:nvPicPr>
+          <p:cNvPr id="8" name="Picture 7" descr="Chart, scatter chart&#10;&#10;Description automatically generated">
+            <a:extLst>
+              <a:ext uri="{FF2B5EF4-FFF2-40B4-BE49-F238E27FC236}">
+                <a16:creationId xmlns:a16="http://schemas.microsoft.com/office/drawing/2014/main" id="{ED634C8E-CF52-443B-9273-741C89507AE1}"/>
+              </a:ext>
+            </a:extLst>
+          </p:cNvPr>
+          <p:cNvPicPr>
+            <a:picLocks noChangeAspect="1"/>
+          </p:cNvPicPr>
+          <p:nvPr/>
+        </p:nvPicPr>
+        <p:blipFill>
+          <a:blip r:embed="rId3">
+            <a:extLst>
+              <a:ext uri="{28A0092B-C50C-407E-A947-70E740481C1C}">
+                <a14:useLocalDpi xmlns:a14="http://schemas.microsoft.com/office/drawing/2010/main" val="0"/>
+              </a:ext>
+            </a:extLst>
+          </a:blip>
+          <a:stretch>
+            <a:fillRect/>
+          </a:stretch>
+        </p:blipFill>
+        <p:spPr>
+          <a:xfrm>
+            <a:off x="4844092" y="577282"/>
+            <a:ext cx="2416551" cy="1733875"/>
+          </a:xfrm>
+          <a:prstGeom prst="rect">
+            <a:avLst/>
+          </a:prstGeom>
+        </p:spPr>
+      </p:pic>
+      <p:sp>
+        <p:nvSpPr>
+          <p:cNvPr id="20" name="Rectangle 19">
+            <a:extLst>
+              <a:ext uri="{FF2B5EF4-FFF2-40B4-BE49-F238E27FC236}">
+                <a16:creationId xmlns:a16="http://schemas.microsoft.com/office/drawing/2014/main" id="{112839B5-6527-4FE1-B5CA-71D5FFC47C0E}"/>
+              </a:ext>
+              <a:ext uri="{C183D7F6-B498-43B3-948B-1728B52AA6E4}">
+                <adec:decorative xmlns:adec="http://schemas.microsoft.com/office/drawing/2017/decorative" val="1"/>
+              </a:ext>
+            </a:extLst>
+          </p:cNvPr>
+          <p:cNvSpPr>
+            <a:spLocks noGrp="1" noRot="1" noChangeAspect="1" noMove="1" noResize="1" noEditPoints="1" noAdjustHandles="1" noChangeArrowheads="1" noChangeShapeType="1" noTextEdit="1"/>
+          </p:cNvSpPr>
+          <p:nvPr>
+            <p:extLst>
+              <p:ext uri="{386F3935-93C4-4BCD-93E2-E3B085C9AB24}">
+                <p16:designElem xmlns:p16="http://schemas.microsoft.com/office/powerpoint/2015/main" val="1"/>
+              </p:ext>
+            </p:extLst>
+          </p:nvPr>
+        </p:nvSpPr>
+        <p:spPr>
+          <a:xfrm>
+            <a:off x="1" y="2752928"/>
+            <a:ext cx="7566298" cy="75999"/>
+          </a:xfrm>
+          <a:prstGeom prst="rect">
+            <a:avLst/>
+          </a:prstGeom>
+          <a:solidFill>
+            <a:schemeClr val="tx1">
+              <a:lumMod val="75000"/>
+              <a:lumOff val="25000"/>
+            </a:schemeClr>
+          </a:solidFill>
+          <a:ln>
+            <a:noFill/>
+          </a:ln>
+        </p:spPr>
+        <p:style>
+          <a:lnRef idx="2">
+            <a:schemeClr val="accent1">
+              <a:shade val="50000"/>
+            </a:schemeClr>
+          </a:lnRef>
+          <a:fillRef idx="1">
+            <a:schemeClr val="accent1"/>
+          </a:fillRef>
+          <a:effectRef idx="0">
+            <a:schemeClr val="accent1"/>
+          </a:effectRef>
+          <a:fontRef idx="minor">
+            <a:schemeClr val="lt1"/>
+          </a:fontRef>
+        </p:style>
+        <p:txBody>
+          <a:bodyPr rtlCol="0" anchor="ctr"/>
+          <a:lstStyle/>
+          <a:p>
+            <a:pPr algn="ctr"/>
+            <a:endParaRPr lang="en-US"/>
+          </a:p>
+        </p:txBody>
+      </p:sp>
+      <p:sp>
+        <p:nvSpPr>
+          <p:cNvPr id="22" name="Rectangle 21">
+            <a:extLst>
+              <a:ext uri="{FF2B5EF4-FFF2-40B4-BE49-F238E27FC236}">
+                <a16:creationId xmlns:a16="http://schemas.microsoft.com/office/drawing/2014/main" id="{089B37F3-721E-4809-A50E-9EE306404ED8}"/>
+              </a:ext>
+              <a:ext uri="{C183D7F6-B498-43B3-948B-1728B52AA6E4}">
+                <adec:decorative xmlns:adec="http://schemas.microsoft.com/office/drawing/2017/decorative" val="1"/>
+              </a:ext>
+            </a:extLst>
+          </p:cNvPr>
+          <p:cNvSpPr>
+            <a:spLocks noGrp="1" noRot="1" noChangeAspect="1" noMove="1" noResize="1" noEditPoints="1" noAdjustHandles="1" noChangeArrowheads="1" noChangeShapeType="1" noTextEdit="1"/>
+          </p:cNvSpPr>
+          <p:nvPr>
+            <p:extLst>
+              <p:ext uri="{386F3935-93C4-4BCD-93E2-E3B085C9AB24}">
+                <p16:designElem xmlns:p16="http://schemas.microsoft.com/office/powerpoint/2015/main" val="1"/>
+              </p:ext>
+            </p:extLst>
+          </p:nvPr>
+        </p:nvSpPr>
+        <p:spPr>
+          <a:xfrm>
+            <a:off x="4446483" y="0"/>
+            <a:ext cx="91440" cy="2788920"/>
+          </a:xfrm>
+          <a:prstGeom prst="rect">
+            <a:avLst/>
+          </a:prstGeom>
+          <a:solidFill>
+            <a:schemeClr val="tx1">
+              <a:lumMod val="75000"/>
+              <a:lumOff val="25000"/>
+            </a:schemeClr>
+          </a:solidFill>
+          <a:ln>
+            <a:noFill/>
+          </a:ln>
+        </p:spPr>
+        <p:style>
+          <a:lnRef idx="2">
+            <a:schemeClr val="accent1">
+              <a:shade val="50000"/>
+            </a:schemeClr>
+          </a:lnRef>
+          <a:fillRef idx="1">
+            <a:schemeClr val="accent1"/>
+          </a:fillRef>
+          <a:effectRef idx="0">
+            <a:schemeClr val="accent1"/>
+          </a:effectRef>
+          <a:fontRef idx="minor">
+            <a:schemeClr val="lt1"/>
+          </a:fontRef>
+        </p:style>
+        <p:txBody>
+          <a:bodyPr rtlCol="0" anchor="ctr"/>
+          <a:lstStyle/>
+          <a:p>
+            <a:pPr algn="ctr"/>
+            <a:endParaRPr lang="en-US"/>
+          </a:p>
+        </p:txBody>
+      </p:sp>
+      <p:pic>
+        <p:nvPicPr>
+          <p:cNvPr id="3" name="Picture 2" descr="Map&#10;&#10;Description automatically generated">
+            <a:extLst>
+              <a:ext uri="{FF2B5EF4-FFF2-40B4-BE49-F238E27FC236}">
+                <a16:creationId xmlns:a16="http://schemas.microsoft.com/office/drawing/2014/main" id="{3008BF9E-4C30-4B7D-AFF0-6699550E35A0}"/>
+              </a:ext>
+            </a:extLst>
+          </p:cNvPr>
+          <p:cNvPicPr>
+            <a:picLocks noChangeAspect="1"/>
+          </p:cNvPicPr>
+          <p:nvPr/>
+        </p:nvPicPr>
+        <p:blipFill>
+          <a:blip r:embed="rId4">
+            <a:extLst>
+              <a:ext uri="{28A0092B-C50C-407E-A947-70E740481C1C}">
+                <a14:useLocalDpi xmlns:a14="http://schemas.microsoft.com/office/drawing/2010/main" val="0"/>
+              </a:ext>
+            </a:extLst>
+          </a:blip>
+          <a:stretch>
+            <a:fillRect/>
+          </a:stretch>
+        </p:blipFill>
+        <p:spPr>
+          <a:xfrm>
+            <a:off x="532242" y="3006496"/>
+            <a:ext cx="6838706" cy="3385159"/>
+          </a:xfrm>
+          <a:prstGeom prst="rect">
+            <a:avLst/>
+          </a:prstGeom>
+        </p:spPr>
+      </p:pic>
+      <p:sp>
+        <p:nvSpPr>
+          <p:cNvPr id="24" name="Rectangle 23">
+            <a:extLst>
+              <a:ext uri="{FF2B5EF4-FFF2-40B4-BE49-F238E27FC236}">
+                <a16:creationId xmlns:a16="http://schemas.microsoft.com/office/drawing/2014/main" id="{BE12D8E2-6088-4997-A8C6-1794DA9E1D48}"/>
+              </a:ext>
+              <a:ext uri="{C183D7F6-B498-43B3-948B-1728B52AA6E4}">
+                <adec:decorative xmlns:adec="http://schemas.microsoft.com/office/drawing/2017/decorative" val="1"/>
+              </a:ext>
+            </a:extLst>
+          </p:cNvPr>
+          <p:cNvSpPr>
+            <a:spLocks noGrp="1" noRot="1" noChangeAspect="1" noMove="1" noResize="1" noEditPoints="1" noAdjustHandles="1" noChangeArrowheads="1" noChangeShapeType="1" noTextEdit="1"/>
+          </p:cNvSpPr>
+          <p:nvPr>
+            <p:extLst>
+              <p:ext uri="{386F3935-93C4-4BCD-93E2-E3B085C9AB24}">
+                <p16:designElem xmlns:p16="http://schemas.microsoft.com/office/powerpoint/2015/main" val="1"/>
+              </p:ext>
+            </p:extLst>
+          </p:nvPr>
+        </p:nvSpPr>
+        <p:spPr>
+          <a:xfrm>
+            <a:off x="7566813" y="0"/>
+            <a:ext cx="91440" cy="6858000"/>
+          </a:xfrm>
+          <a:prstGeom prst="rect">
+            <a:avLst/>
+          </a:prstGeom>
+          <a:solidFill>
+            <a:schemeClr val="tx1">
+              <a:lumMod val="75000"/>
+              <a:lumOff val="25000"/>
+            </a:schemeClr>
+          </a:solidFill>
+          <a:ln>
+            <a:noFill/>
+          </a:ln>
+        </p:spPr>
+        <p:style>
+          <a:lnRef idx="2">
+            <a:schemeClr val="accent1">
+              <a:shade val="50000"/>
+            </a:schemeClr>
+          </a:lnRef>
+          <a:fillRef idx="1">
+            <a:schemeClr val="accent1"/>
+          </a:fillRef>
+          <a:effectRef idx="0">
+            <a:schemeClr val="accent1"/>
+          </a:effectRef>
+          <a:fontRef idx="minor">
+            <a:schemeClr val="lt1"/>
+          </a:fontRef>
+        </p:style>
+        <p:txBody>
+          <a:bodyPr rtlCol="0" anchor="ctr"/>
+          <a:lstStyle/>
+          <a:p>
+            <a:pPr algn="ctr"/>
+            <a:endParaRPr lang="en-US"/>
+          </a:p>
+        </p:txBody>
+      </p:sp>
+      <p:pic>
+        <p:nvPicPr>
+          <p:cNvPr id="10" name="Picture 9" descr="Chart, line chart, scatter chart&#10;&#10;Description automatically generated">
+            <a:extLst>
+              <a:ext uri="{FF2B5EF4-FFF2-40B4-BE49-F238E27FC236}">
+                <a16:creationId xmlns:a16="http://schemas.microsoft.com/office/drawing/2014/main" id="{FA70390C-F751-4AA2-9455-E090021BDDE9}"/>
+              </a:ext>
+            </a:extLst>
+          </p:cNvPr>
+          <p:cNvPicPr>
+            <a:picLocks noChangeAspect="1"/>
+          </p:cNvPicPr>
+          <p:nvPr/>
+        </p:nvPicPr>
+        <p:blipFill>
+          <a:blip r:embed="rId5">
+            <a:extLst>
+              <a:ext uri="{28A0092B-C50C-407E-A947-70E740481C1C}">
+                <a14:useLocalDpi xmlns:a14="http://schemas.microsoft.com/office/drawing/2010/main" val="0"/>
+              </a:ext>
+            </a:extLst>
+          </a:blip>
+          <a:stretch>
+            <a:fillRect/>
+          </a:stretch>
+        </p:blipFill>
+        <p:spPr>
+          <a:xfrm>
+            <a:off x="7853268" y="698337"/>
+            <a:ext cx="3567362" cy="2559582"/>
+          </a:xfrm>
+          <a:prstGeom prst="rect">
+            <a:avLst/>
+          </a:prstGeom>
+        </p:spPr>
+      </p:pic>
+      <p:sp>
+        <p:nvSpPr>
+          <p:cNvPr id="26" name="Rectangle 25">
+            <a:extLst>
+              <a:ext uri="{FF2B5EF4-FFF2-40B4-BE49-F238E27FC236}">
+                <a16:creationId xmlns:a16="http://schemas.microsoft.com/office/drawing/2014/main" id="{FAF10F47-1605-47C5-AE58-9062909ADA42}"/>
+              </a:ext>
+              <a:ext uri="{C183D7F6-B498-43B3-948B-1728B52AA6E4}">
+                <adec:decorative xmlns:adec="http://schemas.microsoft.com/office/drawing/2017/decorative" val="1"/>
+              </a:ext>
+            </a:extLst>
+          </p:cNvPr>
+          <p:cNvSpPr>
+            <a:spLocks noGrp="1" noRot="1" noChangeAspect="1" noMove="1" noResize="1" noEditPoints="1" noAdjustHandles="1" noChangeArrowheads="1" noChangeShapeType="1" noTextEdit="1"/>
+          </p:cNvSpPr>
+          <p:nvPr>
+            <p:extLst>
+              <p:ext uri="{386F3935-93C4-4BCD-93E2-E3B085C9AB24}">
+                <p16:designElem xmlns:p16="http://schemas.microsoft.com/office/powerpoint/2015/main" val="1"/>
+              </p:ext>
+            </p:extLst>
+          </p:nvPr>
+        </p:nvSpPr>
+        <p:spPr>
+          <a:xfrm>
+            <a:off x="7566299" y="3862989"/>
+            <a:ext cx="4625702" cy="82287"/>
+          </a:xfrm>
+          <a:prstGeom prst="rect">
+            <a:avLst/>
+          </a:prstGeom>
+          <a:solidFill>
+            <a:schemeClr val="tx1">
+              <a:lumMod val="75000"/>
+              <a:lumOff val="25000"/>
+            </a:schemeClr>
+          </a:solidFill>
+          <a:ln>
+            <a:noFill/>
+          </a:ln>
+        </p:spPr>
+        <p:style>
+          <a:lnRef idx="2">
+            <a:schemeClr val="accent1">
+              <a:shade val="50000"/>
+            </a:schemeClr>
+          </a:lnRef>
+          <a:fillRef idx="1">
+            <a:schemeClr val="accent1"/>
+          </a:fillRef>
+          <a:effectRef idx="0">
+            <a:schemeClr val="accent1"/>
+          </a:effectRef>
+          <a:fontRef idx="minor">
+            <a:schemeClr val="lt1"/>
+          </a:fontRef>
+        </p:style>
+        <p:txBody>
+          <a:bodyPr rtlCol="0" anchor="ctr"/>
+          <a:lstStyle/>
+          <a:p>
+            <a:pPr algn="ctr"/>
+            <a:endParaRPr lang="en-US"/>
+          </a:p>
+        </p:txBody>
+      </p:sp>
+      <p:pic>
+        <p:nvPicPr>
+          <p:cNvPr id="6" name="Picture 5" descr="Chart, scatter chart&#10;&#10;Description automatically generated">
+            <a:extLst>
+              <a:ext uri="{FF2B5EF4-FFF2-40B4-BE49-F238E27FC236}">
+                <a16:creationId xmlns:a16="http://schemas.microsoft.com/office/drawing/2014/main" id="{6AAA427E-EEA4-40A9-901F-E5198594F0E4}"/>
+              </a:ext>
+            </a:extLst>
+          </p:cNvPr>
+          <p:cNvPicPr>
+            <a:picLocks noChangeAspect="1"/>
+          </p:cNvPicPr>
+          <p:nvPr/>
+        </p:nvPicPr>
+        <p:blipFill>
+          <a:blip r:embed="rId6">
+            <a:extLst>
+              <a:ext uri="{28A0092B-C50C-407E-A947-70E740481C1C}">
+                <a14:useLocalDpi xmlns:a14="http://schemas.microsoft.com/office/drawing/2010/main" val="0"/>
+              </a:ext>
+            </a:extLst>
+          </a:blip>
+          <a:stretch>
+            <a:fillRect/>
+          </a:stretch>
+        </p:blipFill>
+        <p:spPr>
+          <a:xfrm>
+            <a:off x="8084293" y="4172622"/>
+            <a:ext cx="3104790" cy="2227687"/>
+          </a:xfrm>
+          <a:prstGeom prst="rect">
+            <a:avLst/>
+          </a:prstGeom>
+        </p:spPr>
+      </p:pic>
+    </p:spTree>
+    <p:extLst>
+      <p:ext uri="{BB962C8B-B14F-4D97-AF65-F5344CB8AC3E}">
+        <p14:creationId xmlns:p14="http://schemas.microsoft.com/office/powerpoint/2010/main" val="1656712992"/>
+      </p:ext>
+    </p:extLst>
+  </p:cSld>
+  <p:clrMapOvr>
+    <a:masterClrMapping/>
+  </p:clrMapOvr>
+  <mc:AlternateContent xmlns:mc="http://schemas.openxmlformats.org/markup-compatibility/2006" xmlns:p15="http://schemas.microsoft.com/office/powerpoint/2012/main">
+    <mc:Choice Requires="p15">
+      <p:transition xmlns:p14="http://schemas.microsoft.com/office/powerpoint/2010/main" spd="slow" p14:dur="2000">
+        <p15:prstTrans prst="wind"/>
+      </p:transition>
+    </mc:Choice>
+    <mc:Fallback xmlns="">
+      <p:transition spd="slow">
+        <p:fade/>
+      </p:transition>
+    </mc:Fallback>
+  </mc:AlternateContent>
+</p:sld>
+</file>
+
+<file path=ppt/slides/slide6.xml><?xml version="1.0" encoding="utf-8"?>
 <p:sld xmlns:a="http://schemas.openxmlformats.org/drawingml/2006/main" xmlns:r="http://schemas.openxmlformats.org/officeDocument/2006/relationships" xmlns:p="http://schemas.openxmlformats.org/presentationml/2006/main">
   <p:cSld>
     <p:bg>
@@ -4030,535 +5927,6 @@
       </p:sp>
       <p:pic>
         <p:nvPicPr>
-          <p:cNvPr id="5" name="Picture 4" descr="A picture containing cloud&#10;&#10;Description automatically generated">
-            <a:extLst>
-              <a:ext uri="{FF2B5EF4-FFF2-40B4-BE49-F238E27FC236}">
-                <a16:creationId xmlns:a16="http://schemas.microsoft.com/office/drawing/2014/main" id="{64810F34-846A-4CF6-A930-4FF3D596F5A6}"/>
-              </a:ext>
-            </a:extLst>
-          </p:cNvPr>
-          <p:cNvPicPr>
-            <a:picLocks noChangeAspect="1"/>
-          </p:cNvPicPr>
-          <p:nvPr/>
-        </p:nvPicPr>
-        <p:blipFill rotWithShape="1">
-          <a:blip r:embed="rId2">
-            <a:extLst>
-              <a:ext uri="{28A0092B-C50C-407E-A947-70E740481C1C}">
-                <a14:useLocalDpi xmlns:a14="http://schemas.microsoft.com/office/drawing/2010/main" val="0"/>
-              </a:ext>
-            </a:extLst>
-          </a:blip>
-          <a:srcRect l="2701"/>
-          <a:stretch/>
-        </p:blipFill>
-        <p:spPr>
-          <a:xfrm>
-            <a:off x="1" y="10"/>
-            <a:ext cx="11862683" cy="6857990"/>
-          </a:xfrm>
-          <a:custGeom>
-            <a:avLst/>
-            <a:gdLst/>
-            <a:ahLst/>
-            <a:cxnLst/>
-            <a:rect l="l" t="t" r="r" b="b"/>
-            <a:pathLst>
-              <a:path w="11862683" h="6858000">
-                <a:moveTo>
-                  <a:pt x="0" y="0"/>
-                </a:moveTo>
-                <a:lnTo>
-                  <a:pt x="4038600" y="0"/>
-                </a:lnTo>
-                <a:lnTo>
-                  <a:pt x="4114800" y="0"/>
-                </a:lnTo>
-                <a:lnTo>
-                  <a:pt x="4282294" y="0"/>
-                </a:lnTo>
-                <a:lnTo>
-                  <a:pt x="6139260" y="0"/>
-                </a:lnTo>
-                <a:lnTo>
-                  <a:pt x="6362810" y="0"/>
-                </a:lnTo>
-                <a:lnTo>
-                  <a:pt x="7272221" y="0"/>
-                </a:lnTo>
-                <a:lnTo>
-                  <a:pt x="10815342" y="0"/>
-                </a:lnTo>
-                <a:cubicBezTo>
-                  <a:pt x="10709672" y="35571"/>
-                  <a:pt x="10607020" y="78255"/>
-                  <a:pt x="10501350" y="110269"/>
-                </a:cubicBezTo>
-                <a:cubicBezTo>
-                  <a:pt x="10516447" y="145839"/>
-                  <a:pt x="10531542" y="138725"/>
-                  <a:pt x="10546639" y="135168"/>
-                </a:cubicBezTo>
-                <a:cubicBezTo>
-                  <a:pt x="10637212" y="120941"/>
-                  <a:pt x="10730806" y="110269"/>
-                  <a:pt x="10818360" y="71141"/>
-                </a:cubicBezTo>
-                <a:cubicBezTo>
-                  <a:pt x="10839496" y="64027"/>
-                  <a:pt x="10863648" y="64027"/>
-                  <a:pt x="10872705" y="88927"/>
-                </a:cubicBezTo>
-                <a:cubicBezTo>
-                  <a:pt x="10887801" y="124497"/>
-                  <a:pt x="10866668" y="145839"/>
-                  <a:pt x="10845532" y="163625"/>
-                </a:cubicBezTo>
-                <a:cubicBezTo>
-                  <a:pt x="10809304" y="195638"/>
-                  <a:pt x="10767036" y="188525"/>
-                  <a:pt x="10727787" y="192082"/>
-                </a:cubicBezTo>
-                <a:cubicBezTo>
-                  <a:pt x="10619098" y="209867"/>
-                  <a:pt x="10567772" y="259665"/>
-                  <a:pt x="10543619" y="373491"/>
-                </a:cubicBezTo>
-                <a:cubicBezTo>
-                  <a:pt x="10637212" y="327250"/>
-                  <a:pt x="10730806" y="384162"/>
-                  <a:pt x="10821380" y="352148"/>
-                </a:cubicBezTo>
-                <a:cubicBezTo>
-                  <a:pt x="10845532" y="345034"/>
-                  <a:pt x="10881763" y="355706"/>
-                  <a:pt x="10869686" y="394834"/>
-                </a:cubicBezTo>
-                <a:cubicBezTo>
-                  <a:pt x="10857610" y="430405"/>
-                  <a:pt x="10818360" y="458860"/>
-                  <a:pt x="10887801" y="451747"/>
-                </a:cubicBezTo>
-                <a:cubicBezTo>
-                  <a:pt x="10939127" y="448189"/>
-                  <a:pt x="10954222" y="405504"/>
-                  <a:pt x="10969318" y="359262"/>
-                </a:cubicBezTo>
-                <a:cubicBezTo>
-                  <a:pt x="10981394" y="334364"/>
-                  <a:pt x="11014605" y="320135"/>
-                  <a:pt x="11038758" y="334364"/>
-                </a:cubicBezTo>
-                <a:cubicBezTo>
-                  <a:pt x="11068949" y="348592"/>
-                  <a:pt x="11059892" y="387720"/>
-                  <a:pt x="11059892" y="416176"/>
-                </a:cubicBezTo>
-                <a:cubicBezTo>
-                  <a:pt x="11062912" y="469532"/>
-                  <a:pt x="11038758" y="494431"/>
-                  <a:pt x="10996491" y="505101"/>
-                </a:cubicBezTo>
-                <a:cubicBezTo>
-                  <a:pt x="10945164" y="519330"/>
-                  <a:pt x="10893840" y="537116"/>
-                  <a:pt x="10827418" y="558458"/>
-                </a:cubicBezTo>
-                <a:cubicBezTo>
-                  <a:pt x="10899878" y="594028"/>
-                  <a:pt x="10954222" y="586915"/>
-                  <a:pt x="11008566" y="558458"/>
-                </a:cubicBezTo>
-                <a:cubicBezTo>
-                  <a:pt x="11074988" y="526444"/>
-                  <a:pt x="11162542" y="483759"/>
-                  <a:pt x="11216886" y="522887"/>
-                </a:cubicBezTo>
-                <a:cubicBezTo>
-                  <a:pt x="11298403" y="579800"/>
-                  <a:pt x="11364824" y="544229"/>
-                  <a:pt x="11437284" y="533558"/>
-                </a:cubicBezTo>
-                <a:cubicBezTo>
-                  <a:pt x="11588242" y="512216"/>
-                  <a:pt x="11494648" y="480203"/>
-                  <a:pt x="11645605" y="462417"/>
-                </a:cubicBezTo>
-                <a:cubicBezTo>
-                  <a:pt x="11705988" y="455303"/>
-                  <a:pt x="11769390" y="426847"/>
-                  <a:pt x="11856944" y="465975"/>
-                </a:cubicBezTo>
-                <a:cubicBezTo>
-                  <a:pt x="11461437" y="672284"/>
-                  <a:pt x="11274250" y="658055"/>
-                  <a:pt x="10921012" y="910606"/>
-                </a:cubicBezTo>
-                <a:cubicBezTo>
-                  <a:pt x="10936107" y="935506"/>
-                  <a:pt x="10951202" y="924835"/>
-                  <a:pt x="10966299" y="921277"/>
-                </a:cubicBezTo>
-                <a:cubicBezTo>
-                  <a:pt x="10990452" y="917720"/>
-                  <a:pt x="11020644" y="903491"/>
-                  <a:pt x="11026682" y="949734"/>
-                </a:cubicBezTo>
-                <a:cubicBezTo>
-                  <a:pt x="11029702" y="985305"/>
-                  <a:pt x="11011585" y="1003089"/>
-                  <a:pt x="10981394" y="1006647"/>
-                </a:cubicBezTo>
-                <a:cubicBezTo>
-                  <a:pt x="10893840" y="1020875"/>
-                  <a:pt x="10815342" y="1070674"/>
-                  <a:pt x="10736844" y="1113358"/>
-                </a:cubicBezTo>
-                <a:cubicBezTo>
-                  <a:pt x="10700615" y="1131144"/>
-                  <a:pt x="10661366" y="1156043"/>
-                  <a:pt x="10676462" y="1220069"/>
-                </a:cubicBezTo>
-                <a:cubicBezTo>
-                  <a:pt x="10706652" y="1237855"/>
-                  <a:pt x="10727787" y="1212955"/>
-                  <a:pt x="10751940" y="1209399"/>
-                </a:cubicBezTo>
-                <a:cubicBezTo>
-                  <a:pt x="10776093" y="1205842"/>
-                  <a:pt x="10833457" y="1220069"/>
-                  <a:pt x="10818360" y="1230741"/>
-                </a:cubicBezTo>
-                <a:cubicBezTo>
-                  <a:pt x="10748920" y="1269868"/>
-                  <a:pt x="10875724" y="1365909"/>
-                  <a:pt x="10791190" y="1365909"/>
-                </a:cubicBezTo>
-                <a:cubicBezTo>
-                  <a:pt x="10652309" y="1365909"/>
-                  <a:pt x="10576830" y="1536647"/>
-                  <a:pt x="10443988" y="1540204"/>
-                </a:cubicBezTo>
-                <a:cubicBezTo>
-                  <a:pt x="10422854" y="1540204"/>
-                  <a:pt x="10413797" y="1572219"/>
-                  <a:pt x="10413797" y="1597117"/>
-                </a:cubicBezTo>
-                <a:cubicBezTo>
-                  <a:pt x="10413797" y="1629132"/>
-                  <a:pt x="10434930" y="1632688"/>
-                  <a:pt x="10456064" y="1636245"/>
-                </a:cubicBezTo>
-                <a:cubicBezTo>
-                  <a:pt x="10489275" y="1639802"/>
-                  <a:pt x="10525504" y="1597117"/>
-                  <a:pt x="10567772" y="1657587"/>
-                </a:cubicBezTo>
-                <a:cubicBezTo>
-                  <a:pt x="10489275" y="1693158"/>
-                  <a:pt x="10407758" y="1728729"/>
-                  <a:pt x="10410777" y="1849668"/>
-                </a:cubicBezTo>
-                <a:cubicBezTo>
-                  <a:pt x="10410777" y="1881683"/>
-                  <a:pt x="10377566" y="1895910"/>
-                  <a:pt x="10353413" y="1903025"/>
-                </a:cubicBezTo>
-                <a:cubicBezTo>
-                  <a:pt x="10311146" y="1917252"/>
-                  <a:pt x="10277935" y="1938595"/>
-                  <a:pt x="10253782" y="1984836"/>
-                </a:cubicBezTo>
-                <a:cubicBezTo>
-                  <a:pt x="10253782" y="1995507"/>
-                  <a:pt x="10253782" y="2002622"/>
-                  <a:pt x="10253782" y="2013292"/>
-                </a:cubicBezTo>
-                <a:cubicBezTo>
-                  <a:pt x="10259820" y="2123562"/>
-                  <a:pt x="10320202" y="2120004"/>
-                  <a:pt x="10386624" y="2102219"/>
-                </a:cubicBezTo>
-                <a:cubicBezTo>
-                  <a:pt x="10465122" y="2080877"/>
-                  <a:pt x="10543619" y="2038192"/>
-                  <a:pt x="10628156" y="2077320"/>
-                </a:cubicBezTo>
-                <a:cubicBezTo>
-                  <a:pt x="10510408" y="2130676"/>
-                  <a:pt x="10380586" y="2134233"/>
-                  <a:pt x="10271896" y="2208931"/>
-                </a:cubicBezTo>
-                <a:cubicBezTo>
-                  <a:pt x="10676462" y="2223159"/>
-                  <a:pt x="11032720" y="1984836"/>
-                  <a:pt x="11425208" y="1892353"/>
-                </a:cubicBezTo>
-                <a:cubicBezTo>
-                  <a:pt x="11413131" y="1952823"/>
-                  <a:pt x="11379920" y="1967051"/>
-                  <a:pt x="11352748" y="1974165"/>
-                </a:cubicBezTo>
-                <a:cubicBezTo>
-                  <a:pt x="11207830" y="2020407"/>
-                  <a:pt x="11081026" y="2112891"/>
-                  <a:pt x="10948184" y="2191146"/>
-                </a:cubicBezTo>
-                <a:cubicBezTo>
-                  <a:pt x="10893840" y="2223159"/>
-                  <a:pt x="10854590" y="2258731"/>
-                  <a:pt x="10833457" y="2326314"/>
-                </a:cubicBezTo>
-                <a:cubicBezTo>
-                  <a:pt x="10815342" y="2390340"/>
-                  <a:pt x="10779112" y="2418796"/>
-                  <a:pt x="10712690" y="2401012"/>
-                </a:cubicBezTo>
-                <a:cubicBezTo>
-                  <a:pt x="10658346" y="2386784"/>
-                  <a:pt x="10600982" y="2393898"/>
-                  <a:pt x="10543619" y="2401012"/>
-                </a:cubicBezTo>
-                <a:cubicBezTo>
-                  <a:pt x="10480218" y="2408126"/>
-                  <a:pt x="10407758" y="2479267"/>
-                  <a:pt x="10422854" y="2518395"/>
-                </a:cubicBezTo>
-                <a:cubicBezTo>
-                  <a:pt x="10453044" y="2582422"/>
-                  <a:pt x="10504370" y="2550408"/>
-                  <a:pt x="10546639" y="2543294"/>
-                </a:cubicBezTo>
-                <a:cubicBezTo>
-                  <a:pt x="10597964" y="2536181"/>
-                  <a:pt x="10691556" y="2518395"/>
-                  <a:pt x="10691556" y="2525509"/>
-                </a:cubicBezTo>
-                <a:cubicBezTo>
-                  <a:pt x="10724768" y="2685576"/>
-                  <a:pt x="10800246" y="2564636"/>
-                  <a:pt x="10854590" y="2564636"/>
-                </a:cubicBezTo>
-                <a:cubicBezTo>
-                  <a:pt x="10905916" y="2564636"/>
-                  <a:pt x="10957241" y="2546851"/>
-                  <a:pt x="11005548" y="2532623"/>
-                </a:cubicBezTo>
-                <a:cubicBezTo>
-                  <a:pt x="11068949" y="2514837"/>
-                  <a:pt x="11126312" y="2546851"/>
-                  <a:pt x="11186696" y="2553965"/>
-                </a:cubicBezTo>
-                <a:cubicBezTo>
-                  <a:pt x="11241040" y="2561080"/>
-                  <a:pt x="11210850" y="2653563"/>
-                  <a:pt x="11244060" y="2692689"/>
-                </a:cubicBezTo>
-                <a:cubicBezTo>
-                  <a:pt x="11250097" y="2703362"/>
-                  <a:pt x="11256136" y="2703362"/>
-                  <a:pt x="11262174" y="2703362"/>
-                </a:cubicBezTo>
-                <a:cubicBezTo>
-                  <a:pt x="11280289" y="2980812"/>
-                  <a:pt x="11597299" y="2913227"/>
-                  <a:pt x="11597299" y="2923898"/>
-                </a:cubicBezTo>
-                <a:cubicBezTo>
-                  <a:pt x="11624471" y="2941684"/>
-                  <a:pt x="11657682" y="2899000"/>
-                  <a:pt x="11690892" y="2941684"/>
-                </a:cubicBezTo>
-                <a:cubicBezTo>
-                  <a:pt x="11548993" y="3137322"/>
-                  <a:pt x="11331614" y="3183563"/>
-                  <a:pt x="11138390" y="3329402"/>
-                </a:cubicBezTo>
-                <a:cubicBezTo>
-                  <a:pt x="11298403" y="3379202"/>
-                  <a:pt x="11391998" y="3208463"/>
-                  <a:pt x="11509744" y="3229805"/>
-                </a:cubicBezTo>
-                <a:cubicBezTo>
-                  <a:pt x="11567107" y="3283162"/>
-                  <a:pt x="11395016" y="3368530"/>
-                  <a:pt x="11561068" y="3393429"/>
-                </a:cubicBezTo>
-                <a:cubicBezTo>
-                  <a:pt x="11488610" y="3439672"/>
-                  <a:pt x="11437284" y="3485914"/>
-                  <a:pt x="11385959" y="3539269"/>
-                </a:cubicBezTo>
-                <a:cubicBezTo>
-                  <a:pt x="11298403" y="3635309"/>
-                  <a:pt x="11280289" y="3699337"/>
-                  <a:pt x="11322556" y="3827390"/>
-                </a:cubicBezTo>
-                <a:cubicBezTo>
-                  <a:pt x="11349730" y="3912759"/>
-                  <a:pt x="11388978" y="3991015"/>
-                  <a:pt x="11352748" y="4090612"/>
-                </a:cubicBezTo>
-                <a:cubicBezTo>
-                  <a:pt x="11328595" y="4158196"/>
-                  <a:pt x="11337653" y="4204438"/>
-                  <a:pt x="11428226" y="4172424"/>
-                </a:cubicBezTo>
-                <a:cubicBezTo>
-                  <a:pt x="11524840" y="4140411"/>
-                  <a:pt x="11561068" y="4200882"/>
-                  <a:pt x="11536915" y="4321821"/>
-                </a:cubicBezTo>
-                <a:cubicBezTo>
-                  <a:pt x="11521821" y="4400076"/>
-                  <a:pt x="11536915" y="4424975"/>
-                  <a:pt x="11603338" y="4414305"/>
-                </a:cubicBezTo>
-                <a:cubicBezTo>
-                  <a:pt x="11675796" y="4403633"/>
-                  <a:pt x="11745236" y="4353835"/>
-                  <a:pt x="11835811" y="4378734"/>
-                </a:cubicBezTo>
-                <a:cubicBezTo>
-                  <a:pt x="11763352" y="4521016"/>
-                  <a:pt x="11609374" y="4478331"/>
-                  <a:pt x="11524840" y="4613499"/>
-                </a:cubicBezTo>
-                <a:cubicBezTo>
-                  <a:pt x="11624471" y="4613499"/>
-                  <a:pt x="11702969" y="4613499"/>
-                  <a:pt x="11775427" y="4585042"/>
-                </a:cubicBezTo>
-                <a:cubicBezTo>
-                  <a:pt x="11805619" y="4574373"/>
-                  <a:pt x="11838830" y="4560144"/>
-                  <a:pt x="11856944" y="4602828"/>
-                </a:cubicBezTo>
-                <a:cubicBezTo>
-                  <a:pt x="11878080" y="4652628"/>
-                  <a:pt x="11835811" y="4670412"/>
-                  <a:pt x="11811658" y="4677526"/>
-                </a:cubicBezTo>
-                <a:cubicBezTo>
-                  <a:pt x="11742216" y="4702425"/>
-                  <a:pt x="11687874" y="4759339"/>
-                  <a:pt x="11627490" y="4805580"/>
-                </a:cubicBezTo>
-                <a:cubicBezTo>
-                  <a:pt x="11497668" y="4905177"/>
-                  <a:pt x="11355767" y="4990547"/>
-                  <a:pt x="11247078" y="5154171"/>
-                </a:cubicBezTo>
-                <a:cubicBezTo>
-                  <a:pt x="11382940" y="5111487"/>
-                  <a:pt x="11485590" y="5011889"/>
-                  <a:pt x="11615414" y="4994104"/>
-                </a:cubicBezTo>
-                <a:cubicBezTo>
-                  <a:pt x="11503704" y="5143500"/>
-                  <a:pt x="11361806" y="5243097"/>
-                  <a:pt x="11228964" y="5353367"/>
-                </a:cubicBezTo>
-                <a:cubicBezTo>
-                  <a:pt x="11189714" y="5385379"/>
-                  <a:pt x="11150466" y="5406721"/>
-                  <a:pt x="11144428" y="5474306"/>
-                </a:cubicBezTo>
-                <a:cubicBezTo>
-                  <a:pt x="11126312" y="5605917"/>
-                  <a:pt x="11078008" y="5712629"/>
-                  <a:pt x="10969318" y="5769542"/>
-                </a:cubicBezTo>
-                <a:cubicBezTo>
-                  <a:pt x="10969318" y="5769542"/>
-                  <a:pt x="10975356" y="5790884"/>
-                  <a:pt x="10978374" y="5801555"/>
-                </a:cubicBezTo>
-                <a:cubicBezTo>
-                  <a:pt x="11044797" y="5805112"/>
-                  <a:pt x="11096122" y="5726858"/>
-                  <a:pt x="11177639" y="5755314"/>
-                </a:cubicBezTo>
-                <a:cubicBezTo>
-                  <a:pt x="11096122" y="5862025"/>
-                  <a:pt x="11029702" y="5954508"/>
-                  <a:pt x="10917992" y="6004307"/>
-                </a:cubicBezTo>
-                <a:cubicBezTo>
-                  <a:pt x="10827418" y="6043434"/>
-                  <a:pt x="10715710" y="6068335"/>
-                  <a:pt x="10649289" y="6196388"/>
-                </a:cubicBezTo>
-                <a:cubicBezTo>
-                  <a:pt x="10724768" y="6221287"/>
-                  <a:pt x="10782132" y="6189274"/>
-                  <a:pt x="10839496" y="6167932"/>
-                </a:cubicBezTo>
-                <a:cubicBezTo>
-                  <a:pt x="10927050" y="6132361"/>
-                  <a:pt x="11014605" y="6093234"/>
-                  <a:pt x="11102160" y="6057663"/>
-                </a:cubicBezTo>
-                <a:cubicBezTo>
-                  <a:pt x="11135372" y="6043434"/>
-                  <a:pt x="11171600" y="6036320"/>
-                  <a:pt x="11192734" y="6100347"/>
-                </a:cubicBezTo>
-                <a:cubicBezTo>
-                  <a:pt x="11081026" y="6114575"/>
-                  <a:pt x="11014605" y="6199945"/>
-                  <a:pt x="10945164" y="6281757"/>
-                </a:cubicBezTo>
-                <a:cubicBezTo>
-                  <a:pt x="10905916" y="6327999"/>
-                  <a:pt x="10872705" y="6388469"/>
-                  <a:pt x="10803265" y="6367127"/>
-                </a:cubicBezTo>
-                <a:cubicBezTo>
-                  <a:pt x="10767036" y="6356456"/>
-                  <a:pt x="10742882" y="6388469"/>
-                  <a:pt x="10745901" y="6431153"/>
-                </a:cubicBezTo>
-                <a:cubicBezTo>
-                  <a:pt x="10760998" y="6580550"/>
-                  <a:pt x="10673442" y="6630349"/>
-                  <a:pt x="10582868" y="6658805"/>
-                </a:cubicBezTo>
-                <a:cubicBezTo>
-                  <a:pt x="10450026" y="6701489"/>
-                  <a:pt x="10332280" y="6786859"/>
-                  <a:pt x="10208496" y="6858000"/>
-                </a:cubicBezTo>
-                <a:lnTo>
-                  <a:pt x="7272221" y="6858000"/>
-                </a:lnTo>
-                <a:lnTo>
-                  <a:pt x="6362810" y="6858000"/>
-                </a:lnTo>
-                <a:lnTo>
-                  <a:pt x="6139260" y="6858000"/>
-                </a:lnTo>
-                <a:lnTo>
-                  <a:pt x="4282294" y="6858000"/>
-                </a:lnTo>
-                <a:lnTo>
-                  <a:pt x="4114800" y="6858000"/>
-                </a:lnTo>
-                <a:lnTo>
-                  <a:pt x="4038600" y="6858000"/>
-                </a:lnTo>
-                <a:lnTo>
-                  <a:pt x="0" y="6858000"/>
-                </a:lnTo>
-                <a:close/>
-              </a:path>
-            </a:pathLst>
-          </a:custGeom>
-        </p:spPr>
-      </p:pic>
-      <p:pic>
-        <p:nvPicPr>
           <p:cNvPr id="3" name="Picture 2" descr="Text&#10;&#10;Description automatically generated with medium confidence">
             <a:extLst>
               <a:ext uri="{FF2B5EF4-FFF2-40B4-BE49-F238E27FC236}">
@@ -4572,7 +5940,7 @@
           <p:nvPr/>
         </p:nvPicPr>
         <p:blipFill>
-          <a:blip r:embed="rId3">
+          <a:blip r:embed="rId2">
             <a:extLst>
               <a:ext uri="{28A0092B-C50C-407E-A947-70E740481C1C}">
                 <a14:useLocalDpi xmlns:a14="http://schemas.microsoft.com/office/drawing/2010/main" val="0"/>
@@ -4585,8 +5953,8 @@
         </p:blipFill>
         <p:spPr>
           <a:xfrm>
-            <a:off x="2993538" y="4297708"/>
-            <a:ext cx="8469470" cy="2576855"/>
+            <a:off x="139470" y="4317885"/>
+            <a:ext cx="6107432" cy="2050519"/>
           </a:xfrm>
           <a:prstGeom prst="rect">
             <a:avLst/>
@@ -4608,7 +5976,7 @@
           <p:nvPr/>
         </p:nvPicPr>
         <p:blipFill>
-          <a:blip r:embed="rId4">
+          <a:blip r:embed="rId3">
             <a:extLst>
               <a:ext uri="{28A0092B-C50C-407E-A947-70E740481C1C}">
                 <a14:useLocalDpi xmlns:a14="http://schemas.microsoft.com/office/drawing/2010/main" val="0"/>
@@ -4621,8 +5989,8 @@
         </p:blipFill>
         <p:spPr>
           <a:xfrm>
-            <a:off x="6383320" y="36035"/>
-            <a:ext cx="2968740" cy="2751780"/>
+            <a:off x="6919981" y="107200"/>
+            <a:ext cx="4499045" cy="4174224"/>
           </a:xfrm>
           <a:prstGeom prst="rect">
             <a:avLst/>
@@ -4631,10 +5999,10 @@
       </p:pic>
       <p:pic>
         <p:nvPicPr>
-          <p:cNvPr id="18" name="Picture 17" descr="Chart, scatter chart&#10;&#10;Description automatically generated">
-            <a:extLst>
-              <a:ext uri="{FF2B5EF4-FFF2-40B4-BE49-F238E27FC236}">
-                <a16:creationId xmlns:a16="http://schemas.microsoft.com/office/drawing/2014/main" id="{067B1A36-DFC1-4379-9FE9-37829A09258F}"/>
+          <p:cNvPr id="13" name="Picture 12" descr="Chart, scatter chart&#10;&#10;Description automatically generated">
+            <a:extLst>
+              <a:ext uri="{FF2B5EF4-FFF2-40B4-BE49-F238E27FC236}">
+                <a16:creationId xmlns:a16="http://schemas.microsoft.com/office/drawing/2014/main" id="{121E4E49-2A73-4EFD-8B04-4C0AF952B61B}"/>
               </a:ext>
             </a:extLst>
           </p:cNvPr>
@@ -4644,7 +6012,7 @@
           <p:nvPr/>
         </p:nvPicPr>
         <p:blipFill>
-          <a:blip r:embed="rId5">
+          <a:blip r:embed="rId4">
             <a:extLst>
               <a:ext uri="{28A0092B-C50C-407E-A947-70E740481C1C}">
                 <a14:useLocalDpi xmlns:a14="http://schemas.microsoft.com/office/drawing/2010/main" val="0"/>
@@ -4657,8 +6025,8 @@
         </p:blipFill>
         <p:spPr>
           <a:xfrm>
-            <a:off x="115583" y="166876"/>
-            <a:ext cx="5590697" cy="3375886"/>
+            <a:off x="1" y="52965"/>
+            <a:ext cx="6205896" cy="3677606"/>
           </a:xfrm>
           <a:prstGeom prst="rect">
             <a:avLst/>
@@ -4667,10 +6035,161 @@
       </p:pic>
       <p:pic>
         <p:nvPicPr>
-          <p:cNvPr id="17" name="Picture 16" descr="Chart, scatter chart&#10;&#10;Description automatically generated">
-            <a:extLst>
-              <a:ext uri="{FF2B5EF4-FFF2-40B4-BE49-F238E27FC236}">
-                <a16:creationId xmlns:a16="http://schemas.microsoft.com/office/drawing/2014/main" id="{66B40517-5800-4843-9BD3-4E0DDA5E8D99}"/>
+          <p:cNvPr id="4" name="Picture 3" descr="A picture containing cloud&#10;&#10;Description automatically generated">
+            <a:extLst>
+              <a:ext uri="{FF2B5EF4-FFF2-40B4-BE49-F238E27FC236}">
+                <a16:creationId xmlns:a16="http://schemas.microsoft.com/office/drawing/2014/main" id="{5C939770-318D-4E90-86F0-394F60ED4DA7}"/>
+              </a:ext>
+            </a:extLst>
+          </p:cNvPr>
+          <p:cNvPicPr>
+            <a:picLocks noChangeAspect="1"/>
+          </p:cNvPicPr>
+          <p:nvPr/>
+        </p:nvPicPr>
+        <p:blipFill>
+          <a:blip r:embed="rId5">
+            <a:extLst>
+              <a:ext uri="{28A0092B-C50C-407E-A947-70E740481C1C}">
+                <a14:useLocalDpi xmlns:a14="http://schemas.microsoft.com/office/drawing/2010/main" val="0"/>
+              </a:ext>
+            </a:extLst>
+          </a:blip>
+          <a:stretch>
+            <a:fillRect/>
+          </a:stretch>
+        </p:blipFill>
+        <p:spPr>
+          <a:xfrm>
+            <a:off x="6795904" y="4396232"/>
+            <a:ext cx="5256625" cy="2354563"/>
+          </a:xfrm>
+          <a:prstGeom prst="rect">
+            <a:avLst/>
+          </a:prstGeom>
+        </p:spPr>
+      </p:pic>
+      <p:cxnSp>
+        <p:nvCxnSpPr>
+          <p:cNvPr id="8" name="Straight Connector 7">
+            <a:extLst>
+              <a:ext uri="{FF2B5EF4-FFF2-40B4-BE49-F238E27FC236}">
+                <a16:creationId xmlns:a16="http://schemas.microsoft.com/office/drawing/2014/main" id="{165E4E57-362B-4D13-BD11-1008577ED879}"/>
+              </a:ext>
+            </a:extLst>
+          </p:cNvPr>
+          <p:cNvCxnSpPr/>
+          <p:nvPr/>
+        </p:nvCxnSpPr>
+        <p:spPr>
+          <a:xfrm>
+            <a:off x="139466" y="3828288"/>
+            <a:ext cx="6127222" cy="0"/>
+          </a:xfrm>
+          <a:prstGeom prst="line">
+            <a:avLst/>
+          </a:prstGeom>
+          <a:ln w="31750"/>
+        </p:spPr>
+        <p:style>
+          <a:lnRef idx="1">
+            <a:schemeClr val="accent1"/>
+          </a:lnRef>
+          <a:fillRef idx="0">
+            <a:schemeClr val="accent1"/>
+          </a:fillRef>
+          <a:effectRef idx="0">
+            <a:schemeClr val="accent1"/>
+          </a:effectRef>
+          <a:fontRef idx="minor">
+            <a:schemeClr val="tx1"/>
+          </a:fontRef>
+        </p:style>
+      </p:cxnSp>
+      <p:cxnSp>
+        <p:nvCxnSpPr>
+          <p:cNvPr id="23" name="Straight Connector 22">
+            <a:extLst>
+              <a:ext uri="{FF2B5EF4-FFF2-40B4-BE49-F238E27FC236}">
+                <a16:creationId xmlns:a16="http://schemas.microsoft.com/office/drawing/2014/main" id="{BD7695A3-5F93-4CCE-BE80-05A51B6D0962}"/>
+              </a:ext>
+            </a:extLst>
+          </p:cNvPr>
+          <p:cNvCxnSpPr>
+            <a:cxnSpLocks/>
+          </p:cNvCxnSpPr>
+          <p:nvPr/>
+        </p:nvCxnSpPr>
+        <p:spPr>
+          <a:xfrm>
+            <a:off x="6685076" y="603323"/>
+            <a:ext cx="0" cy="6254496"/>
+          </a:xfrm>
+          <a:prstGeom prst="line">
+            <a:avLst/>
+          </a:prstGeom>
+          <a:ln w="31750"/>
+        </p:spPr>
+        <p:style>
+          <a:lnRef idx="1">
+            <a:schemeClr val="accent1"/>
+          </a:lnRef>
+          <a:fillRef idx="0">
+            <a:schemeClr val="accent1"/>
+          </a:fillRef>
+          <a:effectRef idx="0">
+            <a:schemeClr val="accent1"/>
+          </a:effectRef>
+          <a:fontRef idx="minor">
+            <a:schemeClr val="tx1"/>
+          </a:fontRef>
+        </p:style>
+      </p:cxnSp>
+      <p:cxnSp>
+        <p:nvCxnSpPr>
+          <p:cNvPr id="25" name="Straight Connector 24">
+            <a:extLst>
+              <a:ext uri="{FF2B5EF4-FFF2-40B4-BE49-F238E27FC236}">
+                <a16:creationId xmlns:a16="http://schemas.microsoft.com/office/drawing/2014/main" id="{2F455CC4-56ED-4966-9582-CB7BB2E0D3FC}"/>
+              </a:ext>
+            </a:extLst>
+          </p:cNvPr>
+          <p:cNvCxnSpPr>
+            <a:cxnSpLocks/>
+          </p:cNvCxnSpPr>
+          <p:nvPr/>
+        </p:nvCxnSpPr>
+        <p:spPr>
+          <a:xfrm>
+            <a:off x="6620177" y="4346448"/>
+            <a:ext cx="5340175" cy="0"/>
+          </a:xfrm>
+          <a:prstGeom prst="line">
+            <a:avLst/>
+          </a:prstGeom>
+          <a:ln w="31750"/>
+        </p:spPr>
+        <p:style>
+          <a:lnRef idx="1">
+            <a:schemeClr val="accent1"/>
+          </a:lnRef>
+          <a:fillRef idx="0">
+            <a:schemeClr val="accent1"/>
+          </a:fillRef>
+          <a:effectRef idx="0">
+            <a:schemeClr val="accent1"/>
+          </a:effectRef>
+          <a:fontRef idx="minor">
+            <a:schemeClr val="tx1"/>
+          </a:fontRef>
+        </p:style>
+      </p:cxnSp>
+      <p:pic>
+        <p:nvPicPr>
+          <p:cNvPr id="15" name="Picture 14" descr="Chart, scatter chart&#10;&#10;Description automatically generated">
+            <a:extLst>
+              <a:ext uri="{FF2B5EF4-FFF2-40B4-BE49-F238E27FC236}">
+                <a16:creationId xmlns:a16="http://schemas.microsoft.com/office/drawing/2014/main" id="{F8E74377-1B16-470B-BC44-51B5C7B03D8E}"/>
               </a:ext>
             </a:extLst>
           </p:cNvPr>
@@ -4693,80 +6212,8 @@
         </p:blipFill>
         <p:spPr>
           <a:xfrm>
-            <a:off x="127526" y="185139"/>
-            <a:ext cx="5590696" cy="3343495"/>
-          </a:xfrm>
-          <a:prstGeom prst="rect">
-            <a:avLst/>
-          </a:prstGeom>
-        </p:spPr>
-      </p:pic>
-      <p:pic>
-        <p:nvPicPr>
-          <p:cNvPr id="22" name="Picture 21" descr="Chart, scatter chart&#10;&#10;Description automatically generated">
-            <a:extLst>
-              <a:ext uri="{FF2B5EF4-FFF2-40B4-BE49-F238E27FC236}">
-                <a16:creationId xmlns:a16="http://schemas.microsoft.com/office/drawing/2014/main" id="{0AD6CD62-998B-47F6-BC1F-CCB370B30C6D}"/>
-              </a:ext>
-            </a:extLst>
-          </p:cNvPr>
-          <p:cNvPicPr>
-            <a:picLocks noChangeAspect="1"/>
-          </p:cNvPicPr>
-          <p:nvPr/>
-        </p:nvPicPr>
-        <p:blipFill>
-          <a:blip r:embed="rId7">
-            <a:extLst>
-              <a:ext uri="{28A0092B-C50C-407E-A947-70E740481C1C}">
-                <a14:useLocalDpi xmlns:a14="http://schemas.microsoft.com/office/drawing/2010/main" val="0"/>
-              </a:ext>
-            </a:extLst>
-          </a:blip>
-          <a:stretch>
-            <a:fillRect/>
-          </a:stretch>
-        </p:blipFill>
-        <p:spPr>
-          <a:xfrm>
-            <a:off x="124533" y="199266"/>
-            <a:ext cx="5581747" cy="3343496"/>
-          </a:xfrm>
-          <a:prstGeom prst="rect">
-            <a:avLst/>
-          </a:prstGeom>
-        </p:spPr>
-      </p:pic>
-      <p:pic>
-        <p:nvPicPr>
-          <p:cNvPr id="19" name="Picture 18" descr="Chart, scatter chart&#10;&#10;Description automatically generated">
-            <a:extLst>
-              <a:ext uri="{FF2B5EF4-FFF2-40B4-BE49-F238E27FC236}">
-                <a16:creationId xmlns:a16="http://schemas.microsoft.com/office/drawing/2014/main" id="{F5BBDD05-1CEA-4639-BA00-E982F5732B06}"/>
-              </a:ext>
-            </a:extLst>
-          </p:cNvPr>
-          <p:cNvPicPr>
-            <a:picLocks noChangeAspect="1"/>
-          </p:cNvPicPr>
-          <p:nvPr/>
-        </p:nvPicPr>
-        <p:blipFill>
-          <a:blip r:embed="rId8">
-            <a:extLst>
-              <a:ext uri="{28A0092B-C50C-407E-A947-70E740481C1C}">
-                <a14:useLocalDpi xmlns:a14="http://schemas.microsoft.com/office/drawing/2010/main" val="0"/>
-              </a:ext>
-            </a:extLst>
-          </a:blip>
-          <a:stretch>
-            <a:fillRect/>
-          </a:stretch>
-        </p:blipFill>
-        <p:spPr>
-          <a:xfrm>
-            <a:off x="124532" y="213394"/>
-            <a:ext cx="5548972" cy="3343495"/>
+            <a:off x="365807" y="-86124"/>
+            <a:ext cx="6225053" cy="3747109"/>
           </a:xfrm>
           <a:prstGeom prst="rect">
             <a:avLst/>
@@ -4788,7 +6235,7 @@
           <p:nvPr/>
         </p:nvPicPr>
         <p:blipFill>
-          <a:blip r:embed="rId9">
+          <a:blip r:embed="rId7">
             <a:extLst>
               <a:ext uri="{28A0092B-C50C-407E-A947-70E740481C1C}">
                 <a14:useLocalDpi xmlns:a14="http://schemas.microsoft.com/office/drawing/2010/main" val="0"/>
@@ -4801,80 +6248,8 @@
         </p:blipFill>
         <p:spPr>
           <a:xfrm>
-            <a:off x="139466" y="213393"/>
-            <a:ext cx="5451529" cy="3343495"/>
-          </a:xfrm>
-          <a:prstGeom prst="rect">
-            <a:avLst/>
-          </a:prstGeom>
-        </p:spPr>
-      </p:pic>
-      <p:pic>
-        <p:nvPicPr>
-          <p:cNvPr id="15" name="Picture 14" descr="Chart, scatter chart&#10;&#10;Description automatically generated">
-            <a:extLst>
-              <a:ext uri="{FF2B5EF4-FFF2-40B4-BE49-F238E27FC236}">
-                <a16:creationId xmlns:a16="http://schemas.microsoft.com/office/drawing/2014/main" id="{F8E74377-1B16-470B-BC44-51B5C7B03D8E}"/>
-              </a:ext>
-            </a:extLst>
-          </p:cNvPr>
-          <p:cNvPicPr>
-            <a:picLocks noChangeAspect="1"/>
-          </p:cNvPicPr>
-          <p:nvPr/>
-        </p:nvPicPr>
-        <p:blipFill>
-          <a:blip r:embed="rId10">
-            <a:extLst>
-              <a:ext uri="{28A0092B-C50C-407E-A947-70E740481C1C}">
-                <a14:useLocalDpi xmlns:a14="http://schemas.microsoft.com/office/drawing/2010/main" val="0"/>
-              </a:ext>
-            </a:extLst>
-          </a:blip>
-          <a:stretch>
-            <a:fillRect/>
-          </a:stretch>
-        </p:blipFill>
-        <p:spPr>
-          <a:xfrm>
-            <a:off x="127526" y="207596"/>
-            <a:ext cx="5590695" cy="3365263"/>
-          </a:xfrm>
-          <a:prstGeom prst="rect">
-            <a:avLst/>
-          </a:prstGeom>
-        </p:spPr>
-      </p:pic>
-      <p:pic>
-        <p:nvPicPr>
-          <p:cNvPr id="13" name="Picture 12" descr="Chart, scatter chart&#10;&#10;Description automatically generated">
-            <a:extLst>
-              <a:ext uri="{FF2B5EF4-FFF2-40B4-BE49-F238E27FC236}">
-                <a16:creationId xmlns:a16="http://schemas.microsoft.com/office/drawing/2014/main" id="{121E4E49-2A73-4EFD-8B04-4C0AF952B61B}"/>
-              </a:ext>
-            </a:extLst>
-          </p:cNvPr>
-          <p:cNvPicPr>
-            <a:picLocks noChangeAspect="1"/>
-          </p:cNvPicPr>
-          <p:nvPr/>
-        </p:nvPicPr>
-        <p:blipFill>
-          <a:blip r:embed="rId11">
-            <a:extLst>
-              <a:ext uri="{28A0092B-C50C-407E-A947-70E740481C1C}">
-                <a14:useLocalDpi xmlns:a14="http://schemas.microsoft.com/office/drawing/2010/main" val="0"/>
-              </a:ext>
-            </a:extLst>
-          </a:blip>
-          <a:stretch>
-            <a:fillRect/>
-          </a:stretch>
-        </p:blipFill>
-        <p:spPr>
-          <a:xfrm>
-            <a:off x="130515" y="191033"/>
-            <a:ext cx="5599646" cy="3318343"/>
+            <a:off x="215876" y="-8350"/>
+            <a:ext cx="6205896" cy="3806158"/>
           </a:xfrm>
           <a:prstGeom prst="rect">
             <a:avLst/>
@@ -4937,7 +6312,7 @@
                                           </p:stCondLst>
                                         </p:cTn>
                                         <p:tgtEl>
-                                          <p:spTgt spid="18"/>
+                                          <p:spTgt spid="13"/>
                                         </p:tgtEl>
                                         <p:attrNameLst>
                                           <p:attrName>style.visibility</p:attrName>
@@ -4951,7 +6326,7 @@
                                       <p:cBhvr>
                                         <p:cTn id="7" dur="1000" fill="hold"/>
                                         <p:tgtEl>
-                                          <p:spTgt spid="18"/>
+                                          <p:spTgt spid="13"/>
                                         </p:tgtEl>
                                         <p:attrNameLst>
                                           <p:attrName>ppt_w</p:attrName>
@@ -4974,7 +6349,7 @@
                                       <p:cBhvr>
                                         <p:cTn id="8" dur="1000" fill="hold"/>
                                         <p:tgtEl>
-                                          <p:spTgt spid="18"/>
+                                          <p:spTgt spid="13"/>
                                         </p:tgtEl>
                                         <p:attrNameLst>
                                           <p:attrName>ppt_h</p:attrName>
@@ -4997,7 +6372,7 @@
                                       <p:cBhvr>
                                         <p:cTn id="9" dur="1000" fill="hold"/>
                                         <p:tgtEl>
-                                          <p:spTgt spid="18"/>
+                                          <p:spTgt spid="13"/>
                                         </p:tgtEl>
                                         <p:attrNameLst>
                                           <p:attrName>style.rotation</p:attrName>
@@ -5020,7 +6395,7 @@
                                       <p:cBhvr>
                                         <p:cTn id="10" dur="1000"/>
                                         <p:tgtEl>
-                                          <p:spTgt spid="18"/>
+                                          <p:spTgt spid="13"/>
                                         </p:tgtEl>
                                       </p:cBhvr>
                                     </p:animEffect>
@@ -5059,7 +6434,7 @@
                                           </p:stCondLst>
                                         </p:cTn>
                                         <p:tgtEl>
-                                          <p:spTgt spid="17"/>
+                                          <p:spTgt spid="15"/>
                                         </p:tgtEl>
                                         <p:attrNameLst>
                                           <p:attrName>style.visibility</p:attrName>
@@ -5073,7 +6448,7 @@
                                       <p:cBhvr>
                                         <p:cTn id="15" dur="1000" fill="hold"/>
                                         <p:tgtEl>
-                                          <p:spTgt spid="17"/>
+                                          <p:spTgt spid="15"/>
                                         </p:tgtEl>
                                         <p:attrNameLst>
                                           <p:attrName>ppt_w</p:attrName>
@@ -5096,7 +6471,7 @@
                                       <p:cBhvr>
                                         <p:cTn id="16" dur="1000" fill="hold"/>
                                         <p:tgtEl>
-                                          <p:spTgt spid="17"/>
+                                          <p:spTgt spid="15"/>
                                         </p:tgtEl>
                                         <p:attrNameLst>
                                           <p:attrName>ppt_h</p:attrName>
@@ -5119,7 +6494,7 @@
                                       <p:cBhvr>
                                         <p:cTn id="17" dur="1000" fill="hold"/>
                                         <p:tgtEl>
-                                          <p:spTgt spid="17"/>
+                                          <p:spTgt spid="15"/>
                                         </p:tgtEl>
                                         <p:attrNameLst>
                                           <p:attrName>style.rotation</p:attrName>
@@ -5142,7 +6517,7 @@
                                       <p:cBhvr>
                                         <p:cTn id="18" dur="1000"/>
                                         <p:tgtEl>
-                                          <p:spTgt spid="17"/>
+                                          <p:spTgt spid="15"/>
                                         </p:tgtEl>
                                       </p:cBhvr>
                                     </p:animEffect>
@@ -5181,7 +6556,7 @@
                                           </p:stCondLst>
                                         </p:cTn>
                                         <p:tgtEl>
-                                          <p:spTgt spid="22"/>
+                                          <p:spTgt spid="21"/>
                                         </p:tgtEl>
                                         <p:attrNameLst>
                                           <p:attrName>style.visibility</p:attrName>
@@ -5195,7 +6570,7 @@
                                       <p:cBhvr>
                                         <p:cTn id="23" dur="1000" fill="hold"/>
                                         <p:tgtEl>
-                                          <p:spTgt spid="22"/>
+                                          <p:spTgt spid="21"/>
                                         </p:tgtEl>
                                         <p:attrNameLst>
                                           <p:attrName>ppt_w</p:attrName>
@@ -5218,7 +6593,7 @@
                                       <p:cBhvr>
                                         <p:cTn id="24" dur="1000" fill="hold"/>
                                         <p:tgtEl>
-                                          <p:spTgt spid="22"/>
+                                          <p:spTgt spid="21"/>
                                         </p:tgtEl>
                                         <p:attrNameLst>
                                           <p:attrName>ppt_h</p:attrName>
@@ -5241,7 +6616,7 @@
                                       <p:cBhvr>
                                         <p:cTn id="25" dur="1000" fill="hold"/>
                                         <p:tgtEl>
-                                          <p:spTgt spid="22"/>
+                                          <p:spTgt spid="21"/>
                                         </p:tgtEl>
                                         <p:attrNameLst>
                                           <p:attrName>style.rotation</p:attrName>
@@ -5264,495 +6639,7 @@
                                       <p:cBhvr>
                                         <p:cTn id="26" dur="1000"/>
                                         <p:tgtEl>
-                                          <p:spTgt spid="22"/>
-                                        </p:tgtEl>
-                                      </p:cBhvr>
-                                    </p:animEffect>
-                                  </p:childTnLst>
-                                </p:cTn>
-                              </p:par>
-                            </p:childTnLst>
-                          </p:cTn>
-                        </p:par>
-                      </p:childTnLst>
-                    </p:cTn>
-                  </p:par>
-                  <p:par>
-                    <p:cTn id="27" fill="hold">
-                      <p:stCondLst>
-                        <p:cond delay="indefinite"/>
-                      </p:stCondLst>
-                      <p:childTnLst>
-                        <p:par>
-                          <p:cTn id="28" fill="hold">
-                            <p:stCondLst>
-                              <p:cond delay="0"/>
-                            </p:stCondLst>
-                            <p:childTnLst>
-                              <p:par>
-                                <p:cTn id="29" presetID="31" presetClass="entr" presetSubtype="0" fill="hold" nodeType="clickEffect">
-                                  <p:stCondLst>
-                                    <p:cond delay="0"/>
-                                  </p:stCondLst>
-                                  <p:childTnLst>
-                                    <p:set>
-                                      <p:cBhvr>
-                                        <p:cTn id="30" dur="1" fill="hold">
-                                          <p:stCondLst>
-                                            <p:cond delay="0"/>
-                                          </p:stCondLst>
-                                        </p:cTn>
-                                        <p:tgtEl>
-                                          <p:spTgt spid="19"/>
-                                        </p:tgtEl>
-                                        <p:attrNameLst>
-                                          <p:attrName>style.visibility</p:attrName>
-                                        </p:attrNameLst>
-                                      </p:cBhvr>
-                                      <p:to>
-                                        <p:strVal val="visible"/>
-                                      </p:to>
-                                    </p:set>
-                                    <p:anim calcmode="lin" valueType="num">
-                                      <p:cBhvr>
-                                        <p:cTn id="31" dur="1000" fill="hold"/>
-                                        <p:tgtEl>
-                                          <p:spTgt spid="19"/>
-                                        </p:tgtEl>
-                                        <p:attrNameLst>
-                                          <p:attrName>ppt_w</p:attrName>
-                                        </p:attrNameLst>
-                                      </p:cBhvr>
-                                      <p:tavLst>
-                                        <p:tav tm="0">
-                                          <p:val>
-                                            <p:fltVal val="0"/>
-                                          </p:val>
-                                        </p:tav>
-                                        <p:tav tm="100000">
-                                          <p:val>
-                                            <p:strVal val="#ppt_w"/>
-                                          </p:val>
-                                        </p:tav>
-                                      </p:tavLst>
-                                    </p:anim>
-                                    <p:anim calcmode="lin" valueType="num">
-                                      <p:cBhvr>
-                                        <p:cTn id="32" dur="1000" fill="hold"/>
-                                        <p:tgtEl>
-                                          <p:spTgt spid="19"/>
-                                        </p:tgtEl>
-                                        <p:attrNameLst>
-                                          <p:attrName>ppt_h</p:attrName>
-                                        </p:attrNameLst>
-                                      </p:cBhvr>
-                                      <p:tavLst>
-                                        <p:tav tm="0">
-                                          <p:val>
-                                            <p:fltVal val="0"/>
-                                          </p:val>
-                                        </p:tav>
-                                        <p:tav tm="100000">
-                                          <p:val>
-                                            <p:strVal val="#ppt_h"/>
-                                          </p:val>
-                                        </p:tav>
-                                      </p:tavLst>
-                                    </p:anim>
-                                    <p:anim calcmode="lin" valueType="num">
-                                      <p:cBhvr>
-                                        <p:cTn id="33" dur="1000" fill="hold"/>
-                                        <p:tgtEl>
-                                          <p:spTgt spid="19"/>
-                                        </p:tgtEl>
-                                        <p:attrNameLst>
-                                          <p:attrName>style.rotation</p:attrName>
-                                        </p:attrNameLst>
-                                      </p:cBhvr>
-                                      <p:tavLst>
-                                        <p:tav tm="0">
-                                          <p:val>
-                                            <p:fltVal val="90"/>
-                                          </p:val>
-                                        </p:tav>
-                                        <p:tav tm="100000">
-                                          <p:val>
-                                            <p:fltVal val="0"/>
-                                          </p:val>
-                                        </p:tav>
-                                      </p:tavLst>
-                                    </p:anim>
-                                    <p:animEffect transition="in" filter="fade">
-                                      <p:cBhvr>
-                                        <p:cTn id="34" dur="1000"/>
-                                        <p:tgtEl>
-                                          <p:spTgt spid="19"/>
-                                        </p:tgtEl>
-                                      </p:cBhvr>
-                                    </p:animEffect>
-                                  </p:childTnLst>
-                                </p:cTn>
-                              </p:par>
-                            </p:childTnLst>
-                          </p:cTn>
-                        </p:par>
-                      </p:childTnLst>
-                    </p:cTn>
-                  </p:par>
-                  <p:par>
-                    <p:cTn id="35" fill="hold">
-                      <p:stCondLst>
-                        <p:cond delay="indefinite"/>
-                      </p:stCondLst>
-                      <p:childTnLst>
-                        <p:par>
-                          <p:cTn id="36" fill="hold">
-                            <p:stCondLst>
-                              <p:cond delay="0"/>
-                            </p:stCondLst>
-                            <p:childTnLst>
-                              <p:par>
-                                <p:cTn id="37" presetID="31" presetClass="entr" presetSubtype="0" fill="hold" nodeType="clickEffect">
-                                  <p:stCondLst>
-                                    <p:cond delay="0"/>
-                                  </p:stCondLst>
-                                  <p:childTnLst>
-                                    <p:set>
-                                      <p:cBhvr>
-                                        <p:cTn id="38" dur="1" fill="hold">
-                                          <p:stCondLst>
-                                            <p:cond delay="0"/>
-                                          </p:stCondLst>
-                                        </p:cTn>
-                                        <p:tgtEl>
                                           <p:spTgt spid="21"/>
-                                        </p:tgtEl>
-                                        <p:attrNameLst>
-                                          <p:attrName>style.visibility</p:attrName>
-                                        </p:attrNameLst>
-                                      </p:cBhvr>
-                                      <p:to>
-                                        <p:strVal val="visible"/>
-                                      </p:to>
-                                    </p:set>
-                                    <p:anim calcmode="lin" valueType="num">
-                                      <p:cBhvr>
-                                        <p:cTn id="39" dur="1000" fill="hold"/>
-                                        <p:tgtEl>
-                                          <p:spTgt spid="21"/>
-                                        </p:tgtEl>
-                                        <p:attrNameLst>
-                                          <p:attrName>ppt_w</p:attrName>
-                                        </p:attrNameLst>
-                                      </p:cBhvr>
-                                      <p:tavLst>
-                                        <p:tav tm="0">
-                                          <p:val>
-                                            <p:fltVal val="0"/>
-                                          </p:val>
-                                        </p:tav>
-                                        <p:tav tm="100000">
-                                          <p:val>
-                                            <p:strVal val="#ppt_w"/>
-                                          </p:val>
-                                        </p:tav>
-                                      </p:tavLst>
-                                    </p:anim>
-                                    <p:anim calcmode="lin" valueType="num">
-                                      <p:cBhvr>
-                                        <p:cTn id="40" dur="1000" fill="hold"/>
-                                        <p:tgtEl>
-                                          <p:spTgt spid="21"/>
-                                        </p:tgtEl>
-                                        <p:attrNameLst>
-                                          <p:attrName>ppt_h</p:attrName>
-                                        </p:attrNameLst>
-                                      </p:cBhvr>
-                                      <p:tavLst>
-                                        <p:tav tm="0">
-                                          <p:val>
-                                            <p:fltVal val="0"/>
-                                          </p:val>
-                                        </p:tav>
-                                        <p:tav tm="100000">
-                                          <p:val>
-                                            <p:strVal val="#ppt_h"/>
-                                          </p:val>
-                                        </p:tav>
-                                      </p:tavLst>
-                                    </p:anim>
-                                    <p:anim calcmode="lin" valueType="num">
-                                      <p:cBhvr>
-                                        <p:cTn id="41" dur="1000" fill="hold"/>
-                                        <p:tgtEl>
-                                          <p:spTgt spid="21"/>
-                                        </p:tgtEl>
-                                        <p:attrNameLst>
-                                          <p:attrName>style.rotation</p:attrName>
-                                        </p:attrNameLst>
-                                      </p:cBhvr>
-                                      <p:tavLst>
-                                        <p:tav tm="0">
-                                          <p:val>
-                                            <p:fltVal val="90"/>
-                                          </p:val>
-                                        </p:tav>
-                                        <p:tav tm="100000">
-                                          <p:val>
-                                            <p:fltVal val="0"/>
-                                          </p:val>
-                                        </p:tav>
-                                      </p:tavLst>
-                                    </p:anim>
-                                    <p:animEffect transition="in" filter="fade">
-                                      <p:cBhvr>
-                                        <p:cTn id="42" dur="1000"/>
-                                        <p:tgtEl>
-                                          <p:spTgt spid="21"/>
-                                        </p:tgtEl>
-                                      </p:cBhvr>
-                                    </p:animEffect>
-                                  </p:childTnLst>
-                                </p:cTn>
-                              </p:par>
-                            </p:childTnLst>
-                          </p:cTn>
-                        </p:par>
-                      </p:childTnLst>
-                    </p:cTn>
-                  </p:par>
-                  <p:par>
-                    <p:cTn id="43" fill="hold">
-                      <p:stCondLst>
-                        <p:cond delay="indefinite"/>
-                      </p:stCondLst>
-                      <p:childTnLst>
-                        <p:par>
-                          <p:cTn id="44" fill="hold">
-                            <p:stCondLst>
-                              <p:cond delay="0"/>
-                            </p:stCondLst>
-                            <p:childTnLst>
-                              <p:par>
-                                <p:cTn id="45" presetID="31" presetClass="entr" presetSubtype="0" fill="hold" nodeType="clickEffect">
-                                  <p:stCondLst>
-                                    <p:cond delay="0"/>
-                                  </p:stCondLst>
-                                  <p:childTnLst>
-                                    <p:set>
-                                      <p:cBhvr>
-                                        <p:cTn id="46" dur="1" fill="hold">
-                                          <p:stCondLst>
-                                            <p:cond delay="0"/>
-                                          </p:stCondLst>
-                                        </p:cTn>
-                                        <p:tgtEl>
-                                          <p:spTgt spid="15"/>
-                                        </p:tgtEl>
-                                        <p:attrNameLst>
-                                          <p:attrName>style.visibility</p:attrName>
-                                        </p:attrNameLst>
-                                      </p:cBhvr>
-                                      <p:to>
-                                        <p:strVal val="visible"/>
-                                      </p:to>
-                                    </p:set>
-                                    <p:anim calcmode="lin" valueType="num">
-                                      <p:cBhvr>
-                                        <p:cTn id="47" dur="1000" fill="hold"/>
-                                        <p:tgtEl>
-                                          <p:spTgt spid="15"/>
-                                        </p:tgtEl>
-                                        <p:attrNameLst>
-                                          <p:attrName>ppt_w</p:attrName>
-                                        </p:attrNameLst>
-                                      </p:cBhvr>
-                                      <p:tavLst>
-                                        <p:tav tm="0">
-                                          <p:val>
-                                            <p:fltVal val="0"/>
-                                          </p:val>
-                                        </p:tav>
-                                        <p:tav tm="100000">
-                                          <p:val>
-                                            <p:strVal val="#ppt_w"/>
-                                          </p:val>
-                                        </p:tav>
-                                      </p:tavLst>
-                                    </p:anim>
-                                    <p:anim calcmode="lin" valueType="num">
-                                      <p:cBhvr>
-                                        <p:cTn id="48" dur="1000" fill="hold"/>
-                                        <p:tgtEl>
-                                          <p:spTgt spid="15"/>
-                                        </p:tgtEl>
-                                        <p:attrNameLst>
-                                          <p:attrName>ppt_h</p:attrName>
-                                        </p:attrNameLst>
-                                      </p:cBhvr>
-                                      <p:tavLst>
-                                        <p:tav tm="0">
-                                          <p:val>
-                                            <p:fltVal val="0"/>
-                                          </p:val>
-                                        </p:tav>
-                                        <p:tav tm="100000">
-                                          <p:val>
-                                            <p:strVal val="#ppt_h"/>
-                                          </p:val>
-                                        </p:tav>
-                                      </p:tavLst>
-                                    </p:anim>
-                                    <p:anim calcmode="lin" valueType="num">
-                                      <p:cBhvr>
-                                        <p:cTn id="49" dur="1000" fill="hold"/>
-                                        <p:tgtEl>
-                                          <p:spTgt spid="15"/>
-                                        </p:tgtEl>
-                                        <p:attrNameLst>
-                                          <p:attrName>style.rotation</p:attrName>
-                                        </p:attrNameLst>
-                                      </p:cBhvr>
-                                      <p:tavLst>
-                                        <p:tav tm="0">
-                                          <p:val>
-                                            <p:fltVal val="90"/>
-                                          </p:val>
-                                        </p:tav>
-                                        <p:tav tm="100000">
-                                          <p:val>
-                                            <p:fltVal val="0"/>
-                                          </p:val>
-                                        </p:tav>
-                                      </p:tavLst>
-                                    </p:anim>
-                                    <p:animEffect transition="in" filter="fade">
-                                      <p:cBhvr>
-                                        <p:cTn id="50" dur="1000"/>
-                                        <p:tgtEl>
-                                          <p:spTgt spid="15"/>
-                                        </p:tgtEl>
-                                      </p:cBhvr>
-                                    </p:animEffect>
-                                  </p:childTnLst>
-                                </p:cTn>
-                              </p:par>
-                            </p:childTnLst>
-                          </p:cTn>
-                        </p:par>
-                      </p:childTnLst>
-                    </p:cTn>
-                  </p:par>
-                  <p:par>
-                    <p:cTn id="51" fill="hold">
-                      <p:stCondLst>
-                        <p:cond delay="indefinite"/>
-                      </p:stCondLst>
-                      <p:childTnLst>
-                        <p:par>
-                          <p:cTn id="52" fill="hold">
-                            <p:stCondLst>
-                              <p:cond delay="0"/>
-                            </p:stCondLst>
-                            <p:childTnLst>
-                              <p:par>
-                                <p:cTn id="53" presetID="31" presetClass="entr" presetSubtype="0" fill="hold" nodeType="clickEffect">
-                                  <p:stCondLst>
-                                    <p:cond delay="0"/>
-                                  </p:stCondLst>
-                                  <p:childTnLst>
-                                    <p:set>
-                                      <p:cBhvr>
-                                        <p:cTn id="54" dur="1" fill="hold">
-                                          <p:stCondLst>
-                                            <p:cond delay="0"/>
-                                          </p:stCondLst>
-                                        </p:cTn>
-                                        <p:tgtEl>
-                                          <p:spTgt spid="13"/>
-                                        </p:tgtEl>
-                                        <p:attrNameLst>
-                                          <p:attrName>style.visibility</p:attrName>
-                                        </p:attrNameLst>
-                                      </p:cBhvr>
-                                      <p:to>
-                                        <p:strVal val="visible"/>
-                                      </p:to>
-                                    </p:set>
-                                    <p:anim calcmode="lin" valueType="num">
-                                      <p:cBhvr>
-                                        <p:cTn id="55" dur="1000" fill="hold"/>
-                                        <p:tgtEl>
-                                          <p:spTgt spid="13"/>
-                                        </p:tgtEl>
-                                        <p:attrNameLst>
-                                          <p:attrName>ppt_w</p:attrName>
-                                        </p:attrNameLst>
-                                      </p:cBhvr>
-                                      <p:tavLst>
-                                        <p:tav tm="0">
-                                          <p:val>
-                                            <p:fltVal val="0"/>
-                                          </p:val>
-                                        </p:tav>
-                                        <p:tav tm="100000">
-                                          <p:val>
-                                            <p:strVal val="#ppt_w"/>
-                                          </p:val>
-                                        </p:tav>
-                                      </p:tavLst>
-                                    </p:anim>
-                                    <p:anim calcmode="lin" valueType="num">
-                                      <p:cBhvr>
-                                        <p:cTn id="56" dur="1000" fill="hold"/>
-                                        <p:tgtEl>
-                                          <p:spTgt spid="13"/>
-                                        </p:tgtEl>
-                                        <p:attrNameLst>
-                                          <p:attrName>ppt_h</p:attrName>
-                                        </p:attrNameLst>
-                                      </p:cBhvr>
-                                      <p:tavLst>
-                                        <p:tav tm="0">
-                                          <p:val>
-                                            <p:fltVal val="0"/>
-                                          </p:val>
-                                        </p:tav>
-                                        <p:tav tm="100000">
-                                          <p:val>
-                                            <p:strVal val="#ppt_h"/>
-                                          </p:val>
-                                        </p:tav>
-                                      </p:tavLst>
-                                    </p:anim>
-                                    <p:anim calcmode="lin" valueType="num">
-                                      <p:cBhvr>
-                                        <p:cTn id="57" dur="1000" fill="hold"/>
-                                        <p:tgtEl>
-                                          <p:spTgt spid="13"/>
-                                        </p:tgtEl>
-                                        <p:attrNameLst>
-                                          <p:attrName>style.rotation</p:attrName>
-                                        </p:attrNameLst>
-                                      </p:cBhvr>
-                                      <p:tavLst>
-                                        <p:tav tm="0">
-                                          <p:val>
-                                            <p:fltVal val="90"/>
-                                          </p:val>
-                                        </p:tav>
-                                        <p:tav tm="100000">
-                                          <p:val>
-                                            <p:fltVal val="0"/>
-                                          </p:val>
-                                        </p:tav>
-                                      </p:tavLst>
-                                    </p:anim>
-                                    <p:animEffect transition="in" filter="fade">
-                                      <p:cBhvr>
-                                        <p:cTn id="58" dur="1000"/>
-                                        <p:tgtEl>
-                                          <p:spTgt spid="13"/>
                                         </p:tgtEl>
                                       </p:cBhvr>
                                     </p:animEffect>
@@ -5790,7 +6677,190 @@
 </p:sld>
 </file>
 
-<file path=ppt/slides/slide5.xml><?xml version="1.0" encoding="utf-8"?>
+<file path=ppt/slides/slide7.xml><?xml version="1.0" encoding="utf-8"?>
+<p:sld xmlns:a="http://schemas.openxmlformats.org/drawingml/2006/main" xmlns:r="http://schemas.openxmlformats.org/officeDocument/2006/relationships" xmlns:p="http://schemas.openxmlformats.org/presentationml/2006/main">
+  <p:cSld>
+    <p:bg>
+      <p:bgPr>
+        <a:solidFill>
+          <a:schemeClr val="bg2"/>
+        </a:solidFill>
+        <a:effectLst/>
+      </p:bgPr>
+    </p:bg>
+    <p:spTree>
+      <p:nvGrpSpPr>
+        <p:cNvPr id="1" name=""/>
+        <p:cNvGrpSpPr/>
+        <p:nvPr/>
+      </p:nvGrpSpPr>
+      <p:grpSpPr>
+        <a:xfrm>
+          <a:off x="0" y="0"/>
+          <a:ext cx="0" cy="0"/>
+          <a:chOff x="0" y="0"/>
+          <a:chExt cx="0" cy="0"/>
+        </a:xfrm>
+      </p:grpSpPr>
+      <p:pic>
+        <p:nvPicPr>
+          <p:cNvPr id="7" name="Picture 6" descr="A tornado in a field&#10;&#10;Description automatically generated with low confidence">
+            <a:extLst>
+              <a:ext uri="{FF2B5EF4-FFF2-40B4-BE49-F238E27FC236}">
+                <a16:creationId xmlns:a16="http://schemas.microsoft.com/office/drawing/2014/main" id="{E6420BFA-3485-4F95-A0BE-E1D8D134ECB3}"/>
+              </a:ext>
+            </a:extLst>
+          </p:cNvPr>
+          <p:cNvPicPr>
+            <a:picLocks noChangeAspect="1"/>
+          </p:cNvPicPr>
+          <p:nvPr/>
+        </p:nvPicPr>
+        <p:blipFill rotWithShape="1">
+          <a:blip r:embed="rId2">
+            <a:extLst>
+              <a:ext uri="{28A0092B-C50C-407E-A947-70E740481C1C}">
+                <a14:useLocalDpi xmlns:a14="http://schemas.microsoft.com/office/drawing/2010/main" val="0"/>
+              </a:ext>
+            </a:extLst>
+          </a:blip>
+          <a:srcRect l="8783" r="8784"/>
+          <a:stretch/>
+        </p:blipFill>
+        <p:spPr>
+          <a:xfrm>
+            <a:off x="4654296" y="10"/>
+            <a:ext cx="7537707" cy="6857990"/>
+          </a:xfrm>
+          <a:prstGeom prst="rect">
+            <a:avLst/>
+          </a:prstGeom>
+        </p:spPr>
+      </p:pic>
+      <p:sp>
+        <p:nvSpPr>
+          <p:cNvPr id="29" name="Rectangle 28">
+            <a:extLst>
+              <a:ext uri="{FF2B5EF4-FFF2-40B4-BE49-F238E27FC236}">
+                <a16:creationId xmlns:a16="http://schemas.microsoft.com/office/drawing/2014/main" id="{E9DCA5EA-C9F1-43F7-8CD9-E7D77919EBE7}"/>
+              </a:ext>
+              <a:ext uri="{C183D7F6-B498-43B3-948B-1728B52AA6E4}">
+                <adec:decorative xmlns:adec="http://schemas.microsoft.com/office/drawing/2017/decorative" val="1"/>
+              </a:ext>
+            </a:extLst>
+          </p:cNvPr>
+          <p:cNvSpPr>
+            <a:spLocks noGrp="1" noRot="1" noChangeAspect="1" noMove="1" noResize="1" noEditPoints="1" noAdjustHandles="1" noChangeArrowheads="1" noChangeShapeType="1" noTextEdit="1"/>
+          </p:cNvSpPr>
+          <p:nvPr>
+            <p:extLst>
+              <p:ext uri="{386F3935-93C4-4BCD-93E2-E3B085C9AB24}">
+                <p16:designElem xmlns:p16="http://schemas.microsoft.com/office/powerpoint/2015/main" val="1"/>
+              </p:ext>
+            </p:extLst>
+          </p:nvPr>
+        </p:nvSpPr>
+        <p:spPr>
+          <a:xfrm>
+            <a:off x="800099" y="806357"/>
+            <a:ext cx="6734553" cy="4928616"/>
+          </a:xfrm>
+          <a:prstGeom prst="rect">
+            <a:avLst/>
+          </a:prstGeom>
+          <a:solidFill>
+            <a:srgbClr val="FFFFFF"/>
+          </a:solidFill>
+          <a:ln>
+            <a:noFill/>
+          </a:ln>
+        </p:spPr>
+        <p:style>
+          <a:lnRef idx="2">
+            <a:schemeClr val="accent1">
+              <a:shade val="50000"/>
+            </a:schemeClr>
+          </a:lnRef>
+          <a:fillRef idx="1">
+            <a:schemeClr val="accent1"/>
+          </a:fillRef>
+          <a:effectRef idx="0">
+            <a:schemeClr val="accent1"/>
+          </a:effectRef>
+          <a:fontRef idx="minor">
+            <a:schemeClr val="lt1"/>
+          </a:fontRef>
+        </p:style>
+        <p:txBody>
+          <a:bodyPr rtlCol="0" anchor="ctr"/>
+          <a:lstStyle/>
+          <a:p>
+            <a:pPr algn="ctr"/>
+            <a:endParaRPr lang="en-US"/>
+          </a:p>
+        </p:txBody>
+      </p:sp>
+      <p:pic>
+        <p:nvPicPr>
+          <p:cNvPr id="4" name="Picture 3" descr="Graphical user interface, website&#10;&#10;Description automatically generated">
+            <a:extLst>
+              <a:ext uri="{FF2B5EF4-FFF2-40B4-BE49-F238E27FC236}">
+                <a16:creationId xmlns:a16="http://schemas.microsoft.com/office/drawing/2014/main" id="{A9711B7E-894F-4074-8929-F1E5F2722B0F}"/>
+              </a:ext>
+            </a:extLst>
+          </p:cNvPr>
+          <p:cNvPicPr>
+            <a:picLocks noChangeAspect="1"/>
+          </p:cNvPicPr>
+          <p:nvPr/>
+        </p:nvPicPr>
+        <p:blipFill rotWithShape="1">
+          <a:blip r:embed="rId3">
+            <a:extLst>
+              <a:ext uri="{28A0092B-C50C-407E-A947-70E740481C1C}">
+                <a14:useLocalDpi xmlns:a14="http://schemas.microsoft.com/office/drawing/2010/main" val="0"/>
+              </a:ext>
+            </a:extLst>
+          </a:blip>
+          <a:srcRect r="4198"/>
+          <a:stretch/>
+        </p:blipFill>
+        <p:spPr>
+          <a:xfrm>
+            <a:off x="962403" y="979071"/>
+            <a:ext cx="6409944" cy="4583188"/>
+          </a:xfrm>
+          <a:prstGeom prst="rect">
+            <a:avLst/>
+          </a:prstGeom>
+        </p:spPr>
+      </p:pic>
+    </p:spTree>
+    <p:extLst>
+      <p:ext uri="{BB962C8B-B14F-4D97-AF65-F5344CB8AC3E}">
+        <p14:creationId xmlns:p14="http://schemas.microsoft.com/office/powerpoint/2010/main" val="450883506"/>
+      </p:ext>
+    </p:extLst>
+  </p:cSld>
+  <p:clrMapOvr>
+    <a:masterClrMapping/>
+  </p:clrMapOvr>
+  <mc:AlternateContent xmlns:mc="http://schemas.openxmlformats.org/markup-compatibility/2006" xmlns:p15="http://schemas.microsoft.com/office/powerpoint/2012/main">
+    <mc:Choice Requires="p15">
+      <p:transition xmlns:p14="http://schemas.microsoft.com/office/powerpoint/2010/main" spd="slow" p14:dur="2000">
+        <p15:prstTrans prst="wind"/>
+      </p:transition>
+    </mc:Choice>
+    <mc:Fallback xmlns="">
+      <p:transition spd="slow">
+        <p:fade/>
+      </p:transition>
+    </mc:Fallback>
+  </mc:AlternateContent>
+</p:sld>
+</file>
+
+<file path=ppt/slides/slide8.xml><?xml version="1.0" encoding="utf-8"?>
 <p:sld xmlns:a="http://schemas.openxmlformats.org/drawingml/2006/main" xmlns:r="http://schemas.openxmlformats.org/officeDocument/2006/relationships" xmlns:p="http://schemas.openxmlformats.org/presentationml/2006/main">
   <p:cSld>
     <p:bg>
@@ -5870,8 +6940,37 @@
           <a:bodyPr rtlCol="0" anchor="ctr"/>
           <a:lstStyle/>
           <a:p>
-            <a:pPr algn="ctr"/>
-            <a:endParaRPr lang="en-US"/>
+            <a:pPr marL="0" marR="0" lvl="0" indent="0" algn="ctr" defTabSz="914400" rtl="0" eaLnBrk="1" fontAlgn="auto" latinLnBrk="0" hangingPunct="1">
+              <a:lnSpc>
+                <a:spcPct val="100000"/>
+              </a:lnSpc>
+              <a:spcBef>
+                <a:spcPts val="0"/>
+              </a:spcBef>
+              <a:spcAft>
+                <a:spcPts val="0"/>
+              </a:spcAft>
+              <a:buClrTx/>
+              <a:buSzTx/>
+              <a:buFontTx/>
+              <a:buNone/>
+              <a:tabLst/>
+              <a:defRPr/>
+            </a:pPr>
+            <a:endParaRPr kumimoji="0" lang="en-US" sz="1800" b="0" i="0" u="none" strike="noStrike" kern="1200" cap="none" spc="0" normalizeH="0" baseline="0" noProof="0">
+              <a:ln>
+                <a:noFill/>
+              </a:ln>
+              <a:solidFill>
+                <a:prstClr val="white"/>
+              </a:solidFill>
+              <a:effectLst/>
+              <a:uLnTx/>
+              <a:uFillTx/>
+              <a:latin typeface="Calibri" panose="020F0502020204030204"/>
+              <a:ea typeface="+mn-ea"/>
+              <a:cs typeface="+mn-cs"/>
+            </a:endParaRPr>
           </a:p>
         </p:txBody>
       </p:sp>
@@ -5902,7 +7001,7 @@
         </p:blipFill>
         <p:spPr>
           <a:xfrm>
-            <a:off x="329316" y="10"/>
+            <a:off x="326268" y="10"/>
             <a:ext cx="11862684" cy="6857990"/>
           </a:xfrm>
           <a:custGeom>
@@ -6407,732 +7506,484 @@
           </a:custGeom>
         </p:spPr>
       </p:pic>
-    </p:spTree>
-    <p:extLst>
-      <p:ext uri="{BB962C8B-B14F-4D97-AF65-F5344CB8AC3E}">
-        <p14:creationId xmlns:p14="http://schemas.microsoft.com/office/powerpoint/2010/main" val="2507171884"/>
-      </p:ext>
-    </p:extLst>
-  </p:cSld>
-  <p:clrMapOvr>
-    <a:masterClrMapping/>
-  </p:clrMapOvr>
-  <mc:AlternateContent xmlns:mc="http://schemas.openxmlformats.org/markup-compatibility/2006" xmlns:p15="http://schemas.microsoft.com/office/powerpoint/2012/main">
-    <mc:Choice Requires="p15">
-      <p:transition xmlns:p14="http://schemas.microsoft.com/office/powerpoint/2010/main" spd="slow" p14:dur="2000">
-        <p15:prstTrans prst="wind"/>
-      </p:transition>
-    </mc:Choice>
-    <mc:Fallback xmlns="">
-      <p:transition spd="slow">
-        <p:fade/>
-      </p:transition>
-    </mc:Fallback>
-  </mc:AlternateContent>
-</p:sld>
-</file>
-
-<file path=ppt/slides/slide6.xml><?xml version="1.0" encoding="utf-8"?>
-<p:sld xmlns:a="http://schemas.openxmlformats.org/drawingml/2006/main" xmlns:r="http://schemas.openxmlformats.org/officeDocument/2006/relationships" xmlns:p="http://schemas.openxmlformats.org/presentationml/2006/main">
-  <p:cSld>
-    <p:bg>
-      <p:bgPr>
-        <a:solidFill>
-          <a:schemeClr val="bg1"/>
-        </a:solidFill>
-        <a:effectLst/>
-      </p:bgPr>
-    </p:bg>
-    <p:spTree>
-      <p:nvGrpSpPr>
-        <p:cNvPr id="1" name=""/>
-        <p:cNvGrpSpPr/>
-        <p:nvPr/>
-      </p:nvGrpSpPr>
-      <p:grpSpPr>
-        <a:xfrm>
-          <a:off x="0" y="0"/>
-          <a:ext cx="0" cy="0"/>
-          <a:chOff x="0" y="0"/>
-          <a:chExt cx="0" cy="0"/>
-        </a:xfrm>
-      </p:grpSpPr>
-      <p:sp useBgFill="1">
+      <p:sp>
         <p:nvSpPr>
-          <p:cNvPr id="15" name="Rectangle 14">
-            <a:extLst>
-              <a:ext uri="{FF2B5EF4-FFF2-40B4-BE49-F238E27FC236}">
-                <a16:creationId xmlns:a16="http://schemas.microsoft.com/office/drawing/2014/main" id="{7742A528-B5BC-48B8-92DE-9C2B44451A96}"/>
-              </a:ext>
-              <a:ext uri="{C183D7F6-B498-43B3-948B-1728B52AA6E4}">
-                <adec:decorative xmlns:adec="http://schemas.microsoft.com/office/drawing/2017/decorative" val="1"/>
-              </a:ext>
-            </a:extLst>
-          </p:cNvPr>
-          <p:cNvSpPr>
-            <a:spLocks noGrp="1" noRot="1" noChangeAspect="1" noMove="1" noResize="1" noEditPoints="1" noAdjustHandles="1" noChangeArrowheads="1" noChangeShapeType="1" noTextEdit="1"/>
-          </p:cNvSpPr>
-          <p:nvPr>
-            <p:extLst>
-              <p:ext uri="{386F3935-93C4-4BCD-93E2-E3B085C9AB24}">
-                <p16:designElem xmlns:p16="http://schemas.microsoft.com/office/powerpoint/2015/main" val="1"/>
-              </p:ext>
-            </p:extLst>
-          </p:nvPr>
+          <p:cNvPr id="4" name="TextBox 3">
+            <a:extLst>
+              <a:ext uri="{FF2B5EF4-FFF2-40B4-BE49-F238E27FC236}">
+                <a16:creationId xmlns:a16="http://schemas.microsoft.com/office/drawing/2014/main" id="{6CA31E5B-2B1F-4D51-8522-7A7891847EA8}"/>
+              </a:ext>
+            </a:extLst>
+          </p:cNvPr>
+          <p:cNvSpPr txBox="1"/>
+          <p:nvPr/>
         </p:nvSpPr>
         <p:spPr>
           <a:xfrm>
-            <a:off x="0" y="0"/>
-            <a:ext cx="12188952" cy="6858000"/>
+            <a:off x="1604936" y="98442"/>
+            <a:ext cx="10587064" cy="7263527"/>
           </a:xfrm>
           <a:prstGeom prst="rect">
             <a:avLst/>
           </a:prstGeom>
-          <a:ln>
-            <a:noFill/>
-          </a:ln>
+          <a:noFill/>
         </p:spPr>
-        <p:style>
-          <a:lnRef idx="2">
-            <a:schemeClr val="accent1">
-              <a:shade val="50000"/>
-            </a:schemeClr>
-          </a:lnRef>
-          <a:fillRef idx="1">
-            <a:schemeClr val="accent1"/>
-          </a:fillRef>
-          <a:effectRef idx="0">
-            <a:schemeClr val="accent1"/>
-          </a:effectRef>
-          <a:fontRef idx="minor">
-            <a:schemeClr val="lt1"/>
-          </a:fontRef>
-        </p:style>
         <p:txBody>
-          <a:bodyPr rtlCol="0" anchor="ctr"/>
+          <a:bodyPr wrap="square" rtlCol="0">
+            <a:spAutoFit/>
+          </a:bodyPr>
           <a:lstStyle/>
           <a:p>
-            <a:pPr algn="ctr"/>
-            <a:endParaRPr lang="en-US"/>
+            <a:pPr marL="285750" marR="0" lvl="0" indent="-285750" algn="l" defTabSz="914400" rtl="0" eaLnBrk="1" fontAlgn="auto" latinLnBrk="0" hangingPunct="1">
+              <a:lnSpc>
+                <a:spcPct val="100000"/>
+              </a:lnSpc>
+              <a:spcBef>
+                <a:spcPts val="0"/>
+              </a:spcBef>
+              <a:spcAft>
+                <a:spcPts val="0"/>
+              </a:spcAft>
+              <a:buClrTx/>
+              <a:buSzTx/>
+              <a:buFont typeface="Arial" panose="020B0604020202020204" pitchFamily="34" charset="0"/>
+              <a:buChar char="•"/>
+              <a:tabLst/>
+              <a:defRPr/>
+            </a:pPr>
+            <a:r>
+              <a:rPr kumimoji="0" lang="en-US" sz="1800" b="1" i="0" u="none" strike="noStrike" kern="1200" cap="none" spc="0" normalizeH="0" baseline="0" noProof="0" dirty="0">
+                <a:ln>
+                  <a:noFill/>
+                </a:ln>
+                <a:solidFill>
+                  <a:srgbClr val="002060"/>
+                </a:solidFill>
+                <a:effectLst/>
+                <a:uLnTx/>
+                <a:uFillTx/>
+                <a:latin typeface="-apple-system"/>
+                <a:ea typeface="+mn-ea"/>
+                <a:cs typeface="+mn-cs"/>
+              </a:rPr>
+              <a:t>Our conclusions are as follows:</a:t>
+            </a:r>
+          </a:p>
+          <a:p>
+            <a:pPr marL="285750" marR="0" lvl="0" indent="-285750" algn="l" defTabSz="914400" rtl="0" eaLnBrk="1" fontAlgn="auto" latinLnBrk="0" hangingPunct="1">
+              <a:lnSpc>
+                <a:spcPct val="100000"/>
+              </a:lnSpc>
+              <a:spcBef>
+                <a:spcPts val="0"/>
+              </a:spcBef>
+              <a:spcAft>
+                <a:spcPts val="0"/>
+              </a:spcAft>
+              <a:buClrTx/>
+              <a:buSzTx/>
+              <a:buFont typeface="Arial" panose="020B0604020202020204" pitchFamily="34" charset="0"/>
+              <a:buChar char="•"/>
+              <a:tabLst/>
+              <a:defRPr/>
+            </a:pPr>
+            <a:endParaRPr lang="en-US" dirty="0">
+              <a:solidFill>
+                <a:srgbClr val="002060"/>
+              </a:solidFill>
+              <a:latin typeface="-apple-system"/>
+            </a:endParaRPr>
+          </a:p>
+          <a:p>
+            <a:pPr marL="285750" indent="-285750">
+              <a:buFont typeface="Arial" panose="020B0604020202020204" pitchFamily="34" charset="0"/>
+              <a:buChar char="•"/>
+            </a:pPr>
+            <a:r>
+              <a:rPr kumimoji="0" lang="en-US" b="1" i="0" u="none" strike="noStrike" kern="1200" cap="none" spc="0" normalizeH="0" baseline="0" noProof="0" dirty="0">
+                <a:ln>
+                  <a:noFill/>
+                </a:ln>
+                <a:solidFill>
+                  <a:srgbClr val="002060"/>
+                </a:solidFill>
+                <a:effectLst/>
+                <a:uLnTx/>
+                <a:uFillTx/>
+                <a:latin typeface="Calibri" panose="020F0502020204030204"/>
+                <a:ea typeface="+mn-ea"/>
+                <a:cs typeface="+mn-cs"/>
+              </a:rPr>
+              <a:t>Is there any correlation between size and strength of tornado activity to resulting Death, Injury and Damage?</a:t>
+            </a:r>
+          </a:p>
+          <a:p>
+            <a:pPr marL="742950" lvl="1" indent="-285750">
+              <a:buFont typeface="Arial" panose="020B0604020202020204" pitchFamily="34" charset="0"/>
+              <a:buChar char="•"/>
+            </a:pPr>
+            <a:endParaRPr lang="en-US" b="1" dirty="0">
+              <a:solidFill>
+                <a:srgbClr val="002060"/>
+              </a:solidFill>
+              <a:latin typeface="Calibri" panose="020F0502020204030204"/>
+            </a:endParaRPr>
+          </a:p>
+          <a:p>
+            <a:pPr marL="742950" lvl="1" indent="-285750">
+              <a:buFont typeface="Arial" panose="020B0604020202020204" pitchFamily="34" charset="0"/>
+              <a:buChar char="•"/>
+            </a:pPr>
+            <a:r>
+              <a:rPr lang="en-US" b="1" i="0" dirty="0">
+                <a:solidFill>
+                  <a:srgbClr val="002060"/>
+                </a:solidFill>
+                <a:effectLst/>
+                <a:latin typeface="Slack-Lato"/>
+              </a:rPr>
+              <a:t>According to the scatter plot, a tornadic event with the highest EF-Scale resulted in the greatest number in deaths; but a greater number of injuries was from an EF-3 tornadic event, the same of which created the most amount in damage.</a:t>
+            </a:r>
+            <a:endParaRPr kumimoji="0" lang="en-US" b="1" i="0" u="none" strike="noStrike" kern="1200" cap="none" spc="0" normalizeH="0" baseline="0" noProof="0" dirty="0">
+              <a:ln>
+                <a:noFill/>
+              </a:ln>
+              <a:solidFill>
+                <a:srgbClr val="002060"/>
+              </a:solidFill>
+              <a:effectLst/>
+              <a:uLnTx/>
+              <a:uFillTx/>
+              <a:latin typeface="-apple-system"/>
+              <a:ea typeface="+mn-ea"/>
+              <a:cs typeface="+mn-cs"/>
+            </a:endParaRPr>
+          </a:p>
+          <a:p>
+            <a:pPr marL="285750" marR="0" lvl="0" indent="-285750" algn="l" defTabSz="914400" rtl="0" eaLnBrk="1" fontAlgn="auto" latinLnBrk="0" hangingPunct="1">
+              <a:lnSpc>
+                <a:spcPct val="100000"/>
+              </a:lnSpc>
+              <a:spcBef>
+                <a:spcPts val="0"/>
+              </a:spcBef>
+              <a:spcAft>
+                <a:spcPts val="0"/>
+              </a:spcAft>
+              <a:buClrTx/>
+              <a:buSzTx/>
+              <a:buFont typeface="Arial" panose="020B0604020202020204" pitchFamily="34" charset="0"/>
+              <a:buChar char="•"/>
+              <a:tabLst/>
+              <a:defRPr/>
+            </a:pPr>
+            <a:endParaRPr kumimoji="0" lang="en-US" sz="1800" b="0" i="0" u="none" strike="noStrike" kern="1200" cap="none" spc="0" normalizeH="0" baseline="0" noProof="0" dirty="0">
+              <a:ln>
+                <a:noFill/>
+              </a:ln>
+              <a:solidFill>
+                <a:srgbClr val="002060"/>
+              </a:solidFill>
+              <a:effectLst/>
+              <a:uLnTx/>
+              <a:uFillTx/>
+              <a:latin typeface="-apple-system"/>
+              <a:ea typeface="+mn-ea"/>
+              <a:cs typeface="+mn-cs"/>
+            </a:endParaRPr>
+          </a:p>
+          <a:p>
+            <a:pPr marL="285750" indent="-285750">
+              <a:buFont typeface="Arial" panose="020B0604020202020204" pitchFamily="34" charset="0"/>
+              <a:buChar char="•"/>
+            </a:pPr>
+            <a:r>
+              <a:rPr kumimoji="0" lang="en-US" b="1" i="0" u="none" strike="noStrike" kern="1200" cap="none" spc="0" normalizeH="0" baseline="0" noProof="0" dirty="0">
+                <a:ln>
+                  <a:noFill/>
+                </a:ln>
+                <a:solidFill>
+                  <a:srgbClr val="002060"/>
+                </a:solidFill>
+                <a:effectLst/>
+                <a:uLnTx/>
+                <a:uFillTx/>
+                <a:latin typeface="-apple-system"/>
+                <a:ea typeface="+mn-ea"/>
+                <a:cs typeface="+mn-cs"/>
+              </a:rPr>
+              <a:t>Where is the most tornadic activity?</a:t>
+            </a:r>
+          </a:p>
+          <a:p>
+            <a:pPr marL="285750" indent="-285750">
+              <a:buFont typeface="Arial" panose="020B0604020202020204" pitchFamily="34" charset="0"/>
+              <a:buChar char="•"/>
+            </a:pPr>
+            <a:endParaRPr lang="en-US" b="1" dirty="0">
+              <a:solidFill>
+                <a:srgbClr val="002060"/>
+              </a:solidFill>
+              <a:latin typeface="-apple-system"/>
+            </a:endParaRPr>
+          </a:p>
+          <a:p>
+            <a:pPr marL="742950" lvl="1" indent="-285750">
+              <a:buFont typeface="Arial" panose="020B0604020202020204" pitchFamily="34" charset="0"/>
+              <a:buChar char="•"/>
+            </a:pPr>
+            <a:r>
+              <a:rPr kumimoji="0" lang="en-US" sz="1600" b="1" i="0" u="none" strike="noStrike" kern="1200" cap="none" spc="0" normalizeH="0" baseline="0" noProof="0" dirty="0">
+                <a:ln>
+                  <a:noFill/>
+                </a:ln>
+                <a:solidFill>
+                  <a:srgbClr val="002060"/>
+                </a:solidFill>
+                <a:effectLst/>
+                <a:uLnTx/>
+                <a:uFillTx/>
+                <a:latin typeface="-apple-system"/>
+                <a:ea typeface="+mn-ea"/>
+                <a:cs typeface="+mn-cs"/>
+              </a:rPr>
+              <a:t>Our analysis of the map shows that Tennessee, Alabama and Mississippi have the most tornadic activity.</a:t>
+            </a:r>
+          </a:p>
+          <a:p>
+            <a:pPr marL="285750" marR="0" lvl="0" indent="-285750" algn="l" defTabSz="914400" rtl="0" eaLnBrk="1" fontAlgn="auto" latinLnBrk="0" hangingPunct="1">
+              <a:lnSpc>
+                <a:spcPct val="100000"/>
+              </a:lnSpc>
+              <a:spcBef>
+                <a:spcPts val="0"/>
+              </a:spcBef>
+              <a:spcAft>
+                <a:spcPts val="0"/>
+              </a:spcAft>
+              <a:buClrTx/>
+              <a:buSzTx/>
+              <a:buFont typeface="Arial" panose="020B0604020202020204" pitchFamily="34" charset="0"/>
+              <a:buChar char="•"/>
+              <a:tabLst/>
+              <a:defRPr/>
+            </a:pPr>
+            <a:endParaRPr kumimoji="0" lang="en-US" sz="1800" b="0" i="0" u="none" strike="noStrike" kern="1200" cap="none" spc="0" normalizeH="0" baseline="0" noProof="0" dirty="0">
+              <a:ln>
+                <a:noFill/>
+              </a:ln>
+              <a:solidFill>
+                <a:srgbClr val="002060"/>
+              </a:solidFill>
+              <a:effectLst/>
+              <a:uLnTx/>
+              <a:uFillTx/>
+              <a:latin typeface="-apple-system"/>
+              <a:ea typeface="+mn-ea"/>
+              <a:cs typeface="+mn-cs"/>
+            </a:endParaRPr>
+          </a:p>
+          <a:p>
+            <a:pPr marL="285750" indent="-285750">
+              <a:buFont typeface="Arial" panose="020B0604020202020204" pitchFamily="34" charset="0"/>
+              <a:buChar char="•"/>
+            </a:pPr>
+            <a:r>
+              <a:rPr kumimoji="0" lang="en-US" b="1" i="0" u="none" strike="noStrike" kern="1200" cap="none" spc="0" normalizeH="0" baseline="0" noProof="0" dirty="0">
+                <a:ln>
+                  <a:noFill/>
+                </a:ln>
+                <a:solidFill>
+                  <a:srgbClr val="002060"/>
+                </a:solidFill>
+                <a:effectLst/>
+                <a:uLnTx/>
+                <a:uFillTx/>
+                <a:latin typeface="-apple-system"/>
+                <a:ea typeface="+mn-ea"/>
+                <a:cs typeface="+mn-cs"/>
+              </a:rPr>
+              <a:t>Does location affect size?</a:t>
+            </a:r>
+          </a:p>
+          <a:p>
+            <a:pPr marL="742950" lvl="1" indent="-285750">
+              <a:buFont typeface="Arial" panose="020B0604020202020204" pitchFamily="34" charset="0"/>
+              <a:buChar char="•"/>
+            </a:pPr>
+            <a:endParaRPr lang="en-US" b="1" dirty="0">
+              <a:solidFill>
+                <a:srgbClr val="002060"/>
+              </a:solidFill>
+              <a:latin typeface="-apple-system"/>
+            </a:endParaRPr>
+          </a:p>
+          <a:p>
+            <a:pPr marL="742950" lvl="1" indent="-285750">
+              <a:buFont typeface="Arial" panose="020B0604020202020204" pitchFamily="34" charset="0"/>
+              <a:buChar char="•"/>
+            </a:pPr>
+            <a:r>
+              <a:rPr lang="en-US" b="1" i="0" dirty="0">
+                <a:solidFill>
+                  <a:srgbClr val="002060"/>
+                </a:solidFill>
+                <a:effectLst/>
+                <a:latin typeface="Slack-Lato"/>
+              </a:rPr>
+              <a:t>Since the data is scattered somewhat equally among the EF Scales across latitude and longitude there really is no correlation between location and size.</a:t>
+            </a:r>
+          </a:p>
+          <a:p>
+            <a:pPr marL="742950" lvl="1" indent="-285750">
+              <a:buFont typeface="Arial" panose="020B0604020202020204" pitchFamily="34" charset="0"/>
+              <a:buChar char="•"/>
+            </a:pPr>
+            <a:endParaRPr lang="en-US" b="1" dirty="0">
+              <a:solidFill>
+                <a:srgbClr val="002060"/>
+              </a:solidFill>
+              <a:latin typeface="Slack-Lato"/>
+            </a:endParaRPr>
+          </a:p>
+          <a:p>
+            <a:pPr marL="742950" lvl="1" indent="-285750">
+              <a:buFont typeface="Arial" panose="020B0604020202020204" pitchFamily="34" charset="0"/>
+              <a:buChar char="•"/>
+            </a:pPr>
+            <a:r>
+              <a:rPr lang="en-US" b="1" i="0" dirty="0">
+                <a:solidFill>
+                  <a:srgbClr val="002060"/>
+                </a:solidFill>
+                <a:effectLst/>
+                <a:latin typeface="Slack-Lato"/>
+              </a:rPr>
+              <a:t>However, the frequency of tornadic activity along latitude and longitude shows a propensity for tornadoes in certain areas.</a:t>
+            </a:r>
+            <a:endParaRPr lang="en-US" b="1" dirty="0">
+              <a:solidFill>
+                <a:srgbClr val="002060"/>
+              </a:solidFill>
+              <a:latin typeface="-apple-system"/>
+            </a:endParaRPr>
+          </a:p>
+          <a:p>
+            <a:pPr marL="742950" lvl="1" indent="-285750">
+              <a:buFont typeface="Arial" panose="020B0604020202020204" pitchFamily="34" charset="0"/>
+              <a:buChar char="•"/>
+            </a:pPr>
+            <a:endParaRPr kumimoji="0" lang="en-US" b="1" i="0" u="none" strike="noStrike" kern="1200" cap="none" spc="0" normalizeH="0" baseline="0" noProof="0" dirty="0">
+              <a:ln>
+                <a:noFill/>
+              </a:ln>
+              <a:solidFill>
+                <a:srgbClr val="002060"/>
+              </a:solidFill>
+              <a:effectLst/>
+              <a:uLnTx/>
+              <a:uFillTx/>
+              <a:latin typeface="-apple-system"/>
+              <a:ea typeface="+mn-ea"/>
+              <a:cs typeface="+mn-cs"/>
+            </a:endParaRPr>
+          </a:p>
+          <a:p>
+            <a:pPr marL="285750" indent="-285750">
+              <a:buFont typeface="Arial" panose="020B0604020202020204" pitchFamily="34" charset="0"/>
+              <a:buChar char="•"/>
+            </a:pPr>
+            <a:r>
+              <a:rPr kumimoji="0" lang="en-US" b="1" i="0" u="none" strike="noStrike" kern="1200" cap="none" spc="0" normalizeH="0" baseline="0" noProof="0" dirty="0">
+                <a:ln>
+                  <a:noFill/>
+                </a:ln>
+                <a:solidFill>
+                  <a:srgbClr val="002060"/>
+                </a:solidFill>
+                <a:effectLst/>
+                <a:uLnTx/>
+                <a:uFillTx/>
+                <a:latin typeface="-apple-system"/>
+                <a:ea typeface="+mn-ea"/>
+                <a:cs typeface="+mn-cs"/>
+              </a:rPr>
+              <a:t>Is there current weather indicative to tornadic activity?</a:t>
+            </a:r>
+          </a:p>
+          <a:p>
+            <a:pPr marL="285750" indent="-285750">
+              <a:buFont typeface="Arial" panose="020B0604020202020204" pitchFamily="34" charset="0"/>
+              <a:buChar char="•"/>
+            </a:pPr>
+            <a:endParaRPr lang="en-US" b="1" dirty="0">
+              <a:solidFill>
+                <a:srgbClr val="002060"/>
+              </a:solidFill>
+              <a:latin typeface="-apple-system"/>
+            </a:endParaRPr>
+          </a:p>
+          <a:p>
+            <a:pPr marL="742950" lvl="1" indent="-285750">
+              <a:buFont typeface="Arial" panose="020B0604020202020204" pitchFamily="34" charset="0"/>
+              <a:buChar char="•"/>
+            </a:pPr>
+            <a:r>
+              <a:rPr kumimoji="0" lang="en-US" b="1" i="0" u="none" strike="noStrike" kern="1200" cap="none" spc="0" normalizeH="0" baseline="0" noProof="0" dirty="0">
+                <a:ln>
+                  <a:noFill/>
+                </a:ln>
+                <a:solidFill>
+                  <a:srgbClr val="002060"/>
+                </a:solidFill>
+                <a:effectLst/>
+                <a:uLnTx/>
+                <a:uFillTx/>
+                <a:latin typeface="-apple-system"/>
+                <a:ea typeface="+mn-ea"/>
+                <a:cs typeface="+mn-cs"/>
+              </a:rPr>
+              <a:t>This question could be considered for future analysis.</a:t>
+            </a:r>
+          </a:p>
+          <a:p>
+            <a:pPr marL="285750" indent="-285750">
+              <a:buFont typeface="Arial" panose="020B0604020202020204" pitchFamily="34" charset="0"/>
+              <a:buChar char="•"/>
+            </a:pPr>
+            <a:endParaRPr lang="en-US" b="1" dirty="0">
+              <a:solidFill>
+                <a:srgbClr val="002060"/>
+              </a:solidFill>
+              <a:latin typeface="-apple-system"/>
+            </a:endParaRPr>
+          </a:p>
+          <a:p>
+            <a:pPr marL="742950" lvl="1" indent="-285750">
+              <a:buFont typeface="Arial" panose="020B0604020202020204" pitchFamily="34" charset="0"/>
+              <a:buChar char="•"/>
+            </a:pPr>
+            <a:endParaRPr kumimoji="0" lang="en-US" b="1" i="0" u="none" strike="noStrike" kern="1200" cap="none" spc="0" normalizeH="0" baseline="0" noProof="0" dirty="0">
+              <a:ln>
+                <a:noFill/>
+              </a:ln>
+              <a:solidFill>
+                <a:srgbClr val="002060"/>
+              </a:solidFill>
+              <a:effectLst/>
+              <a:uLnTx/>
+              <a:uFillTx/>
+              <a:latin typeface="-apple-system"/>
+              <a:ea typeface="+mn-ea"/>
+              <a:cs typeface="+mn-cs"/>
+            </a:endParaRPr>
           </a:p>
         </p:txBody>
       </p:sp>
-      <p:pic>
-        <p:nvPicPr>
-          <p:cNvPr id="5" name="Picture 4" descr="A picture containing grass, outdoor, smoke, nature&#10;&#10;Description automatically generated">
-            <a:extLst>
-              <a:ext uri="{FF2B5EF4-FFF2-40B4-BE49-F238E27FC236}">
-                <a16:creationId xmlns:a16="http://schemas.microsoft.com/office/drawing/2014/main" id="{33C60583-DF47-4F9C-8D62-0E78C4AD7F0B}"/>
-              </a:ext>
-            </a:extLst>
-          </p:cNvPr>
-          <p:cNvPicPr>
-            <a:picLocks noChangeAspect="1"/>
-          </p:cNvPicPr>
-          <p:nvPr/>
-        </p:nvPicPr>
-        <p:blipFill rotWithShape="1">
-          <a:blip r:embed="rId2">
-            <a:extLst>
-              <a:ext uri="{28A0092B-C50C-407E-A947-70E740481C1C}">
-                <a14:useLocalDpi xmlns:a14="http://schemas.microsoft.com/office/drawing/2010/main" val="0"/>
-              </a:ext>
-            </a:extLst>
-          </a:blip>
-          <a:srcRect r="9119"/>
-          <a:stretch/>
-        </p:blipFill>
-        <p:spPr>
-          <a:xfrm>
-            <a:off x="-94319" y="109763"/>
-            <a:ext cx="12188952" cy="6710181"/>
-          </a:xfrm>
-          <a:custGeom>
-            <a:avLst/>
-            <a:gdLst/>
-            <a:ahLst/>
-            <a:cxnLst/>
-            <a:rect l="l" t="t" r="r" b="b"/>
-            <a:pathLst>
-              <a:path w="8500451" h="5783926">
-                <a:moveTo>
-                  <a:pt x="4814568" y="604"/>
-                </a:moveTo>
-                <a:cubicBezTo>
-                  <a:pt x="5041344" y="3294"/>
-                  <a:pt x="5267019" y="14348"/>
-                  <a:pt x="5493575" y="21000"/>
-                </a:cubicBezTo>
-                <a:cubicBezTo>
-                  <a:pt x="5987120" y="36130"/>
-                  <a:pt x="6483273" y="35607"/>
-                  <a:pt x="6977859" y="46564"/>
-                </a:cubicBezTo>
-                <a:cubicBezTo>
-                  <a:pt x="7286195" y="53346"/>
-                  <a:pt x="7590877" y="77867"/>
-                  <a:pt x="7880953" y="154038"/>
-                </a:cubicBezTo>
-                <a:cubicBezTo>
-                  <a:pt x="7921646" y="164993"/>
-                  <a:pt x="7967557" y="167081"/>
-                  <a:pt x="7998861" y="193166"/>
-                </a:cubicBezTo>
-                <a:cubicBezTo>
-                  <a:pt x="8033815" y="222382"/>
-                  <a:pt x="8019729" y="265163"/>
-                  <a:pt x="7968600" y="273511"/>
-                </a:cubicBezTo>
-                <a:cubicBezTo>
-                  <a:pt x="7903386" y="284466"/>
-                  <a:pt x="7836607" y="287597"/>
-                  <a:pt x="7764609" y="294901"/>
-                </a:cubicBezTo>
-                <a:cubicBezTo>
-                  <a:pt x="7792260" y="335073"/>
-                  <a:pt x="7859040" y="304814"/>
-                  <a:pt x="7876257" y="354899"/>
-                </a:cubicBezTo>
-                <a:cubicBezTo>
-                  <a:pt x="7799043" y="389332"/>
-                  <a:pt x="7705656" y="366898"/>
-                  <a:pt x="7631049" y="400810"/>
-                </a:cubicBezTo>
-                <a:cubicBezTo>
-                  <a:pt x="7633137" y="424287"/>
-                  <a:pt x="7649831" y="426374"/>
-                  <a:pt x="7663396" y="432635"/>
-                </a:cubicBezTo>
-                <a:cubicBezTo>
-                  <a:pt x="7676961" y="438373"/>
-                  <a:pt x="7710871" y="430026"/>
-                  <a:pt x="7696264" y="462894"/>
-                </a:cubicBezTo>
-                <a:cubicBezTo>
-                  <a:pt x="7541315" y="482719"/>
-                  <a:pt x="7393147" y="550021"/>
-                  <a:pt x="7229849" y="540630"/>
-                </a:cubicBezTo>
-                <a:cubicBezTo>
-                  <a:pt x="7431755" y="558890"/>
-                  <a:pt x="7602355" y="633496"/>
-                  <a:pt x="7780782" y="683059"/>
-                </a:cubicBezTo>
-                <a:cubicBezTo>
-                  <a:pt x="7773479" y="741491"/>
-                  <a:pt x="7701483" y="718014"/>
-                  <a:pt x="7680613" y="759751"/>
-                </a:cubicBezTo>
-                <a:cubicBezTo>
-                  <a:pt x="7794869" y="788967"/>
-                  <a:pt x="7904429" y="823401"/>
-                  <a:pt x="7998861" y="880789"/>
-                </a:cubicBezTo>
-                <a:cubicBezTo>
-                  <a:pt x="8083901" y="932439"/>
-                  <a:pt x="8164765" y="989306"/>
-                  <a:pt x="8257111" y="1031566"/>
-                </a:cubicBezTo>
-                <a:cubicBezTo>
-                  <a:pt x="8354150" y="1075912"/>
-                  <a:pt x="8413103" y="1132779"/>
-                  <a:pt x="8402148" y="1229819"/>
-                </a:cubicBezTo>
-                <a:cubicBezTo>
-                  <a:pt x="8397452" y="1269468"/>
-                  <a:pt x="8409973" y="1302859"/>
-                  <a:pt x="8453275" y="1318510"/>
-                </a:cubicBezTo>
-                <a:cubicBezTo>
-                  <a:pt x="8507013" y="1337814"/>
-                  <a:pt x="8501275" y="1367029"/>
-                  <a:pt x="8499187" y="1411897"/>
-                </a:cubicBezTo>
-                <a:cubicBezTo>
-                  <a:pt x="8496056" y="1465634"/>
-                  <a:pt x="8468406" y="1486504"/>
-                  <a:pt x="8419885" y="1504764"/>
-                </a:cubicBezTo>
-                <a:cubicBezTo>
-                  <a:pt x="8350497" y="1530327"/>
-                  <a:pt x="8349975" y="1569978"/>
-                  <a:pt x="8368237" y="1617454"/>
-                </a:cubicBezTo>
-                <a:cubicBezTo>
-                  <a:pt x="8378149" y="1643540"/>
-                  <a:pt x="8393278" y="1664409"/>
-                  <a:pt x="8415713" y="1683712"/>
-                </a:cubicBezTo>
-                <a:cubicBezTo>
-                  <a:pt x="8493448" y="1751014"/>
-                  <a:pt x="8492927" y="1752056"/>
-                  <a:pt x="8416755" y="1831880"/>
-                </a:cubicBezTo>
-                <a:cubicBezTo>
-                  <a:pt x="8396408" y="1853269"/>
-                  <a:pt x="8374496" y="1867356"/>
-                  <a:pt x="8383888" y="1901790"/>
-                </a:cubicBezTo>
-                <a:cubicBezTo>
-                  <a:pt x="8415713" y="2016046"/>
-                  <a:pt x="8411538" y="2016046"/>
-                  <a:pt x="8283717" y="2053609"/>
-                </a:cubicBezTo>
-                <a:cubicBezTo>
-                  <a:pt x="8254501" y="2062479"/>
-                  <a:pt x="8215373" y="2054653"/>
-                  <a:pt x="8198678" y="2087521"/>
-                </a:cubicBezTo>
-                <a:cubicBezTo>
-                  <a:pt x="8209113" y="2111521"/>
-                  <a:pt x="8184591" y="2690625"/>
-                  <a:pt x="8207547" y="2700017"/>
-                </a:cubicBezTo>
-                <a:cubicBezTo>
-                  <a:pt x="8387017" y="2773578"/>
-                  <a:pt x="8409451" y="2860184"/>
-                  <a:pt x="8269632" y="2996352"/>
-                </a:cubicBezTo>
-                <a:cubicBezTo>
-                  <a:pt x="8175722" y="3087653"/>
-                  <a:pt x="8186677" y="3236864"/>
-                  <a:pt x="8225807" y="3330251"/>
-                </a:cubicBezTo>
-                <a:cubicBezTo>
-                  <a:pt x="8373452" y="3371467"/>
-                  <a:pt x="8341107" y="3481027"/>
-                  <a:pt x="8370845" y="3577023"/>
-                </a:cubicBezTo>
-                <a:cubicBezTo>
-                  <a:pt x="8392757" y="3649020"/>
-                  <a:pt x="8306673" y="3639107"/>
-                  <a:pt x="8310847" y="3671976"/>
-                </a:cubicBezTo>
-                <a:cubicBezTo>
-                  <a:pt x="8365105" y="3711626"/>
-                  <a:pt x="8437624" y="3724148"/>
-                  <a:pt x="8479884" y="3778406"/>
-                </a:cubicBezTo>
-                <a:cubicBezTo>
-                  <a:pt x="8403713" y="3818056"/>
-                  <a:pt x="8365105" y="3873880"/>
-                  <a:pt x="8322845" y="3929703"/>
-                </a:cubicBezTo>
-                <a:cubicBezTo>
-                  <a:pt x="8254501" y="4020482"/>
-                  <a:pt x="8161635" y="4097174"/>
-                  <a:pt x="8063031" y="4166563"/>
-                </a:cubicBezTo>
-                <a:cubicBezTo>
-                  <a:pt x="8012947" y="4649674"/>
-                  <a:pt x="7851215" y="5156783"/>
-                  <a:pt x="7833475" y="5181825"/>
-                </a:cubicBezTo>
-                <a:cubicBezTo>
-                  <a:pt x="7760436" y="5174520"/>
-                  <a:pt x="7618528" y="5466682"/>
-                  <a:pt x="7495403" y="5493812"/>
-                </a:cubicBezTo>
-                <a:cubicBezTo>
-                  <a:pt x="7366017" y="5523550"/>
-                  <a:pt x="5441925" y="5797973"/>
-                  <a:pt x="5148199" y="5783364"/>
-                </a:cubicBezTo>
-                <a:cubicBezTo>
-                  <a:pt x="3551743" y="5705628"/>
-                  <a:pt x="3505310" y="5598155"/>
-                  <a:pt x="3505310" y="5598155"/>
-                </a:cubicBezTo>
-                <a:cubicBezTo>
-                  <a:pt x="3505310" y="5598155"/>
-                  <a:pt x="3596089" y="5571548"/>
-                  <a:pt x="3675390" y="5541287"/>
-                </a:cubicBezTo>
-                <a:cubicBezTo>
-                  <a:pt x="3627392" y="5542853"/>
-                  <a:pt x="3579395" y="5543896"/>
-                  <a:pt x="3531919" y="5542331"/>
-                </a:cubicBezTo>
-                <a:cubicBezTo>
-                  <a:pt x="3164108" y="5531375"/>
-                  <a:pt x="3500093" y="5511028"/>
-                  <a:pt x="3138022" y="5469291"/>
-                </a:cubicBezTo>
-                <a:cubicBezTo>
-                  <a:pt x="2527092" y="5398860"/>
-                  <a:pt x="2618913" y="5380598"/>
-                  <a:pt x="2058068" y="5181825"/>
-                </a:cubicBezTo>
-                <a:cubicBezTo>
-                  <a:pt x="2008504" y="5164086"/>
-                  <a:pt x="1660519" y="5056613"/>
-                  <a:pt x="1447659" y="5044613"/>
-                </a:cubicBezTo>
-                <a:cubicBezTo>
-                  <a:pt x="1391313" y="5041483"/>
-                  <a:pt x="1329751" y="5042527"/>
-                  <a:pt x="1281230" y="4977311"/>
-                </a:cubicBezTo>
-                <a:cubicBezTo>
-                  <a:pt x="1429920" y="4979399"/>
-                  <a:pt x="1557741" y="4979399"/>
-                  <a:pt x="1696518" y="4945487"/>
-                </a:cubicBezTo>
-                <a:cubicBezTo>
-                  <a:pt x="1622434" y="4898532"/>
-                  <a:pt x="1537394" y="4938705"/>
-                  <a:pt x="1478440" y="4905836"/>
-                </a:cubicBezTo>
-                <a:cubicBezTo>
-                  <a:pt x="1423138" y="4875577"/>
-                  <a:pt x="1375140" y="4871404"/>
-                  <a:pt x="1318795" y="4919401"/>
-                </a:cubicBezTo>
-                <a:cubicBezTo>
-                  <a:pt x="1289578" y="4944443"/>
-                  <a:pt x="1237928" y="4939747"/>
-                  <a:pt x="1208190" y="4925140"/>
-                </a:cubicBezTo>
-                <a:cubicBezTo>
-                  <a:pt x="1049066" y="4846360"/>
-                  <a:pt x="1052718" y="4847404"/>
-                  <a:pt x="875857" y="4867751"/>
-                </a:cubicBezTo>
-                <a:cubicBezTo>
-                  <a:pt x="763166" y="4880272"/>
-                  <a:pt x="648388" y="4902706"/>
-                  <a:pt x="545088" y="4889141"/>
-                </a:cubicBezTo>
-                <a:cubicBezTo>
-                  <a:pt x="532045" y="4859403"/>
-                  <a:pt x="543522" y="4845839"/>
-                  <a:pt x="558131" y="4841666"/>
-                </a:cubicBezTo>
-                <a:cubicBezTo>
-                  <a:pt x="796034" y="4776973"/>
-                  <a:pt x="840379" y="4702889"/>
-                  <a:pt x="1081413" y="4662717"/>
-                </a:cubicBezTo>
-                <a:cubicBezTo>
-                  <a:pt x="1099151" y="4617327"/>
-                  <a:pt x="1011503" y="4609500"/>
-                  <a:pt x="1052718" y="4564633"/>
-                </a:cubicBezTo>
-                <a:cubicBezTo>
-                  <a:pt x="1127846" y="4529678"/>
-                  <a:pt x="1216016" y="4570894"/>
-                  <a:pt x="1290622" y="4525505"/>
-                </a:cubicBezTo>
-                <a:cubicBezTo>
-                  <a:pt x="1277579" y="4493158"/>
-                  <a:pt x="1214972" y="4516636"/>
-                  <a:pt x="1217581" y="4482202"/>
-                </a:cubicBezTo>
-                <a:cubicBezTo>
-                  <a:pt x="1220712" y="4442552"/>
-                  <a:pt x="1264536" y="4448813"/>
-                  <a:pt x="1294796" y="4451421"/>
-                </a:cubicBezTo>
-                <a:cubicBezTo>
-                  <a:pt x="1441398" y="4464985"/>
-                  <a:pt x="1568696" y="4390902"/>
-                  <a:pt x="1709040" y="4365860"/>
-                </a:cubicBezTo>
-                <a:cubicBezTo>
-                  <a:pt x="1559306" y="4303253"/>
-                  <a:pt x="686474" y="4353338"/>
-                  <a:pt x="530479" y="4334034"/>
-                </a:cubicBezTo>
-                <a:cubicBezTo>
-                  <a:pt x="367182" y="4314210"/>
-                  <a:pt x="107367" y="4261516"/>
-                  <a:pt x="174146" y="4244821"/>
-                </a:cubicBezTo>
-                <a:cubicBezTo>
-                  <a:pt x="249796" y="4225518"/>
-                  <a:pt x="519524" y="3996484"/>
-                  <a:pt x="596216" y="3986050"/>
-                </a:cubicBezTo>
-                <a:cubicBezTo>
-                  <a:pt x="685430" y="3974050"/>
-                  <a:pt x="703169" y="3957876"/>
-                  <a:pt x="820554" y="3875967"/>
-                </a:cubicBezTo>
-                <a:cubicBezTo>
-                  <a:pt x="897769" y="3822230"/>
-                  <a:pt x="576391" y="3939094"/>
-                  <a:pt x="451179" y="3901009"/>
-                </a:cubicBezTo>
-                <a:cubicBezTo>
-                  <a:pt x="405268" y="3886923"/>
-                  <a:pt x="729255" y="3738233"/>
-                  <a:pt x="729255" y="3711105"/>
-                </a:cubicBezTo>
-                <a:cubicBezTo>
-                  <a:pt x="729255" y="3682409"/>
-                  <a:pt x="700038" y="3676150"/>
-                  <a:pt x="672387" y="3676150"/>
-                </a:cubicBezTo>
-                <a:cubicBezTo>
-                  <a:pt x="610824" y="3676150"/>
-                  <a:pt x="629606" y="3651106"/>
-                  <a:pt x="568043" y="3652673"/>
-                </a:cubicBezTo>
-                <a:cubicBezTo>
-                  <a:pt x="748558" y="3580154"/>
-                  <a:pt x="860205" y="3599458"/>
-                  <a:pt x="1038632" y="3533198"/>
-                </a:cubicBezTo>
-                <a:cubicBezTo>
-                  <a:pt x="1125760" y="3500852"/>
-                  <a:pt x="817425" y="3393378"/>
-                  <a:pt x="907160" y="3365206"/>
-                </a:cubicBezTo>
-                <a:cubicBezTo>
-                  <a:pt x="941071" y="3354249"/>
-                  <a:pt x="986461" y="3365727"/>
-                  <a:pt x="1009938" y="3327120"/>
-                </a:cubicBezTo>
-                <a:cubicBezTo>
-                  <a:pt x="972897" y="3296340"/>
-                  <a:pt x="923855" y="3309904"/>
-                  <a:pt x="886812" y="3322425"/>
-                </a:cubicBezTo>
-                <a:cubicBezTo>
-                  <a:pt x="792381" y="3354772"/>
-                  <a:pt x="799165" y="3346946"/>
-                  <a:pt x="789773" y="3322947"/>
-                </a:cubicBezTo>
-                <a:cubicBezTo>
-                  <a:pt x="758993" y="3241037"/>
-                  <a:pt x="682822" y="3267123"/>
-                  <a:pt x="615520" y="3280688"/>
-                </a:cubicBezTo>
-                <a:cubicBezTo>
-                  <a:pt x="412050" y="3321382"/>
-                  <a:pt x="205972" y="3309904"/>
-                  <a:pt x="3023" y="3351641"/>
-                </a:cubicBezTo>
-                <a:cubicBezTo>
-                  <a:pt x="-18888" y="3356337"/>
-                  <a:pt x="83890" y="3262949"/>
-                  <a:pt x="132409" y="3251993"/>
-                </a:cubicBezTo>
-                <a:cubicBezTo>
-                  <a:pt x="185103" y="3240516"/>
-                  <a:pt x="249796" y="3248863"/>
-                  <a:pt x="287360" y="3195127"/>
-                </a:cubicBezTo>
-                <a:cubicBezTo>
-                  <a:pt x="220579" y="3181561"/>
-                  <a:pt x="144410" y="3207647"/>
-                  <a:pt x="78150" y="3164866"/>
-                </a:cubicBezTo>
-                <a:cubicBezTo>
-                  <a:pt x="225276" y="3105913"/>
-                  <a:pt x="371878" y="3107999"/>
-                  <a:pt x="498655" y="3069914"/>
-                </a:cubicBezTo>
-                <a:cubicBezTo>
-                  <a:pt x="510133" y="2999483"/>
-                  <a:pt x="426658" y="3025046"/>
-                  <a:pt x="396399" y="2984874"/>
-                </a:cubicBezTo>
-                <a:cubicBezTo>
-                  <a:pt x="1351140" y="2916007"/>
-                  <a:pt x="817946" y="2712537"/>
-                  <a:pt x="658822" y="2601411"/>
-                </a:cubicBezTo>
-                <a:cubicBezTo>
-                  <a:pt x="605607" y="2564370"/>
-                  <a:pt x="1164888" y="2388551"/>
-                  <a:pt x="1183148" y="2383856"/>
-                </a:cubicBezTo>
-                <a:cubicBezTo>
-                  <a:pt x="1229581" y="2372900"/>
-                  <a:pt x="1413747" y="2380725"/>
-                  <a:pt x="1451311" y="2366639"/>
-                </a:cubicBezTo>
-                <a:cubicBezTo>
-                  <a:pt x="1499309" y="2348901"/>
-                  <a:pt x="1340706" y="2318120"/>
-                  <a:pt x="1376184" y="2296729"/>
-                </a:cubicBezTo>
-                <a:cubicBezTo>
-                  <a:pt x="1625043" y="2145953"/>
-                  <a:pt x="1642780" y="1919006"/>
-                  <a:pt x="1572870" y="1902834"/>
-                </a:cubicBezTo>
-                <a:cubicBezTo>
-                  <a:pt x="1500353" y="1886138"/>
-                  <a:pt x="1429399" y="1899181"/>
-                  <a:pt x="1362097" y="1926311"/>
-                </a:cubicBezTo>
-                <a:cubicBezTo>
-                  <a:pt x="1252536" y="1970656"/>
-                  <a:pt x="493960" y="1907528"/>
-                  <a:pt x="281620" y="1943006"/>
-                </a:cubicBezTo>
-                <a:cubicBezTo>
-                  <a:pt x="249274" y="1948223"/>
-                  <a:pt x="205451" y="1971700"/>
-                  <a:pt x="174669" y="1927876"/>
-                </a:cubicBezTo>
-                <a:cubicBezTo>
-                  <a:pt x="393269" y="1785969"/>
-                  <a:pt x="673952" y="1826663"/>
-                  <a:pt x="918115" y="1730145"/>
-                </a:cubicBezTo>
-                <a:cubicBezTo>
-                  <a:pt x="822119" y="1663886"/>
-                  <a:pt x="724558" y="1667017"/>
-                  <a:pt x="624389" y="1676929"/>
-                </a:cubicBezTo>
-                <a:cubicBezTo>
-                  <a:pt x="598304" y="1679538"/>
-                  <a:pt x="562826" y="1683190"/>
-                  <a:pt x="556565" y="1655539"/>
-                </a:cubicBezTo>
-                <a:cubicBezTo>
-                  <a:pt x="548739" y="1620584"/>
-                  <a:pt x="590999" y="1614323"/>
-                  <a:pt x="618650" y="1600237"/>
-                </a:cubicBezTo>
-                <a:cubicBezTo>
-                  <a:pt x="660909" y="1578325"/>
-                  <a:pt x="723515" y="1604410"/>
-                  <a:pt x="775165" y="1544413"/>
-                </a:cubicBezTo>
-                <a:cubicBezTo>
-                  <a:pt x="618650" y="1558500"/>
-                  <a:pt x="486656" y="1583021"/>
-                  <a:pt x="348401" y="1624758"/>
-                </a:cubicBezTo>
-                <a:cubicBezTo>
-                  <a:pt x="360400" y="1587717"/>
-                  <a:pt x="402137" y="1570499"/>
-                  <a:pt x="378660" y="1539719"/>
-                </a:cubicBezTo>
-                <a:cubicBezTo>
-                  <a:pt x="360922" y="1516763"/>
-                  <a:pt x="310316" y="1505806"/>
-                  <a:pt x="336402" y="1463025"/>
-                </a:cubicBezTo>
-                <a:cubicBezTo>
-                  <a:pt x="409963" y="1417636"/>
-                  <a:pt x="514307" y="1429636"/>
-                  <a:pt x="576913" y="1364421"/>
-                </a:cubicBezTo>
-                <a:cubicBezTo>
-                  <a:pt x="665605" y="1271556"/>
-                  <a:pt x="803338" y="1239731"/>
-                  <a:pt x="911856" y="1171908"/>
-                </a:cubicBezTo>
-                <a:cubicBezTo>
-                  <a:pt x="947853" y="1149995"/>
-                  <a:pt x="1184192" y="1073303"/>
-                  <a:pt x="1247841" y="1048782"/>
-                </a:cubicBezTo>
-                <a:cubicBezTo>
-                  <a:pt x="1336532" y="1014349"/>
-                  <a:pt x="1437746" y="1002349"/>
-                  <a:pt x="1524872" y="939221"/>
-                </a:cubicBezTo>
-                <a:cubicBezTo>
-                  <a:pt x="1439310" y="926178"/>
-                  <a:pt x="1369923" y="985133"/>
-                  <a:pt x="1267145" y="956439"/>
-                </a:cubicBezTo>
-                <a:cubicBezTo>
-                  <a:pt x="1429920" y="895398"/>
-                  <a:pt x="1579131" y="867746"/>
-                  <a:pt x="1697039" y="783749"/>
-                </a:cubicBezTo>
-                <a:cubicBezTo>
-                  <a:pt x="1711648" y="773315"/>
-                  <a:pt x="1740342" y="776446"/>
-                  <a:pt x="1762255" y="772794"/>
-                </a:cubicBezTo>
-                <a:cubicBezTo>
-                  <a:pt x="1992852" y="735752"/>
-                  <a:pt x="2224495" y="704449"/>
-                  <a:pt x="2452486" y="650712"/>
-                </a:cubicBezTo>
-                <a:cubicBezTo>
-                  <a:pt x="2504136" y="638191"/>
-                  <a:pt x="2595436" y="635061"/>
-                  <a:pt x="2586045" y="590193"/>
-                </a:cubicBezTo>
-                <a:cubicBezTo>
-                  <a:pt x="2571959" y="522891"/>
-                  <a:pt x="2486919" y="570889"/>
-                  <a:pt x="2432138" y="577150"/>
-                </a:cubicBezTo>
-                <a:cubicBezTo>
-                  <a:pt x="2262059" y="597497"/>
-                  <a:pt x="2091979" y="632974"/>
-                  <a:pt x="1919291" y="613149"/>
-                </a:cubicBezTo>
-                <a:cubicBezTo>
-                  <a:pt x="2035633" y="588107"/>
-                  <a:pt x="2151455" y="562542"/>
-                  <a:pt x="2267799" y="537499"/>
-                </a:cubicBezTo>
-                <a:cubicBezTo>
-                  <a:pt x="2134238" y="546368"/>
-                  <a:pt x="2017896" y="487936"/>
-                  <a:pt x="1887988" y="514022"/>
-                </a:cubicBezTo>
-                <a:cubicBezTo>
-                  <a:pt x="1846250" y="522370"/>
-                  <a:pt x="1802427" y="495762"/>
-                  <a:pt x="1798252" y="454546"/>
-                </a:cubicBezTo>
-                <a:cubicBezTo>
-                  <a:pt x="1793557" y="421678"/>
-                  <a:pt x="1832686" y="407071"/>
-                  <a:pt x="1862424" y="396636"/>
-                </a:cubicBezTo>
-                <a:cubicBezTo>
-                  <a:pt x="1938595" y="370028"/>
-                  <a:pt x="1999113" y="291250"/>
-                  <a:pt x="2096675" y="332987"/>
-                </a:cubicBezTo>
-                <a:cubicBezTo>
-                  <a:pt x="2158237" y="267250"/>
-                  <a:pt x="2256320" y="256816"/>
-                  <a:pt x="2335621" y="239600"/>
-                </a:cubicBezTo>
-                <a:cubicBezTo>
-                  <a:pt x="2588654" y="185341"/>
-                  <a:pt x="2845338" y="143081"/>
-                  <a:pt x="3102023" y="107082"/>
-                </a:cubicBezTo>
-                <a:cubicBezTo>
-                  <a:pt x="3270538" y="83605"/>
-                  <a:pt x="3444270" y="93518"/>
-                  <a:pt x="3611219" y="63780"/>
-                </a:cubicBezTo>
-                <a:cubicBezTo>
-                  <a:pt x="3937814" y="5869"/>
-                  <a:pt x="4262322" y="7436"/>
-                  <a:pt x="4587352" y="1175"/>
-                </a:cubicBezTo>
-                <a:cubicBezTo>
-                  <a:pt x="4663262" y="-260"/>
-                  <a:pt x="4738976" y="-293"/>
-                  <a:pt x="4814568" y="604"/>
-                </a:cubicBezTo>
-                <a:close/>
-              </a:path>
-            </a:pathLst>
-          </a:custGeom>
-        </p:spPr>
-      </p:pic>
     </p:spTree>
     <p:extLst>
       <p:ext uri="{BB962C8B-B14F-4D97-AF65-F5344CB8AC3E}">
-        <p14:creationId xmlns:p14="http://schemas.microsoft.com/office/powerpoint/2010/main" val="1656712992"/>
+        <p14:creationId xmlns:p14="http://schemas.microsoft.com/office/powerpoint/2010/main" val="3857286363"/>
       </p:ext>
     </p:extLst>
   </p:cSld>
